--- a/0001-0100/LeetCode 第 47 题：“全排列 II”题解配图.pptx
+++ b/0001-0100/LeetCode 第 47 题：“全排列 II”题解配图.pptx
@@ -6,6 +6,9 @@
   </p:sldMasterIdLst>
   <p:sldIdLst>
     <p:sldId id="259" r:id="rId2"/>
+    <p:sldId id="261" r:id="rId3"/>
+    <p:sldId id="262" r:id="rId4"/>
+    <p:sldId id="263" r:id="rId5"/>
   </p:sldIdLst>
   <p:sldSz cx="12192000" cy="6858000"/>
   <p:notesSz cx="6858000" cy="9144000"/>
@@ -346,7 +349,7 @@
           <a:p>
             <a:fld id="{7C955CD6-C544-6447-88CB-A2D8D4C328B3}" type="datetimeFigureOut">
               <a:rPr kumimoji="1" lang="zh-CN" altLang="en-US" smtClean="0"/>
-              <a:t>2019/7/4</a:t>
+              <a:t>2019/7/19</a:t>
             </a:fld>
             <a:endParaRPr kumimoji="1" lang="zh-CN" altLang="en-US"/>
           </a:p>
@@ -743,10 +746,10 @@
       </p:grpSpPr>
       <p:pic>
         <p:nvPicPr>
-          <p:cNvPr id="3" name="图片 2">
+          <p:cNvPr id="6" name="图片 5">
             <a:extLst>
               <a:ext uri="{FF2B5EF4-FFF2-40B4-BE49-F238E27FC236}">
-                <a16:creationId xmlns:a16="http://schemas.microsoft.com/office/drawing/2014/main" id="{0BFD3FCF-1770-7148-952E-BB24CBE65973}"/>
+                <a16:creationId xmlns:a16="http://schemas.microsoft.com/office/drawing/2014/main" id="{C9F6F22E-304D-A347-8551-C5BCA7C0137C}"/>
               </a:ext>
             </a:extLst>
           </p:cNvPr>
@@ -763,8 +766,8 @@
         </p:blipFill>
         <p:spPr>
           <a:xfrm>
-            <a:off x="1482473" y="1727932"/>
-            <a:ext cx="8971853" cy="4966562"/>
+            <a:off x="1800000" y="1620000"/>
+            <a:ext cx="9520000" cy="5040000"/>
           </a:xfrm>
           <a:prstGeom prst="rect">
             <a:avLst/>
@@ -910,8 +913,8 @@
         </p:nvSpPr>
         <p:spPr>
           <a:xfrm flipH="1">
-            <a:off x="380475" y="789563"/>
-            <a:ext cx="6790346" cy="461665"/>
+            <a:off x="380472" y="789563"/>
+            <a:ext cx="4219807" cy="400110"/>
           </a:xfrm>
           <a:prstGeom prst="rect">
             <a:avLst/>
@@ -941,25 +944,47 @@
               <a:buChar char="Ø"/>
             </a:pPr>
             <a:r>
-              <a:rPr kumimoji="1" lang="zh-CN" altLang="en-US" sz="2400" b="1" dirty="0">
-                <a:solidFill>
-                  <a:schemeClr val="bg1"/>
-                </a:solidFill>
-                <a:latin typeface="Times New Roman" panose="02020603050405020304" pitchFamily="18" charset="0"/>
-                <a:ea typeface="KaiTi_GB2312" panose="02010609030101010101" pitchFamily="49" charset="-122"/>
-                <a:cs typeface="Times New Roman" panose="02020603050405020304" pitchFamily="18" charset="0"/>
-              </a:rPr>
-              <a:t>从这张图中体会“剪枝” 操作应该满足的条件。</a:t>
+              <a:rPr kumimoji="1" lang="zh-CN" altLang="en-US" sz="2000" b="1" dirty="0">
+                <a:solidFill>
+                  <a:schemeClr val="bg1"/>
+                </a:solidFill>
+                <a:latin typeface="Times New Roman" panose="02020603050405020304" pitchFamily="18" charset="0"/>
+                <a:ea typeface="KaiTi_GB2312" panose="02010609030101010101" pitchFamily="49" charset="-122"/>
+                <a:cs typeface="Times New Roman" panose="02020603050405020304" pitchFamily="18" charset="0"/>
+              </a:rPr>
+              <a:t>思想：“递归回溯”</a:t>
+            </a:r>
+            <a:r>
+              <a:rPr kumimoji="1" lang="en-US" altLang="zh-CN" sz="2000" b="1" dirty="0">
+                <a:solidFill>
+                  <a:schemeClr val="bg1"/>
+                </a:solidFill>
+                <a:latin typeface="Times New Roman" panose="02020603050405020304" pitchFamily="18" charset="0"/>
+                <a:ea typeface="KaiTi_GB2312" panose="02010609030101010101" pitchFamily="49" charset="-122"/>
+                <a:cs typeface="Times New Roman" panose="02020603050405020304" pitchFamily="18" charset="0"/>
+              </a:rPr>
+              <a:t>+</a:t>
+            </a:r>
+            <a:r>
+              <a:rPr kumimoji="1" lang="zh-CN" altLang="en-US" sz="2000" b="1" dirty="0">
+                <a:solidFill>
+                  <a:schemeClr val="bg1"/>
+                </a:solidFill>
+                <a:latin typeface="Times New Roman" panose="02020603050405020304" pitchFamily="18" charset="0"/>
+                <a:ea typeface="KaiTi_GB2312" panose="02010609030101010101" pitchFamily="49" charset="-122"/>
+                <a:cs typeface="Times New Roman" panose="02020603050405020304" pitchFamily="18" charset="0"/>
+              </a:rPr>
+              <a:t> “剪枝”。</a:t>
             </a:r>
           </a:p>
         </p:txBody>
       </p:sp>
       <p:sp>
         <p:nvSpPr>
-          <p:cNvPr id="12" name="矩形 11">
+          <p:cNvPr id="8" name="矩形 7">
             <a:extLst>
               <a:ext uri="{FF2B5EF4-FFF2-40B4-BE49-F238E27FC236}">
-                <a16:creationId xmlns:a16="http://schemas.microsoft.com/office/drawing/2014/main" id="{5C73E22C-4FA0-C647-8A61-6867F54DD9EA}"/>
+                <a16:creationId xmlns:a16="http://schemas.microsoft.com/office/drawing/2014/main" id="{DEF911B7-F7B6-1247-82C0-44F8DBD67488}"/>
               </a:ext>
             </a:extLst>
           </p:cNvPr>
@@ -968,8 +993,1163 @@
         </p:nvSpPr>
         <p:spPr>
           <a:xfrm>
-            <a:off x="7170821" y="1068638"/>
-            <a:ext cx="5021938" cy="1323439"/>
+            <a:off x="380472" y="1273810"/>
+            <a:ext cx="11648130" cy="369332"/>
+          </a:xfrm>
+          <a:prstGeom prst="rect">
+            <a:avLst/>
+          </a:prstGeom>
+        </p:spPr>
+        <p:txBody>
+          <a:bodyPr wrap="square">
+            <a:spAutoFit/>
+          </a:bodyPr>
+          <a:lstStyle/>
+          <a:p>
+            <a:r>
+              <a:rPr lang="zh-CN" altLang="en-US" dirty="0">
+                <a:latin typeface="Times New Roman" charset="0"/>
+                <a:ea typeface="楷体" charset="-122"/>
+                <a:cs typeface="Times New Roman" charset="0"/>
+              </a:rPr>
+              <a:t>如果我们允许结果中出现重复排列，根据第 </a:t>
+            </a:r>
+            <a:r>
+              <a:rPr lang="en-US" altLang="zh-CN" dirty="0">
+                <a:latin typeface="Times New Roman" charset="0"/>
+                <a:ea typeface="楷体" charset="-122"/>
+                <a:cs typeface="Times New Roman" charset="0"/>
+              </a:rPr>
+              <a:t>46</a:t>
+            </a:r>
+            <a:r>
+              <a:rPr lang="zh-CN" altLang="en-US" dirty="0">
+                <a:latin typeface="Times New Roman" charset="0"/>
+                <a:ea typeface="楷体" charset="-122"/>
+                <a:cs typeface="Times New Roman" charset="0"/>
+              </a:rPr>
+              <a:t> 题，得到的递归树是这样的。</a:t>
+            </a:r>
+            <a:endParaRPr lang="en-US" altLang="zh-CN" dirty="0">
+              <a:latin typeface="Times New Roman" charset="0"/>
+              <a:ea typeface="楷体" charset="-122"/>
+              <a:cs typeface="Times New Roman" charset="0"/>
+            </a:endParaRPr>
+          </a:p>
+        </p:txBody>
+      </p:sp>
+      <p:sp>
+        <p:nvSpPr>
+          <p:cNvPr id="4" name="矩形 3">
+            <a:extLst>
+              <a:ext uri="{FF2B5EF4-FFF2-40B4-BE49-F238E27FC236}">
+                <a16:creationId xmlns:a16="http://schemas.microsoft.com/office/drawing/2014/main" id="{37871888-EEB8-DA49-BC2E-B19240040A0B}"/>
+              </a:ext>
+            </a:extLst>
+          </p:cNvPr>
+          <p:cNvSpPr/>
+          <p:nvPr/>
+        </p:nvSpPr>
+        <p:spPr>
+          <a:xfrm>
+            <a:off x="4688023" y="789563"/>
+            <a:ext cx="7503977" cy="369332"/>
+          </a:xfrm>
+          <a:prstGeom prst="rect">
+            <a:avLst/>
+          </a:prstGeom>
+        </p:spPr>
+        <p:txBody>
+          <a:bodyPr wrap="none">
+            <a:spAutoFit/>
+          </a:bodyPr>
+          <a:lstStyle/>
+          <a:p>
+            <a:r>
+              <a:rPr lang="zh-CN" altLang="en-US" dirty="0">
+                <a:latin typeface="Times New Roman" panose="02020603050405020304" pitchFamily="18" charset="0"/>
+                <a:ea typeface="KaiTi_GB2312" panose="02010609030101010101" pitchFamily="49" charset="-122"/>
+                <a:cs typeface="Times New Roman" panose="02020603050405020304" pitchFamily="18" charset="0"/>
+              </a:rPr>
+              <a:t>以示例输入：</a:t>
+            </a:r>
+            <a:r>
+              <a:rPr lang="en-US" altLang="zh-CN" dirty="0">
+                <a:latin typeface="Times New Roman" panose="02020603050405020304" pitchFamily="18" charset="0"/>
+                <a:ea typeface="KaiTi_GB2312" panose="02010609030101010101" pitchFamily="49" charset="-122"/>
+                <a:cs typeface="Times New Roman" panose="02020603050405020304" pitchFamily="18" charset="0"/>
+              </a:rPr>
+              <a:t>[1,</a:t>
+            </a:r>
+            <a:r>
+              <a:rPr lang="zh-CN" altLang="en-US" dirty="0">
+                <a:latin typeface="Times New Roman" panose="02020603050405020304" pitchFamily="18" charset="0"/>
+                <a:ea typeface="KaiTi_GB2312" panose="02010609030101010101" pitchFamily="49" charset="-122"/>
+                <a:cs typeface="Times New Roman" panose="02020603050405020304" pitchFamily="18" charset="0"/>
+              </a:rPr>
+              <a:t> </a:t>
+            </a:r>
+            <a:r>
+              <a:rPr lang="en-US" altLang="zh-CN" dirty="0">
+                <a:latin typeface="Times New Roman" panose="02020603050405020304" pitchFamily="18" charset="0"/>
+                <a:ea typeface="KaiTi_GB2312" panose="02010609030101010101" pitchFamily="49" charset="-122"/>
+                <a:cs typeface="Times New Roman" panose="02020603050405020304" pitchFamily="18" charset="0"/>
+              </a:rPr>
+              <a:t>1,</a:t>
+            </a:r>
+            <a:r>
+              <a:rPr lang="zh-CN" altLang="en-US" dirty="0">
+                <a:latin typeface="Times New Roman" panose="02020603050405020304" pitchFamily="18" charset="0"/>
+                <a:ea typeface="KaiTi_GB2312" panose="02010609030101010101" pitchFamily="49" charset="-122"/>
+                <a:cs typeface="Times New Roman" panose="02020603050405020304" pitchFamily="18" charset="0"/>
+              </a:rPr>
+              <a:t> </a:t>
+            </a:r>
+            <a:r>
+              <a:rPr lang="en-US" altLang="zh-CN" dirty="0">
+                <a:latin typeface="Times New Roman" panose="02020603050405020304" pitchFamily="18" charset="0"/>
+                <a:ea typeface="KaiTi_GB2312" panose="02010609030101010101" pitchFamily="49" charset="-122"/>
+                <a:cs typeface="Times New Roman" panose="02020603050405020304" pitchFamily="18" charset="0"/>
+              </a:rPr>
+              <a:t>2]</a:t>
+            </a:r>
+            <a:r>
+              <a:rPr lang="zh-CN" altLang="en-US" dirty="0">
+                <a:latin typeface="Times New Roman" panose="02020603050405020304" pitchFamily="18" charset="0"/>
+                <a:ea typeface="KaiTi_GB2312" panose="02010609030101010101" pitchFamily="49" charset="-122"/>
+                <a:cs typeface="Times New Roman" panose="02020603050405020304" pitchFamily="18" charset="0"/>
+              </a:rPr>
+              <a:t>，输出</a:t>
+            </a:r>
+            <a:r>
+              <a:rPr lang="en-US" altLang="zh-CN" dirty="0">
+                <a:latin typeface="Times New Roman" panose="02020603050405020304" pitchFamily="18" charset="0"/>
+                <a:ea typeface="KaiTi_GB2312" panose="02010609030101010101" pitchFamily="49" charset="-122"/>
+                <a:cs typeface="Times New Roman" panose="02020603050405020304" pitchFamily="18" charset="0"/>
+              </a:rPr>
+              <a:t>: [[1,</a:t>
+            </a:r>
+            <a:r>
+              <a:rPr lang="zh-CN" altLang="en-US" dirty="0">
+                <a:latin typeface="Times New Roman" panose="02020603050405020304" pitchFamily="18" charset="0"/>
+                <a:ea typeface="KaiTi_GB2312" panose="02010609030101010101" pitchFamily="49" charset="-122"/>
+                <a:cs typeface="Times New Roman" panose="02020603050405020304" pitchFamily="18" charset="0"/>
+              </a:rPr>
+              <a:t> </a:t>
+            </a:r>
+            <a:r>
+              <a:rPr lang="en-US" altLang="zh-CN" dirty="0">
+                <a:latin typeface="Times New Roman" panose="02020603050405020304" pitchFamily="18" charset="0"/>
+                <a:ea typeface="KaiTi_GB2312" panose="02010609030101010101" pitchFamily="49" charset="-122"/>
+                <a:cs typeface="Times New Roman" panose="02020603050405020304" pitchFamily="18" charset="0"/>
+              </a:rPr>
+              <a:t>1,</a:t>
+            </a:r>
+            <a:r>
+              <a:rPr lang="zh-CN" altLang="en-US" dirty="0">
+                <a:latin typeface="Times New Roman" panose="02020603050405020304" pitchFamily="18" charset="0"/>
+                <a:ea typeface="KaiTi_GB2312" panose="02010609030101010101" pitchFamily="49" charset="-122"/>
+                <a:cs typeface="Times New Roman" panose="02020603050405020304" pitchFamily="18" charset="0"/>
+              </a:rPr>
+              <a:t> </a:t>
+            </a:r>
+            <a:r>
+              <a:rPr lang="en-US" altLang="zh-CN" dirty="0">
+                <a:latin typeface="Times New Roman" panose="02020603050405020304" pitchFamily="18" charset="0"/>
+                <a:ea typeface="KaiTi_GB2312" panose="02010609030101010101" pitchFamily="49" charset="-122"/>
+                <a:cs typeface="Times New Roman" panose="02020603050405020304" pitchFamily="18" charset="0"/>
+              </a:rPr>
+              <a:t>2],</a:t>
+            </a:r>
+            <a:r>
+              <a:rPr lang="zh-CN" altLang="en-US" dirty="0">
+                <a:latin typeface="Times New Roman" panose="02020603050405020304" pitchFamily="18" charset="0"/>
+                <a:ea typeface="KaiTi_GB2312" panose="02010609030101010101" pitchFamily="49" charset="-122"/>
+                <a:cs typeface="Times New Roman" panose="02020603050405020304" pitchFamily="18" charset="0"/>
+              </a:rPr>
+              <a:t> </a:t>
+            </a:r>
+            <a:r>
+              <a:rPr lang="en-US" altLang="zh-CN" dirty="0">
+                <a:latin typeface="Times New Roman" panose="02020603050405020304" pitchFamily="18" charset="0"/>
+                <a:ea typeface="KaiTi_GB2312" panose="02010609030101010101" pitchFamily="49" charset="-122"/>
+                <a:cs typeface="Times New Roman" panose="02020603050405020304" pitchFamily="18" charset="0"/>
+              </a:rPr>
+              <a:t> [1,</a:t>
+            </a:r>
+            <a:r>
+              <a:rPr lang="zh-CN" altLang="en-US" dirty="0">
+                <a:latin typeface="Times New Roman" panose="02020603050405020304" pitchFamily="18" charset="0"/>
+                <a:ea typeface="KaiTi_GB2312" panose="02010609030101010101" pitchFamily="49" charset="-122"/>
+                <a:cs typeface="Times New Roman" panose="02020603050405020304" pitchFamily="18" charset="0"/>
+              </a:rPr>
+              <a:t> </a:t>
+            </a:r>
+            <a:r>
+              <a:rPr lang="en-US" altLang="zh-CN" dirty="0">
+                <a:latin typeface="Times New Roman" panose="02020603050405020304" pitchFamily="18" charset="0"/>
+                <a:ea typeface="KaiTi_GB2312" panose="02010609030101010101" pitchFamily="49" charset="-122"/>
+                <a:cs typeface="Times New Roman" panose="02020603050405020304" pitchFamily="18" charset="0"/>
+              </a:rPr>
+              <a:t>2,</a:t>
+            </a:r>
+            <a:r>
+              <a:rPr lang="zh-CN" altLang="en-US" dirty="0">
+                <a:latin typeface="Times New Roman" panose="02020603050405020304" pitchFamily="18" charset="0"/>
+                <a:ea typeface="KaiTi_GB2312" panose="02010609030101010101" pitchFamily="49" charset="-122"/>
+                <a:cs typeface="Times New Roman" panose="02020603050405020304" pitchFamily="18" charset="0"/>
+              </a:rPr>
+              <a:t> </a:t>
+            </a:r>
+            <a:r>
+              <a:rPr lang="en-US" altLang="zh-CN" dirty="0">
+                <a:latin typeface="Times New Roman" panose="02020603050405020304" pitchFamily="18" charset="0"/>
+                <a:ea typeface="KaiTi_GB2312" panose="02010609030101010101" pitchFamily="49" charset="-122"/>
+                <a:cs typeface="Times New Roman" panose="02020603050405020304" pitchFamily="18" charset="0"/>
+              </a:rPr>
+              <a:t>1],</a:t>
+            </a:r>
+            <a:r>
+              <a:rPr lang="zh-CN" altLang="en-US" dirty="0">
+                <a:latin typeface="Times New Roman" panose="02020603050405020304" pitchFamily="18" charset="0"/>
+                <a:ea typeface="KaiTi_GB2312" panose="02010609030101010101" pitchFamily="49" charset="-122"/>
+                <a:cs typeface="Times New Roman" panose="02020603050405020304" pitchFamily="18" charset="0"/>
+              </a:rPr>
+              <a:t> </a:t>
+            </a:r>
+            <a:r>
+              <a:rPr lang="en-US" altLang="zh-CN" dirty="0">
+                <a:latin typeface="Times New Roman" panose="02020603050405020304" pitchFamily="18" charset="0"/>
+                <a:ea typeface="KaiTi_GB2312" panose="02010609030101010101" pitchFamily="49" charset="-122"/>
+                <a:cs typeface="Times New Roman" panose="02020603050405020304" pitchFamily="18" charset="0"/>
+              </a:rPr>
+              <a:t> [2,</a:t>
+            </a:r>
+            <a:r>
+              <a:rPr lang="zh-CN" altLang="en-US" dirty="0">
+                <a:latin typeface="Times New Roman" panose="02020603050405020304" pitchFamily="18" charset="0"/>
+                <a:ea typeface="KaiTi_GB2312" panose="02010609030101010101" pitchFamily="49" charset="-122"/>
+                <a:cs typeface="Times New Roman" panose="02020603050405020304" pitchFamily="18" charset="0"/>
+              </a:rPr>
+              <a:t> </a:t>
+            </a:r>
+            <a:r>
+              <a:rPr lang="en-US" altLang="zh-CN" dirty="0">
+                <a:latin typeface="Times New Roman" panose="02020603050405020304" pitchFamily="18" charset="0"/>
+                <a:ea typeface="KaiTi_GB2312" panose="02010609030101010101" pitchFamily="49" charset="-122"/>
+                <a:cs typeface="Times New Roman" panose="02020603050405020304" pitchFamily="18" charset="0"/>
+              </a:rPr>
+              <a:t>1,</a:t>
+            </a:r>
+            <a:r>
+              <a:rPr lang="zh-CN" altLang="en-US" dirty="0">
+                <a:latin typeface="Times New Roman" panose="02020603050405020304" pitchFamily="18" charset="0"/>
+                <a:ea typeface="KaiTi_GB2312" panose="02010609030101010101" pitchFamily="49" charset="-122"/>
+                <a:cs typeface="Times New Roman" panose="02020603050405020304" pitchFamily="18" charset="0"/>
+              </a:rPr>
+              <a:t> </a:t>
+            </a:r>
+            <a:r>
+              <a:rPr lang="en-US" altLang="zh-CN" dirty="0">
+                <a:latin typeface="Times New Roman" panose="02020603050405020304" pitchFamily="18" charset="0"/>
+                <a:ea typeface="KaiTi_GB2312" panose="02010609030101010101" pitchFamily="49" charset="-122"/>
+                <a:cs typeface="Times New Roman" panose="02020603050405020304" pitchFamily="18" charset="0"/>
+              </a:rPr>
+              <a:t>1] ]</a:t>
+            </a:r>
+            <a:r>
+              <a:rPr lang="zh-CN" altLang="en-US" dirty="0">
+                <a:latin typeface="Times New Roman" panose="02020603050405020304" pitchFamily="18" charset="0"/>
+                <a:ea typeface="KaiTi_GB2312" panose="02010609030101010101" pitchFamily="49" charset="-122"/>
+                <a:cs typeface="Times New Roman" panose="02020603050405020304" pitchFamily="18" charset="0"/>
+              </a:rPr>
+              <a:t> 为例进行说明。</a:t>
+            </a:r>
+          </a:p>
+        </p:txBody>
+      </p:sp>
+      <p:sp>
+        <p:nvSpPr>
+          <p:cNvPr id="13" name="矩形 12">
+            <a:extLst>
+              <a:ext uri="{FF2B5EF4-FFF2-40B4-BE49-F238E27FC236}">
+                <a16:creationId xmlns:a16="http://schemas.microsoft.com/office/drawing/2014/main" id="{BE06C9DA-42CA-1545-878C-FE4C000407DD}"/>
+              </a:ext>
+            </a:extLst>
+          </p:cNvPr>
+          <p:cNvSpPr/>
+          <p:nvPr/>
+        </p:nvSpPr>
+        <p:spPr>
+          <a:xfrm>
+            <a:off x="380472" y="1722136"/>
+            <a:ext cx="3882770" cy="1077218"/>
+          </a:xfrm>
+          <a:prstGeom prst="rect">
+            <a:avLst/>
+          </a:prstGeom>
+          <a:solidFill>
+            <a:srgbClr val="FF0000"/>
+          </a:solidFill>
+          <a:effectLst>
+            <a:softEdge rad="31750"/>
+          </a:effectLst>
+        </p:spPr>
+        <p:txBody>
+          <a:bodyPr wrap="square">
+            <a:spAutoFit/>
+          </a:bodyPr>
+          <a:lstStyle/>
+          <a:p>
+            <a:r>
+              <a:rPr lang="zh-CN" altLang="en-US" sz="1600" b="1" dirty="0">
+                <a:solidFill>
+                  <a:schemeClr val="bg1"/>
+                </a:solidFill>
+                <a:latin typeface="Times New Roman" panose="02020603050405020304" pitchFamily="18" charset="0"/>
+                <a:ea typeface="KaiTi" panose="02010609060101010101" pitchFamily="49" charset="-122"/>
+                <a:cs typeface="Times New Roman" panose="02020603050405020304" pitchFamily="18" charset="0"/>
+              </a:rPr>
+              <a:t>技巧：在更深的结点中出现的数字，</a:t>
+            </a:r>
+          </a:p>
+          <a:p>
+            <a:r>
+              <a:rPr lang="zh-CN" altLang="en-US" sz="1600" b="1" dirty="0">
+                <a:solidFill>
+                  <a:schemeClr val="bg1"/>
+                </a:solidFill>
+                <a:latin typeface="Times New Roman" panose="02020603050405020304" pitchFamily="18" charset="0"/>
+                <a:ea typeface="KaiTi" panose="02010609060101010101" pitchFamily="49" charset="-122"/>
+                <a:cs typeface="Times New Roman" panose="02020603050405020304" pitchFamily="18" charset="0"/>
+              </a:rPr>
+              <a:t>一定是在更浅层结点中未出现过的数字，因此可以使用一个布尔型数组 </a:t>
+            </a:r>
+            <a:r>
+              <a:rPr lang="en-US" altLang="zh-CN" sz="1600" b="1" dirty="0">
+                <a:solidFill>
+                  <a:schemeClr val="bg1"/>
+                </a:solidFill>
+                <a:latin typeface="Times New Roman" panose="02020603050405020304" pitchFamily="18" charset="0"/>
+                <a:ea typeface="KaiTi" panose="02010609060101010101" pitchFamily="49" charset="-122"/>
+                <a:cs typeface="Times New Roman" panose="02020603050405020304" pitchFamily="18" charset="0"/>
+              </a:rPr>
+              <a:t>used </a:t>
+            </a:r>
+            <a:r>
+              <a:rPr lang="zh-CN" altLang="en-US" sz="1600" b="1" dirty="0">
+                <a:solidFill>
+                  <a:schemeClr val="bg1"/>
+                </a:solidFill>
+                <a:latin typeface="Times New Roman" panose="02020603050405020304" pitchFamily="18" charset="0"/>
+                <a:ea typeface="KaiTi" panose="02010609060101010101" pitchFamily="49" charset="-122"/>
+                <a:cs typeface="Times New Roman" panose="02020603050405020304" pitchFamily="18" charset="0"/>
+              </a:rPr>
+              <a:t>表示这个数位的数字在之前的层是否使用过。</a:t>
+            </a:r>
+          </a:p>
+        </p:txBody>
+      </p:sp>
+    </p:spTree>
+    <p:extLst>
+      <p:ext uri="{BB962C8B-B14F-4D97-AF65-F5344CB8AC3E}">
+        <p14:creationId xmlns:p14="http://schemas.microsoft.com/office/powerpoint/2010/main" val="3320046645"/>
+      </p:ext>
+    </p:extLst>
+  </p:cSld>
+  <p:clrMapOvr>
+    <a:masterClrMapping/>
+  </p:clrMapOvr>
+</p:sld>
+</file>
+
+<file path=ppt/slides/slide2.xml><?xml version="1.0" encoding="utf-8"?>
+<p:sld xmlns:a="http://schemas.openxmlformats.org/drawingml/2006/main" xmlns:r="http://schemas.openxmlformats.org/officeDocument/2006/relationships" xmlns:p="http://schemas.openxmlformats.org/presentationml/2006/main">
+  <p:cSld>
+    <p:spTree>
+      <p:nvGrpSpPr>
+        <p:cNvPr id="1" name=""/>
+        <p:cNvGrpSpPr/>
+        <p:nvPr/>
+      </p:nvGrpSpPr>
+      <p:grpSpPr>
+        <a:xfrm>
+          <a:off x="0" y="0"/>
+          <a:ext cx="0" cy="0"/>
+          <a:chOff x="0" y="0"/>
+          <a:chExt cx="0" cy="0"/>
+        </a:xfrm>
+      </p:grpSpPr>
+      <p:pic>
+        <p:nvPicPr>
+          <p:cNvPr id="8" name="图片 7">
+            <a:extLst>
+              <a:ext uri="{FF2B5EF4-FFF2-40B4-BE49-F238E27FC236}">
+                <a16:creationId xmlns:a16="http://schemas.microsoft.com/office/drawing/2014/main" id="{2DD70782-741A-D641-81AC-4F5DA646793B}"/>
+              </a:ext>
+            </a:extLst>
+          </p:cNvPr>
+          <p:cNvPicPr>
+            <a:picLocks noChangeAspect="1"/>
+          </p:cNvPicPr>
+          <p:nvPr/>
+        </p:nvPicPr>
+        <p:blipFill>
+          <a:blip r:embed="rId2"/>
+          <a:stretch>
+            <a:fillRect/>
+          </a:stretch>
+        </p:blipFill>
+        <p:spPr>
+          <a:xfrm>
+            <a:off x="1800000" y="1620000"/>
+            <a:ext cx="9520000" cy="5040000"/>
+          </a:xfrm>
+          <a:prstGeom prst="rect">
+            <a:avLst/>
+          </a:prstGeom>
+        </p:spPr>
+      </p:pic>
+      <p:sp>
+        <p:nvSpPr>
+          <p:cNvPr id="2" name="矩形 1">
+            <a:extLst>
+              <a:ext uri="{FF2B5EF4-FFF2-40B4-BE49-F238E27FC236}">
+                <a16:creationId xmlns:a16="http://schemas.microsoft.com/office/drawing/2014/main" id="{75D339EB-0A04-794B-8766-1C59FCD10E18}"/>
+              </a:ext>
+            </a:extLst>
+          </p:cNvPr>
+          <p:cNvSpPr/>
+          <p:nvPr/>
+        </p:nvSpPr>
+        <p:spPr>
+          <a:xfrm>
+            <a:off x="380472" y="1273810"/>
+            <a:ext cx="11648130" cy="646331"/>
+          </a:xfrm>
+          <a:prstGeom prst="rect">
+            <a:avLst/>
+          </a:prstGeom>
+        </p:spPr>
+        <p:txBody>
+          <a:bodyPr wrap="square">
+            <a:spAutoFit/>
+          </a:bodyPr>
+          <a:lstStyle/>
+          <a:p>
+            <a:r>
+              <a:rPr lang="zh-CN" altLang="en-US" dirty="0">
+                <a:latin typeface="Times New Roman" charset="0"/>
+                <a:ea typeface="楷体" charset="-122"/>
+                <a:cs typeface="Times New Roman" charset="0"/>
+              </a:rPr>
+              <a:t>现在，我们把相同的数字，进行区分：将第 </a:t>
+            </a:r>
+            <a:r>
+              <a:rPr lang="en-US" altLang="zh-CN" dirty="0">
+                <a:latin typeface="Times New Roman" charset="0"/>
+                <a:ea typeface="楷体" charset="-122"/>
+                <a:cs typeface="Times New Roman" charset="0"/>
+              </a:rPr>
+              <a:t>2</a:t>
+            </a:r>
+            <a:r>
+              <a:rPr lang="zh-CN" altLang="en-US" dirty="0">
+                <a:latin typeface="Times New Roman" charset="0"/>
+                <a:ea typeface="楷体" charset="-122"/>
+                <a:cs typeface="Times New Roman" charset="0"/>
+              </a:rPr>
+              <a:t> 个“</a:t>
+            </a:r>
+            <a:r>
+              <a:rPr lang="en-US" altLang="zh-CN" dirty="0">
+                <a:latin typeface="Times New Roman" charset="0"/>
+                <a:ea typeface="楷体" charset="-122"/>
+                <a:cs typeface="Times New Roman" charset="0"/>
+              </a:rPr>
+              <a:t>1</a:t>
+            </a:r>
+            <a:r>
+              <a:rPr lang="zh-CN" altLang="en-US" dirty="0">
+                <a:latin typeface="Times New Roman" charset="0"/>
+                <a:ea typeface="楷体" charset="-122"/>
+                <a:cs typeface="Times New Roman" charset="0"/>
+              </a:rPr>
+              <a:t>”，表示为“</a:t>
+            </a:r>
+            <a:r>
+              <a:rPr lang="en-US" altLang="zh-CN" b="1" dirty="0">
+                <a:solidFill>
+                  <a:srgbClr val="0432FF"/>
+                </a:solidFill>
+                <a:latin typeface="Times New Roman" charset="0"/>
+                <a:ea typeface="楷体" charset="-122"/>
+                <a:cs typeface="Times New Roman" charset="0"/>
+              </a:rPr>
+              <a:t>1’</a:t>
+            </a:r>
+            <a:r>
+              <a:rPr lang="zh-CN" altLang="en-US" dirty="0">
+                <a:latin typeface="Times New Roman" charset="0"/>
+                <a:ea typeface="楷体" charset="-122"/>
+                <a:cs typeface="Times New Roman" charset="0"/>
+              </a:rPr>
+              <a:t>”，就容易发现重复分支，在递归过程中把它剪掉即可。</a:t>
+            </a:r>
+            <a:endParaRPr lang="en-US" altLang="zh-CN" dirty="0">
+              <a:latin typeface="Times New Roman" charset="0"/>
+              <a:ea typeface="楷体" charset="-122"/>
+              <a:cs typeface="Times New Roman" charset="0"/>
+            </a:endParaRPr>
+          </a:p>
+        </p:txBody>
+      </p:sp>
+      <p:sp>
+        <p:nvSpPr>
+          <p:cNvPr id="5" name="文本框 4">
+            <a:extLst>
+              <a:ext uri="{FF2B5EF4-FFF2-40B4-BE49-F238E27FC236}">
+                <a16:creationId xmlns:a16="http://schemas.microsoft.com/office/drawing/2014/main" id="{A22F6BE3-4FA8-2947-ACD2-37B880794610}"/>
+              </a:ext>
+            </a:extLst>
+          </p:cNvPr>
+          <p:cNvSpPr txBox="1"/>
+          <p:nvPr/>
+        </p:nvSpPr>
+        <p:spPr>
+          <a:xfrm flipH="1">
+            <a:off x="380472" y="789563"/>
+            <a:ext cx="4219807" cy="400110"/>
+          </a:xfrm>
+          <a:prstGeom prst="rect">
+            <a:avLst/>
+          </a:prstGeom>
+          <a:solidFill>
+            <a:srgbClr val="FF0000"/>
+          </a:solidFill>
+          <a:ln>
+            <a:noFill/>
+          </a:ln>
+          <a:effectLst>
+            <a:outerShdw blurRad="50800" dist="38100" dir="2700000" algn="tl" rotWithShape="0">
+              <a:prstClr val="black">
+                <a:alpha val="40000"/>
+              </a:prstClr>
+            </a:outerShdw>
+          </a:effectLst>
+        </p:spPr>
+        <p:txBody>
+          <a:bodyPr wrap="square" rtlCol="0">
+            <a:spAutoFit/>
+          </a:bodyPr>
+          <a:lstStyle/>
+          <a:p>
+            <a:pPr marL="342900" indent="-342900">
+              <a:buFont typeface="Wingdings" pitchFamily="2" charset="2"/>
+              <a:buChar char="Ø"/>
+            </a:pPr>
+            <a:r>
+              <a:rPr kumimoji="1" lang="zh-CN" altLang="en-US" sz="2000" b="1" dirty="0">
+                <a:solidFill>
+                  <a:schemeClr val="bg1"/>
+                </a:solidFill>
+                <a:latin typeface="Times New Roman" panose="02020603050405020304" pitchFamily="18" charset="0"/>
+                <a:ea typeface="KaiTi_GB2312" panose="02010609030101010101" pitchFamily="49" charset="-122"/>
+                <a:cs typeface="Times New Roman" panose="02020603050405020304" pitchFamily="18" charset="0"/>
+              </a:rPr>
+              <a:t>思想：“递归回溯”</a:t>
+            </a:r>
+            <a:r>
+              <a:rPr kumimoji="1" lang="en-US" altLang="zh-CN" sz="2000" b="1" dirty="0">
+                <a:solidFill>
+                  <a:schemeClr val="bg1"/>
+                </a:solidFill>
+                <a:latin typeface="Times New Roman" panose="02020603050405020304" pitchFamily="18" charset="0"/>
+                <a:ea typeface="KaiTi_GB2312" panose="02010609030101010101" pitchFamily="49" charset="-122"/>
+                <a:cs typeface="Times New Roman" panose="02020603050405020304" pitchFamily="18" charset="0"/>
+              </a:rPr>
+              <a:t>+</a:t>
+            </a:r>
+            <a:r>
+              <a:rPr kumimoji="1" lang="zh-CN" altLang="en-US" sz="2000" b="1" dirty="0">
+                <a:solidFill>
+                  <a:schemeClr val="bg1"/>
+                </a:solidFill>
+                <a:latin typeface="Times New Roman" panose="02020603050405020304" pitchFamily="18" charset="0"/>
+                <a:ea typeface="KaiTi_GB2312" panose="02010609030101010101" pitchFamily="49" charset="-122"/>
+                <a:cs typeface="Times New Roman" panose="02020603050405020304" pitchFamily="18" charset="0"/>
+              </a:rPr>
+              <a:t> “剪枝”。</a:t>
+            </a:r>
+          </a:p>
+        </p:txBody>
+      </p:sp>
+      <p:sp>
+        <p:nvSpPr>
+          <p:cNvPr id="6" name="矩形 5">
+            <a:extLst>
+              <a:ext uri="{FF2B5EF4-FFF2-40B4-BE49-F238E27FC236}">
+                <a16:creationId xmlns:a16="http://schemas.microsoft.com/office/drawing/2014/main" id="{99BD383F-2362-7B43-A3DB-D83509BAB9BD}"/>
+              </a:ext>
+            </a:extLst>
+          </p:cNvPr>
+          <p:cNvSpPr/>
+          <p:nvPr/>
+        </p:nvSpPr>
+        <p:spPr>
+          <a:xfrm>
+            <a:off x="4688023" y="789563"/>
+            <a:ext cx="7503977" cy="369332"/>
+          </a:xfrm>
+          <a:prstGeom prst="rect">
+            <a:avLst/>
+          </a:prstGeom>
+        </p:spPr>
+        <p:txBody>
+          <a:bodyPr wrap="none">
+            <a:spAutoFit/>
+          </a:bodyPr>
+          <a:lstStyle/>
+          <a:p>
+            <a:r>
+              <a:rPr lang="zh-CN" altLang="en-US" dirty="0">
+                <a:latin typeface="Times New Roman" panose="02020603050405020304" pitchFamily="18" charset="0"/>
+                <a:ea typeface="KaiTi_GB2312" panose="02010609030101010101" pitchFamily="49" charset="-122"/>
+                <a:cs typeface="Times New Roman" panose="02020603050405020304" pitchFamily="18" charset="0"/>
+              </a:rPr>
+              <a:t>以示例输入：</a:t>
+            </a:r>
+            <a:r>
+              <a:rPr lang="en-US" altLang="zh-CN" dirty="0">
+                <a:latin typeface="Times New Roman" panose="02020603050405020304" pitchFamily="18" charset="0"/>
+                <a:ea typeface="KaiTi_GB2312" panose="02010609030101010101" pitchFamily="49" charset="-122"/>
+                <a:cs typeface="Times New Roman" panose="02020603050405020304" pitchFamily="18" charset="0"/>
+              </a:rPr>
+              <a:t>[1,</a:t>
+            </a:r>
+            <a:r>
+              <a:rPr lang="zh-CN" altLang="en-US" dirty="0">
+                <a:latin typeface="Times New Roman" panose="02020603050405020304" pitchFamily="18" charset="0"/>
+                <a:ea typeface="KaiTi_GB2312" panose="02010609030101010101" pitchFamily="49" charset="-122"/>
+                <a:cs typeface="Times New Roman" panose="02020603050405020304" pitchFamily="18" charset="0"/>
+              </a:rPr>
+              <a:t> </a:t>
+            </a:r>
+            <a:r>
+              <a:rPr lang="en-US" altLang="zh-CN" dirty="0">
+                <a:latin typeface="Times New Roman" panose="02020603050405020304" pitchFamily="18" charset="0"/>
+                <a:ea typeface="KaiTi_GB2312" panose="02010609030101010101" pitchFamily="49" charset="-122"/>
+                <a:cs typeface="Times New Roman" panose="02020603050405020304" pitchFamily="18" charset="0"/>
+              </a:rPr>
+              <a:t>1,</a:t>
+            </a:r>
+            <a:r>
+              <a:rPr lang="zh-CN" altLang="en-US" dirty="0">
+                <a:latin typeface="Times New Roman" panose="02020603050405020304" pitchFamily="18" charset="0"/>
+                <a:ea typeface="KaiTi_GB2312" panose="02010609030101010101" pitchFamily="49" charset="-122"/>
+                <a:cs typeface="Times New Roman" panose="02020603050405020304" pitchFamily="18" charset="0"/>
+              </a:rPr>
+              <a:t> </a:t>
+            </a:r>
+            <a:r>
+              <a:rPr lang="en-US" altLang="zh-CN" dirty="0">
+                <a:latin typeface="Times New Roman" panose="02020603050405020304" pitchFamily="18" charset="0"/>
+                <a:ea typeface="KaiTi_GB2312" panose="02010609030101010101" pitchFamily="49" charset="-122"/>
+                <a:cs typeface="Times New Roman" panose="02020603050405020304" pitchFamily="18" charset="0"/>
+              </a:rPr>
+              <a:t>2]</a:t>
+            </a:r>
+            <a:r>
+              <a:rPr lang="zh-CN" altLang="en-US" dirty="0">
+                <a:latin typeface="Times New Roman" panose="02020603050405020304" pitchFamily="18" charset="0"/>
+                <a:ea typeface="KaiTi_GB2312" panose="02010609030101010101" pitchFamily="49" charset="-122"/>
+                <a:cs typeface="Times New Roman" panose="02020603050405020304" pitchFamily="18" charset="0"/>
+              </a:rPr>
+              <a:t>，输出</a:t>
+            </a:r>
+            <a:r>
+              <a:rPr lang="en-US" altLang="zh-CN" dirty="0">
+                <a:latin typeface="Times New Roman" panose="02020603050405020304" pitchFamily="18" charset="0"/>
+                <a:ea typeface="KaiTi_GB2312" panose="02010609030101010101" pitchFamily="49" charset="-122"/>
+                <a:cs typeface="Times New Roman" panose="02020603050405020304" pitchFamily="18" charset="0"/>
+              </a:rPr>
+              <a:t>: [[1,</a:t>
+            </a:r>
+            <a:r>
+              <a:rPr lang="zh-CN" altLang="en-US" dirty="0">
+                <a:latin typeface="Times New Roman" panose="02020603050405020304" pitchFamily="18" charset="0"/>
+                <a:ea typeface="KaiTi_GB2312" panose="02010609030101010101" pitchFamily="49" charset="-122"/>
+                <a:cs typeface="Times New Roman" panose="02020603050405020304" pitchFamily="18" charset="0"/>
+              </a:rPr>
+              <a:t> </a:t>
+            </a:r>
+            <a:r>
+              <a:rPr lang="en-US" altLang="zh-CN" dirty="0">
+                <a:latin typeface="Times New Roman" panose="02020603050405020304" pitchFamily="18" charset="0"/>
+                <a:ea typeface="KaiTi_GB2312" panose="02010609030101010101" pitchFamily="49" charset="-122"/>
+                <a:cs typeface="Times New Roman" panose="02020603050405020304" pitchFamily="18" charset="0"/>
+              </a:rPr>
+              <a:t>1,</a:t>
+            </a:r>
+            <a:r>
+              <a:rPr lang="zh-CN" altLang="en-US" dirty="0">
+                <a:latin typeface="Times New Roman" panose="02020603050405020304" pitchFamily="18" charset="0"/>
+                <a:ea typeface="KaiTi_GB2312" panose="02010609030101010101" pitchFamily="49" charset="-122"/>
+                <a:cs typeface="Times New Roman" panose="02020603050405020304" pitchFamily="18" charset="0"/>
+              </a:rPr>
+              <a:t> </a:t>
+            </a:r>
+            <a:r>
+              <a:rPr lang="en-US" altLang="zh-CN" dirty="0">
+                <a:latin typeface="Times New Roman" panose="02020603050405020304" pitchFamily="18" charset="0"/>
+                <a:ea typeface="KaiTi_GB2312" panose="02010609030101010101" pitchFamily="49" charset="-122"/>
+                <a:cs typeface="Times New Roman" panose="02020603050405020304" pitchFamily="18" charset="0"/>
+              </a:rPr>
+              <a:t>2],</a:t>
+            </a:r>
+            <a:r>
+              <a:rPr lang="zh-CN" altLang="en-US" dirty="0">
+                <a:latin typeface="Times New Roman" panose="02020603050405020304" pitchFamily="18" charset="0"/>
+                <a:ea typeface="KaiTi_GB2312" panose="02010609030101010101" pitchFamily="49" charset="-122"/>
+                <a:cs typeface="Times New Roman" panose="02020603050405020304" pitchFamily="18" charset="0"/>
+              </a:rPr>
+              <a:t> </a:t>
+            </a:r>
+            <a:r>
+              <a:rPr lang="en-US" altLang="zh-CN" dirty="0">
+                <a:latin typeface="Times New Roman" panose="02020603050405020304" pitchFamily="18" charset="0"/>
+                <a:ea typeface="KaiTi_GB2312" panose="02010609030101010101" pitchFamily="49" charset="-122"/>
+                <a:cs typeface="Times New Roman" panose="02020603050405020304" pitchFamily="18" charset="0"/>
+              </a:rPr>
+              <a:t> [1,</a:t>
+            </a:r>
+            <a:r>
+              <a:rPr lang="zh-CN" altLang="en-US" dirty="0">
+                <a:latin typeface="Times New Roman" panose="02020603050405020304" pitchFamily="18" charset="0"/>
+                <a:ea typeface="KaiTi_GB2312" panose="02010609030101010101" pitchFamily="49" charset="-122"/>
+                <a:cs typeface="Times New Roman" panose="02020603050405020304" pitchFamily="18" charset="0"/>
+              </a:rPr>
+              <a:t> </a:t>
+            </a:r>
+            <a:r>
+              <a:rPr lang="en-US" altLang="zh-CN" dirty="0">
+                <a:latin typeface="Times New Roman" panose="02020603050405020304" pitchFamily="18" charset="0"/>
+                <a:ea typeface="KaiTi_GB2312" panose="02010609030101010101" pitchFamily="49" charset="-122"/>
+                <a:cs typeface="Times New Roman" panose="02020603050405020304" pitchFamily="18" charset="0"/>
+              </a:rPr>
+              <a:t>2,</a:t>
+            </a:r>
+            <a:r>
+              <a:rPr lang="zh-CN" altLang="en-US" dirty="0">
+                <a:latin typeface="Times New Roman" panose="02020603050405020304" pitchFamily="18" charset="0"/>
+                <a:ea typeface="KaiTi_GB2312" panose="02010609030101010101" pitchFamily="49" charset="-122"/>
+                <a:cs typeface="Times New Roman" panose="02020603050405020304" pitchFamily="18" charset="0"/>
+              </a:rPr>
+              <a:t> </a:t>
+            </a:r>
+            <a:r>
+              <a:rPr lang="en-US" altLang="zh-CN" dirty="0">
+                <a:latin typeface="Times New Roman" panose="02020603050405020304" pitchFamily="18" charset="0"/>
+                <a:ea typeface="KaiTi_GB2312" panose="02010609030101010101" pitchFamily="49" charset="-122"/>
+                <a:cs typeface="Times New Roman" panose="02020603050405020304" pitchFamily="18" charset="0"/>
+              </a:rPr>
+              <a:t>1],</a:t>
+            </a:r>
+            <a:r>
+              <a:rPr lang="zh-CN" altLang="en-US" dirty="0">
+                <a:latin typeface="Times New Roman" panose="02020603050405020304" pitchFamily="18" charset="0"/>
+                <a:ea typeface="KaiTi_GB2312" panose="02010609030101010101" pitchFamily="49" charset="-122"/>
+                <a:cs typeface="Times New Roman" panose="02020603050405020304" pitchFamily="18" charset="0"/>
+              </a:rPr>
+              <a:t> </a:t>
+            </a:r>
+            <a:r>
+              <a:rPr lang="en-US" altLang="zh-CN" dirty="0">
+                <a:latin typeface="Times New Roman" panose="02020603050405020304" pitchFamily="18" charset="0"/>
+                <a:ea typeface="KaiTi_GB2312" panose="02010609030101010101" pitchFamily="49" charset="-122"/>
+                <a:cs typeface="Times New Roman" panose="02020603050405020304" pitchFamily="18" charset="0"/>
+              </a:rPr>
+              <a:t> [2,</a:t>
+            </a:r>
+            <a:r>
+              <a:rPr lang="zh-CN" altLang="en-US" dirty="0">
+                <a:latin typeface="Times New Roman" panose="02020603050405020304" pitchFamily="18" charset="0"/>
+                <a:ea typeface="KaiTi_GB2312" panose="02010609030101010101" pitchFamily="49" charset="-122"/>
+                <a:cs typeface="Times New Roman" panose="02020603050405020304" pitchFamily="18" charset="0"/>
+              </a:rPr>
+              <a:t> </a:t>
+            </a:r>
+            <a:r>
+              <a:rPr lang="en-US" altLang="zh-CN" dirty="0">
+                <a:latin typeface="Times New Roman" panose="02020603050405020304" pitchFamily="18" charset="0"/>
+                <a:ea typeface="KaiTi_GB2312" panose="02010609030101010101" pitchFamily="49" charset="-122"/>
+                <a:cs typeface="Times New Roman" panose="02020603050405020304" pitchFamily="18" charset="0"/>
+              </a:rPr>
+              <a:t>1,</a:t>
+            </a:r>
+            <a:r>
+              <a:rPr lang="zh-CN" altLang="en-US" dirty="0">
+                <a:latin typeface="Times New Roman" panose="02020603050405020304" pitchFamily="18" charset="0"/>
+                <a:ea typeface="KaiTi_GB2312" panose="02010609030101010101" pitchFamily="49" charset="-122"/>
+                <a:cs typeface="Times New Roman" panose="02020603050405020304" pitchFamily="18" charset="0"/>
+              </a:rPr>
+              <a:t> </a:t>
+            </a:r>
+            <a:r>
+              <a:rPr lang="en-US" altLang="zh-CN" dirty="0">
+                <a:latin typeface="Times New Roman" panose="02020603050405020304" pitchFamily="18" charset="0"/>
+                <a:ea typeface="KaiTi_GB2312" panose="02010609030101010101" pitchFamily="49" charset="-122"/>
+                <a:cs typeface="Times New Roman" panose="02020603050405020304" pitchFamily="18" charset="0"/>
+              </a:rPr>
+              <a:t>1] ]</a:t>
+            </a:r>
+            <a:r>
+              <a:rPr lang="zh-CN" altLang="en-US" dirty="0">
+                <a:latin typeface="Times New Roman" panose="02020603050405020304" pitchFamily="18" charset="0"/>
+                <a:ea typeface="KaiTi_GB2312" panose="02010609030101010101" pitchFamily="49" charset="-122"/>
+                <a:cs typeface="Times New Roman" panose="02020603050405020304" pitchFamily="18" charset="0"/>
+              </a:rPr>
+              <a:t> 为例进行说明。</a:t>
+            </a:r>
+          </a:p>
+        </p:txBody>
+      </p:sp>
+      <p:sp>
+        <p:nvSpPr>
+          <p:cNvPr id="7" name="矩形 6">
+            <a:extLst>
+              <a:ext uri="{FF2B5EF4-FFF2-40B4-BE49-F238E27FC236}">
+                <a16:creationId xmlns:a16="http://schemas.microsoft.com/office/drawing/2014/main" id="{A3F22E3C-009C-4D4E-A496-DD13C9B6A333}"/>
+              </a:ext>
+            </a:extLst>
+          </p:cNvPr>
+          <p:cNvSpPr/>
+          <p:nvPr/>
+        </p:nvSpPr>
+        <p:spPr>
+          <a:xfrm>
+            <a:off x="2161880" y="102000"/>
+            <a:ext cx="5570756" cy="461665"/>
+          </a:xfrm>
+          <a:prstGeom prst="rect">
+            <a:avLst/>
+          </a:prstGeom>
+        </p:spPr>
+        <p:txBody>
+          <a:bodyPr wrap="none">
+            <a:spAutoFit/>
+          </a:bodyPr>
+          <a:lstStyle/>
+          <a:p>
+            <a:r>
+              <a:rPr kumimoji="1" lang="zh-CN" altLang="en-US" sz="2400" dirty="0">
+                <a:solidFill>
+                  <a:schemeClr val="bg1"/>
+                </a:solidFill>
+                <a:latin typeface="Times New Roman" panose="02020603050405020304" pitchFamily="18" charset="0"/>
+                <a:ea typeface="黑体" charset="-122"/>
+                <a:cs typeface="Times New Roman" panose="02020603050405020304" pitchFamily="18" charset="0"/>
+              </a:rPr>
+              <a:t>第 </a:t>
+            </a:r>
+            <a:r>
+              <a:rPr kumimoji="1" lang="en-US" altLang="zh-CN" sz="2400" dirty="0">
+                <a:solidFill>
+                  <a:schemeClr val="bg1"/>
+                </a:solidFill>
+                <a:latin typeface="Times New Roman" panose="02020603050405020304" pitchFamily="18" charset="0"/>
+                <a:ea typeface="黑体" charset="-122"/>
+                <a:cs typeface="Times New Roman" panose="02020603050405020304" pitchFamily="18" charset="0"/>
+              </a:rPr>
+              <a:t>47</a:t>
+            </a:r>
+            <a:r>
+              <a:rPr kumimoji="1" lang="zh-CN" altLang="en-US" sz="2400" dirty="0">
+                <a:solidFill>
+                  <a:schemeClr val="bg1"/>
+                </a:solidFill>
+                <a:latin typeface="Times New Roman" panose="02020603050405020304" pitchFamily="18" charset="0"/>
+                <a:ea typeface="黑体" charset="-122"/>
+                <a:cs typeface="Times New Roman" panose="02020603050405020304" pitchFamily="18" charset="0"/>
+              </a:rPr>
+              <a:t> 题</a:t>
+            </a:r>
+            <a:r>
+              <a:rPr kumimoji="1" lang="zh-CN" altLang="en-US" sz="2400" dirty="0">
+                <a:solidFill>
+                  <a:schemeClr val="bg1"/>
+                </a:solidFill>
+                <a:latin typeface="Times New Roman" panose="02020603050405020304" pitchFamily="18" charset="0"/>
+                <a:ea typeface="KaiTi" panose="02010609060101010101" pitchFamily="49" charset="-122"/>
+                <a:cs typeface="Times New Roman" panose="02020603050405020304" pitchFamily="18" charset="0"/>
+              </a:rPr>
+              <a:t>：“全排列 </a:t>
+            </a:r>
+            <a:r>
+              <a:rPr kumimoji="1" lang="en-US" altLang="zh-CN" sz="2400" dirty="0">
+                <a:solidFill>
+                  <a:schemeClr val="bg1"/>
+                </a:solidFill>
+                <a:latin typeface="Times New Roman" panose="02020603050405020304" pitchFamily="18" charset="0"/>
+                <a:ea typeface="KaiTi" panose="02010609060101010101" pitchFamily="49" charset="-122"/>
+                <a:cs typeface="Times New Roman" panose="02020603050405020304" pitchFamily="18" charset="0"/>
+              </a:rPr>
+              <a:t>II</a:t>
+            </a:r>
+            <a:r>
+              <a:rPr kumimoji="1" lang="zh-CN" altLang="en-US" sz="2400" dirty="0">
+                <a:solidFill>
+                  <a:schemeClr val="bg1"/>
+                </a:solidFill>
+                <a:latin typeface="Times New Roman" panose="02020603050405020304" pitchFamily="18" charset="0"/>
+                <a:ea typeface="KaiTi" panose="02010609060101010101" pitchFamily="49" charset="-122"/>
+                <a:cs typeface="Times New Roman" panose="02020603050405020304" pitchFamily="18" charset="0"/>
+              </a:rPr>
+              <a:t>”题解配图（</a:t>
+            </a:r>
+            <a:r>
+              <a:rPr kumimoji="1" lang="en-US" altLang="zh-CN" sz="2400" dirty="0">
+                <a:solidFill>
+                  <a:schemeClr val="bg1"/>
+                </a:solidFill>
+                <a:latin typeface="Times New Roman" panose="02020603050405020304" pitchFamily="18" charset="0"/>
+                <a:ea typeface="KaiTi" panose="02010609060101010101" pitchFamily="49" charset="-122"/>
+                <a:cs typeface="Times New Roman" panose="02020603050405020304" pitchFamily="18" charset="0"/>
+              </a:rPr>
+              <a:t>2</a:t>
+            </a:r>
+            <a:r>
+              <a:rPr kumimoji="1" lang="zh-CN" altLang="en-US" sz="2400" dirty="0">
+                <a:solidFill>
+                  <a:schemeClr val="bg1"/>
+                </a:solidFill>
+                <a:latin typeface="Times New Roman" panose="02020603050405020304" pitchFamily="18" charset="0"/>
+                <a:ea typeface="KaiTi" panose="02010609060101010101" pitchFamily="49" charset="-122"/>
+                <a:cs typeface="Times New Roman" panose="02020603050405020304" pitchFamily="18" charset="0"/>
+              </a:rPr>
+              <a:t>）</a:t>
+            </a:r>
+            <a:endParaRPr lang="zh-CN" altLang="en-US" dirty="0">
+              <a:solidFill>
+                <a:schemeClr val="bg1"/>
+              </a:solidFill>
+              <a:latin typeface="Times New Roman" panose="02020603050405020304" pitchFamily="18" charset="0"/>
+              <a:cs typeface="Times New Roman" panose="02020603050405020304" pitchFamily="18" charset="0"/>
+            </a:endParaRPr>
+          </a:p>
+        </p:txBody>
+      </p:sp>
+      <p:sp>
+        <p:nvSpPr>
+          <p:cNvPr id="14" name="矩形 13">
+            <a:extLst>
+              <a:ext uri="{FF2B5EF4-FFF2-40B4-BE49-F238E27FC236}">
+                <a16:creationId xmlns:a16="http://schemas.microsoft.com/office/drawing/2014/main" id="{7216CA2A-0B34-8042-8563-5BEECF9C7BDA}"/>
+              </a:ext>
+            </a:extLst>
+          </p:cNvPr>
+          <p:cNvSpPr/>
+          <p:nvPr/>
+        </p:nvSpPr>
+        <p:spPr>
+          <a:xfrm>
+            <a:off x="7673592" y="2331232"/>
+            <a:ext cx="4295966" cy="2278499"/>
+          </a:xfrm>
+          <a:prstGeom prst="rect">
+            <a:avLst/>
+          </a:prstGeom>
+          <a:ln>
+            <a:noFill/>
+          </a:ln>
+        </p:spPr>
+        <p:style>
+          <a:lnRef idx="2">
+            <a:schemeClr val="accent6"/>
+          </a:lnRef>
+          <a:fillRef idx="1">
+            <a:schemeClr val="lt1"/>
+          </a:fillRef>
+          <a:effectRef idx="0">
+            <a:schemeClr val="accent6"/>
+          </a:effectRef>
+          <a:fontRef idx="minor">
+            <a:schemeClr val="dk1"/>
+          </a:fontRef>
+        </p:style>
+        <p:txBody>
+          <a:bodyPr rtlCol="0" anchor="ctr"/>
+          <a:lstStyle/>
+          <a:p>
+            <a:pPr algn="ctr"/>
+            <a:endParaRPr kumimoji="1" lang="zh-CN" altLang="en-US"/>
+          </a:p>
+        </p:txBody>
+      </p:sp>
+      <p:sp>
+        <p:nvSpPr>
+          <p:cNvPr id="15" name="矩形 14">
+            <a:extLst>
+              <a:ext uri="{FF2B5EF4-FFF2-40B4-BE49-F238E27FC236}">
+                <a16:creationId xmlns:a16="http://schemas.microsoft.com/office/drawing/2014/main" id="{62DA5903-93DF-E145-8FD6-2D3296965B86}"/>
+              </a:ext>
+            </a:extLst>
+          </p:cNvPr>
+          <p:cNvSpPr/>
+          <p:nvPr/>
+        </p:nvSpPr>
+        <p:spPr>
+          <a:xfrm>
+            <a:off x="7976219" y="4505919"/>
+            <a:ext cx="4295966" cy="2278499"/>
+          </a:xfrm>
+          <a:prstGeom prst="rect">
+            <a:avLst/>
+          </a:prstGeom>
+          <a:ln>
+            <a:noFill/>
+          </a:ln>
+        </p:spPr>
+        <p:style>
+          <a:lnRef idx="2">
+            <a:schemeClr val="accent6"/>
+          </a:lnRef>
+          <a:fillRef idx="1">
+            <a:schemeClr val="lt1"/>
+          </a:fillRef>
+          <a:effectRef idx="0">
+            <a:schemeClr val="accent6"/>
+          </a:effectRef>
+          <a:fontRef idx="minor">
+            <a:schemeClr val="dk1"/>
+          </a:fontRef>
+        </p:style>
+        <p:txBody>
+          <a:bodyPr rtlCol="0" anchor="ctr"/>
+          <a:lstStyle/>
+          <a:p>
+            <a:pPr algn="ctr"/>
+            <a:endParaRPr kumimoji="1" lang="zh-CN" altLang="en-US"/>
+          </a:p>
+        </p:txBody>
+      </p:sp>
+      <p:sp>
+        <p:nvSpPr>
+          <p:cNvPr id="16" name="矩形 15">
+            <a:extLst>
+              <a:ext uri="{FF2B5EF4-FFF2-40B4-BE49-F238E27FC236}">
+                <a16:creationId xmlns:a16="http://schemas.microsoft.com/office/drawing/2014/main" id="{FB1D3686-021F-1746-8ECF-43E71BC0F9AE}"/>
+              </a:ext>
+            </a:extLst>
+          </p:cNvPr>
+          <p:cNvSpPr/>
+          <p:nvPr/>
+        </p:nvSpPr>
+        <p:spPr>
+          <a:xfrm>
+            <a:off x="6864091" y="2099958"/>
+            <a:ext cx="4295966" cy="530328"/>
+          </a:xfrm>
+          <a:prstGeom prst="rect">
+            <a:avLst/>
+          </a:prstGeom>
+          <a:ln>
+            <a:noFill/>
+          </a:ln>
+        </p:spPr>
+        <p:style>
+          <a:lnRef idx="2">
+            <a:schemeClr val="accent6"/>
+          </a:lnRef>
+          <a:fillRef idx="1">
+            <a:schemeClr val="lt1"/>
+          </a:fillRef>
+          <a:effectRef idx="0">
+            <a:schemeClr val="accent6"/>
+          </a:effectRef>
+          <a:fontRef idx="minor">
+            <a:schemeClr val="dk1"/>
+          </a:fontRef>
+        </p:style>
+        <p:txBody>
+          <a:bodyPr rtlCol="0" anchor="ctr"/>
+          <a:lstStyle/>
+          <a:p>
+            <a:pPr algn="ctr"/>
+            <a:endParaRPr kumimoji="1" lang="zh-CN" altLang="en-US"/>
+          </a:p>
+        </p:txBody>
+      </p:sp>
+      <p:sp>
+        <p:nvSpPr>
+          <p:cNvPr id="13" name="圆角矩形 12">
+            <a:extLst>
+              <a:ext uri="{FF2B5EF4-FFF2-40B4-BE49-F238E27FC236}">
+                <a16:creationId xmlns:a16="http://schemas.microsoft.com/office/drawing/2014/main" id="{D1C452BE-7C75-BA44-811F-623FA96C09D9}"/>
+              </a:ext>
+            </a:extLst>
+          </p:cNvPr>
+          <p:cNvSpPr/>
+          <p:nvPr/>
+        </p:nvSpPr>
+        <p:spPr>
+          <a:xfrm>
+            <a:off x="4838359" y="2976476"/>
+            <a:ext cx="3241963" cy="3855584"/>
+          </a:xfrm>
+          <a:prstGeom prst="roundRect">
+            <a:avLst/>
+          </a:prstGeom>
+          <a:solidFill>
+            <a:srgbClr val="FFFF00">
+              <a:alpha val="40000"/>
+            </a:srgbClr>
+          </a:solidFill>
+          <a:ln>
+            <a:noFill/>
+          </a:ln>
+        </p:spPr>
+        <p:style>
+          <a:lnRef idx="2">
+            <a:schemeClr val="accent1">
+              <a:shade val="50000"/>
+            </a:schemeClr>
+          </a:lnRef>
+          <a:fillRef idx="1">
+            <a:schemeClr val="accent1"/>
+          </a:fillRef>
+          <a:effectRef idx="0">
+            <a:schemeClr val="accent1"/>
+          </a:effectRef>
+          <a:fontRef idx="minor">
+            <a:schemeClr val="lt1"/>
+          </a:fontRef>
+        </p:style>
+        <p:txBody>
+          <a:bodyPr rtlCol="0" anchor="ctr"/>
+          <a:lstStyle/>
+          <a:p>
+            <a:pPr algn="ctr"/>
+            <a:endParaRPr kumimoji="1" lang="zh-CN" altLang="en-US" dirty="0"/>
+          </a:p>
+        </p:txBody>
+      </p:sp>
+      <p:sp>
+        <p:nvSpPr>
+          <p:cNvPr id="9" name="矩形 8">
+            <a:extLst>
+              <a:ext uri="{FF2B5EF4-FFF2-40B4-BE49-F238E27FC236}">
+                <a16:creationId xmlns:a16="http://schemas.microsoft.com/office/drawing/2014/main" id="{9F6AB9B3-CAEE-FF4A-9663-B15410234583}"/>
+              </a:ext>
+            </a:extLst>
+          </p:cNvPr>
+          <p:cNvSpPr/>
+          <p:nvPr/>
+        </p:nvSpPr>
+        <p:spPr>
+          <a:xfrm>
+            <a:off x="7896855" y="2482671"/>
+            <a:ext cx="3747924" cy="3046988"/>
           </a:xfrm>
           <a:prstGeom prst="rect">
             <a:avLst/>
@@ -988,16 +2168,879 @@
           <a:lstStyle/>
           <a:p>
             <a:r>
-              <a:rPr lang="zh-CN" altLang="en-US" sz="1600" dirty="0">
-                <a:solidFill>
-                  <a:schemeClr val="bg1"/>
-                </a:solidFill>
-                <a:latin typeface="Times New Roman" panose="02020603050405020304" pitchFamily="18" charset="0"/>
-                <a:cs typeface="Times New Roman" panose="02020603050405020304" pitchFamily="18" charset="0"/>
-              </a:rPr>
-              <a:t>这里的 1 和它的前一个元素 1 相等，即 </a:t>
-            </a:r>
-            <a:endParaRPr lang="en-US" altLang="zh-CN" sz="1600" dirty="0">
+              <a:rPr lang="zh-CN" altLang="en-US" sz="1600" b="1" dirty="0">
+                <a:solidFill>
+                  <a:schemeClr val="bg1"/>
+                </a:solidFill>
+                <a:latin typeface="Times New Roman" panose="02020603050405020304" pitchFamily="18" charset="0"/>
+                <a:ea typeface="KaiTi" panose="02010609060101010101" pitchFamily="49" charset="-122"/>
+                <a:cs typeface="Times New Roman" panose="02020603050405020304" pitchFamily="18" charset="0"/>
+              </a:rPr>
+              <a:t>递归到这里时发现：</a:t>
+            </a:r>
+            <a:endParaRPr lang="en-US" altLang="zh-CN" sz="1600" b="1" dirty="0">
+              <a:solidFill>
+                <a:schemeClr val="bg1"/>
+              </a:solidFill>
+              <a:latin typeface="Times New Roman" panose="02020603050405020304" pitchFamily="18" charset="0"/>
+              <a:ea typeface="KaiTi" panose="02010609060101010101" pitchFamily="49" charset="-122"/>
+              <a:cs typeface="Times New Roman" panose="02020603050405020304" pitchFamily="18" charset="0"/>
+            </a:endParaRPr>
+          </a:p>
+          <a:p>
+            <a:r>
+              <a:rPr lang="en-US" altLang="zh-CN" sz="1600" b="1" dirty="0">
+                <a:solidFill>
+                  <a:schemeClr val="bg1"/>
+                </a:solidFill>
+                <a:latin typeface="Times New Roman" panose="02020603050405020304" pitchFamily="18" charset="0"/>
+                <a:ea typeface="KaiTi" panose="02010609060101010101" pitchFamily="49" charset="-122"/>
+                <a:cs typeface="Times New Roman" panose="02020603050405020304" pitchFamily="18" charset="0"/>
+              </a:rPr>
+              <a:t>1</a:t>
+            </a:r>
+            <a:r>
+              <a:rPr lang="zh-CN" altLang="en-US" sz="1600" b="1" dirty="0">
+                <a:solidFill>
+                  <a:schemeClr val="bg1"/>
+                </a:solidFill>
+                <a:latin typeface="Times New Roman" panose="02020603050405020304" pitchFamily="18" charset="0"/>
+                <a:ea typeface="KaiTi" panose="02010609060101010101" pitchFamily="49" charset="-122"/>
+                <a:cs typeface="Times New Roman" panose="02020603050405020304" pitchFamily="18" charset="0"/>
+              </a:rPr>
+              <a:t>、根结点选出的数 </a:t>
+            </a:r>
+            <a:r>
+              <a:rPr lang="en-US" altLang="zh-CN" sz="1600" b="1" dirty="0">
+                <a:solidFill>
+                  <a:schemeClr val="bg1"/>
+                </a:solidFill>
+                <a:latin typeface="Times New Roman" panose="02020603050405020304" pitchFamily="18" charset="0"/>
+                <a:ea typeface="KaiTi" panose="02010609060101010101" pitchFamily="49" charset="-122"/>
+                <a:cs typeface="Times New Roman" panose="02020603050405020304" pitchFamily="18" charset="0"/>
+              </a:rPr>
+              <a:t>1’</a:t>
+            </a:r>
+            <a:r>
+              <a:rPr lang="zh-CN" altLang="en-US" sz="1600" b="1" dirty="0">
+                <a:solidFill>
+                  <a:schemeClr val="bg1"/>
+                </a:solidFill>
+                <a:latin typeface="Times New Roman" panose="02020603050405020304" pitchFamily="18" charset="0"/>
+                <a:ea typeface="KaiTi" panose="02010609060101010101" pitchFamily="49" charset="-122"/>
+                <a:cs typeface="Times New Roman" panose="02020603050405020304" pitchFamily="18" charset="0"/>
+              </a:rPr>
+              <a:t> 与之前的分支（在同一层）的根结点选出的数 </a:t>
+            </a:r>
+            <a:r>
+              <a:rPr lang="en-US" altLang="zh-CN" sz="1600" b="1" dirty="0">
+                <a:solidFill>
+                  <a:schemeClr val="bg1"/>
+                </a:solidFill>
+                <a:latin typeface="Times New Roman" panose="02020603050405020304" pitchFamily="18" charset="0"/>
+                <a:ea typeface="KaiTi" panose="02010609060101010101" pitchFamily="49" charset="-122"/>
+                <a:cs typeface="Times New Roman" panose="02020603050405020304" pitchFamily="18" charset="0"/>
+              </a:rPr>
+              <a:t>1</a:t>
+            </a:r>
+            <a:r>
+              <a:rPr lang="zh-CN" altLang="en-US" sz="1600" b="1" dirty="0">
+                <a:solidFill>
+                  <a:schemeClr val="bg1"/>
+                </a:solidFill>
+                <a:latin typeface="Times New Roman" panose="02020603050405020304" pitchFamily="18" charset="0"/>
+                <a:ea typeface="KaiTi" panose="02010609060101010101" pitchFamily="49" charset="-122"/>
+                <a:cs typeface="Times New Roman" panose="02020603050405020304" pitchFamily="18" charset="0"/>
+              </a:rPr>
+              <a:t> 相等；</a:t>
+            </a:r>
+            <a:endParaRPr lang="en-US" altLang="zh-CN" sz="1600" b="1" dirty="0">
+              <a:solidFill>
+                <a:schemeClr val="bg1"/>
+              </a:solidFill>
+              <a:latin typeface="Times New Roman" panose="02020603050405020304" pitchFamily="18" charset="0"/>
+              <a:ea typeface="KaiTi" panose="02010609060101010101" pitchFamily="49" charset="-122"/>
+              <a:cs typeface="Times New Roman" panose="02020603050405020304" pitchFamily="18" charset="0"/>
+            </a:endParaRPr>
+          </a:p>
+          <a:p>
+            <a:r>
+              <a:rPr lang="en-US" altLang="zh-CN" sz="1600" b="1" dirty="0">
+                <a:solidFill>
+                  <a:schemeClr val="bg1"/>
+                </a:solidFill>
+                <a:latin typeface="Times New Roman" panose="02020603050405020304" pitchFamily="18" charset="0"/>
+                <a:ea typeface="KaiTi" panose="02010609060101010101" pitchFamily="49" charset="-122"/>
+                <a:cs typeface="Times New Roman" panose="02020603050405020304" pitchFamily="18" charset="0"/>
+              </a:rPr>
+              <a:t>2</a:t>
+            </a:r>
+            <a:r>
+              <a:rPr lang="zh-CN" altLang="en-US" sz="1600" b="1" dirty="0">
+                <a:solidFill>
+                  <a:schemeClr val="bg1"/>
+                </a:solidFill>
+                <a:latin typeface="Times New Roman" panose="02020603050405020304" pitchFamily="18" charset="0"/>
+                <a:ea typeface="KaiTi" panose="02010609060101010101" pitchFamily="49" charset="-122"/>
+                <a:cs typeface="Times New Roman" panose="02020603050405020304" pitchFamily="18" charset="0"/>
+              </a:rPr>
+              <a:t>、并且这个分支还未选出的数里有 </a:t>
+            </a:r>
+            <a:r>
+              <a:rPr lang="en-US" altLang="zh-CN" sz="1600" b="1" dirty="0">
+                <a:solidFill>
+                  <a:schemeClr val="bg1"/>
+                </a:solidFill>
+                <a:latin typeface="Times New Roman" panose="02020603050405020304" pitchFamily="18" charset="0"/>
+                <a:ea typeface="KaiTi" panose="02010609060101010101" pitchFamily="49" charset="-122"/>
+                <a:cs typeface="Times New Roman" panose="02020603050405020304" pitchFamily="18" charset="0"/>
+              </a:rPr>
+              <a:t>1</a:t>
+            </a:r>
+            <a:r>
+              <a:rPr lang="zh-CN" altLang="en-US" sz="1600" b="1" dirty="0">
+                <a:solidFill>
+                  <a:schemeClr val="bg1"/>
+                </a:solidFill>
+                <a:latin typeface="Times New Roman" panose="02020603050405020304" pitchFamily="18" charset="0"/>
+                <a:ea typeface="KaiTi" panose="02010609060101010101" pitchFamily="49" charset="-122"/>
+                <a:cs typeface="Times New Roman" panose="02020603050405020304" pitchFamily="18" charset="0"/>
+              </a:rPr>
+              <a:t> ，与之前的分支（在同一层）还未选出的数里有 </a:t>
+            </a:r>
+            <a:r>
+              <a:rPr lang="en-US" altLang="zh-CN" sz="1600" b="1" dirty="0">
+                <a:solidFill>
+                  <a:schemeClr val="bg1"/>
+                </a:solidFill>
+                <a:latin typeface="Times New Roman" panose="02020603050405020304" pitchFamily="18" charset="0"/>
+                <a:ea typeface="KaiTi" panose="02010609060101010101" pitchFamily="49" charset="-122"/>
+                <a:cs typeface="Times New Roman" panose="02020603050405020304" pitchFamily="18" charset="0"/>
+              </a:rPr>
+              <a:t>1</a:t>
+            </a:r>
+            <a:r>
+              <a:rPr lang="zh-CN" altLang="en-US" sz="1600" b="1" dirty="0">
+                <a:solidFill>
+                  <a:schemeClr val="bg1"/>
+                </a:solidFill>
+                <a:latin typeface="Times New Roman" panose="02020603050405020304" pitchFamily="18" charset="0"/>
+                <a:ea typeface="KaiTi" panose="02010609060101010101" pitchFamily="49" charset="-122"/>
+                <a:cs typeface="Times New Roman" panose="02020603050405020304" pitchFamily="18" charset="0"/>
+              </a:rPr>
+              <a:t>’，它们相等。</a:t>
+            </a:r>
+            <a:endParaRPr lang="en-US" altLang="zh-CN" sz="1600" b="1" dirty="0">
+              <a:solidFill>
+                <a:schemeClr val="bg1"/>
+              </a:solidFill>
+              <a:latin typeface="Times New Roman" panose="02020603050405020304" pitchFamily="18" charset="0"/>
+              <a:ea typeface="KaiTi" panose="02010609060101010101" pitchFamily="49" charset="-122"/>
+              <a:cs typeface="Times New Roman" panose="02020603050405020304" pitchFamily="18" charset="0"/>
+            </a:endParaRPr>
+          </a:p>
+          <a:p>
+            <a:endParaRPr lang="en-US" altLang="zh-CN" sz="1600" b="1" dirty="0">
+              <a:solidFill>
+                <a:schemeClr val="bg1"/>
+              </a:solidFill>
+              <a:latin typeface="Times New Roman" panose="02020603050405020304" pitchFamily="18" charset="0"/>
+              <a:ea typeface="KaiTi" panose="02010609060101010101" pitchFamily="49" charset="-122"/>
+              <a:cs typeface="Times New Roman" panose="02020603050405020304" pitchFamily="18" charset="0"/>
+            </a:endParaRPr>
+          </a:p>
+          <a:p>
+            <a:r>
+              <a:rPr lang="zh-CN" altLang="en-US" sz="1600" b="1" dirty="0">
+                <a:solidFill>
+                  <a:schemeClr val="bg1"/>
+                </a:solidFill>
+                <a:highlight>
+                  <a:srgbClr val="FF0000"/>
+                </a:highlight>
+                <a:latin typeface="Times New Roman" panose="02020603050405020304" pitchFamily="18" charset="0"/>
+                <a:ea typeface="KaiTi" panose="02010609060101010101" pitchFamily="49" charset="-122"/>
+                <a:cs typeface="Times New Roman" panose="02020603050405020304" pitchFamily="18" charset="0"/>
+              </a:rPr>
+              <a:t>根结点一样</a:t>
+            </a:r>
+            <a:r>
+              <a:rPr lang="zh-CN" altLang="en-US" sz="1600" b="1" dirty="0">
+                <a:solidFill>
+                  <a:schemeClr val="bg1"/>
+                </a:solidFill>
+                <a:latin typeface="Times New Roman" panose="02020603050405020304" pitchFamily="18" charset="0"/>
+                <a:ea typeface="KaiTi" panose="02010609060101010101" pitchFamily="49" charset="-122"/>
+                <a:cs typeface="Times New Roman" panose="02020603050405020304" pitchFamily="18" charset="0"/>
+              </a:rPr>
+              <a:t>，</a:t>
+            </a:r>
+            <a:r>
+              <a:rPr lang="zh-CN" altLang="en-US" sz="1600" b="1" dirty="0">
+                <a:solidFill>
+                  <a:schemeClr val="bg1"/>
+                </a:solidFill>
+                <a:highlight>
+                  <a:srgbClr val="FF0000"/>
+                </a:highlight>
+                <a:latin typeface="Times New Roman" panose="02020603050405020304" pitchFamily="18" charset="0"/>
+                <a:ea typeface="KaiTi" panose="02010609060101010101" pitchFamily="49" charset="-122"/>
+                <a:cs typeface="Times New Roman" panose="02020603050405020304" pitchFamily="18" charset="0"/>
+              </a:rPr>
+              <a:t>候选结点的集合也一样</a:t>
+            </a:r>
+            <a:r>
+              <a:rPr lang="zh-CN" altLang="en-US" sz="1600" b="1" dirty="0">
+                <a:solidFill>
+                  <a:schemeClr val="bg1"/>
+                </a:solidFill>
+                <a:latin typeface="Times New Roman" panose="02020603050405020304" pitchFamily="18" charset="0"/>
+                <a:ea typeface="KaiTi" panose="02010609060101010101" pitchFamily="49" charset="-122"/>
+                <a:cs typeface="Times New Roman" panose="02020603050405020304" pitchFamily="18" charset="0"/>
+              </a:rPr>
+              <a:t>，因此，这个结点递归下去产生的结点一定与前一个分支 （在同一层）重复，从图中看出的确如此，因此就在当前结点把这个分支剪掉。</a:t>
+            </a:r>
+          </a:p>
+        </p:txBody>
+      </p:sp>
+      <p:sp>
+        <p:nvSpPr>
+          <p:cNvPr id="12" name="下箭头 11">
+            <a:extLst>
+              <a:ext uri="{FF2B5EF4-FFF2-40B4-BE49-F238E27FC236}">
+                <a16:creationId xmlns:a16="http://schemas.microsoft.com/office/drawing/2014/main" id="{DE2E2381-E9CA-0444-891D-2843E10FB45E}"/>
+              </a:ext>
+            </a:extLst>
+          </p:cNvPr>
+          <p:cNvSpPr/>
+          <p:nvPr/>
+        </p:nvSpPr>
+        <p:spPr>
+          <a:xfrm rot="3269032">
+            <a:off x="7057876" y="2554524"/>
+            <a:ext cx="396256" cy="905920"/>
+          </a:xfrm>
+          <a:prstGeom prst="downArrow">
+            <a:avLst/>
+          </a:prstGeom>
+          <a:solidFill>
+            <a:srgbClr val="FF0000"/>
+          </a:solidFill>
+          <a:ln>
+            <a:noFill/>
+          </a:ln>
+        </p:spPr>
+        <p:style>
+          <a:lnRef idx="2">
+            <a:schemeClr val="accent1">
+              <a:shade val="50000"/>
+            </a:schemeClr>
+          </a:lnRef>
+          <a:fillRef idx="1">
+            <a:schemeClr val="accent1"/>
+          </a:fillRef>
+          <a:effectRef idx="0">
+            <a:schemeClr val="accent1"/>
+          </a:effectRef>
+          <a:fontRef idx="minor">
+            <a:schemeClr val="lt1"/>
+          </a:fontRef>
+        </p:style>
+        <p:txBody>
+          <a:bodyPr rtlCol="0" anchor="ctr"/>
+          <a:lstStyle/>
+          <a:p>
+            <a:pPr algn="ctr"/>
+            <a:endParaRPr kumimoji="1" lang="zh-CN" altLang="en-US" sz="2400" dirty="0">
+              <a:solidFill>
+                <a:schemeClr val="bg1"/>
+              </a:solidFill>
+              <a:latin typeface="SimHei" panose="02010609060101010101" pitchFamily="49" charset="-122"/>
+              <a:ea typeface="SimHei" panose="02010609060101010101" pitchFamily="49" charset="-122"/>
+            </a:endParaRPr>
+          </a:p>
+        </p:txBody>
+      </p:sp>
+    </p:spTree>
+    <p:extLst>
+      <p:ext uri="{BB962C8B-B14F-4D97-AF65-F5344CB8AC3E}">
+        <p14:creationId xmlns:p14="http://schemas.microsoft.com/office/powerpoint/2010/main" val="32098556"/>
+      </p:ext>
+    </p:extLst>
+  </p:cSld>
+  <p:clrMapOvr>
+    <a:masterClrMapping/>
+  </p:clrMapOvr>
+</p:sld>
+</file>
+
+<file path=ppt/slides/slide3.xml><?xml version="1.0" encoding="utf-8"?>
+<p:sld xmlns:a="http://schemas.openxmlformats.org/drawingml/2006/main" xmlns:r="http://schemas.openxmlformats.org/officeDocument/2006/relationships" xmlns:p="http://schemas.openxmlformats.org/presentationml/2006/main">
+  <p:cSld>
+    <p:spTree>
+      <p:nvGrpSpPr>
+        <p:cNvPr id="1" name=""/>
+        <p:cNvGrpSpPr/>
+        <p:nvPr/>
+      </p:nvGrpSpPr>
+      <p:grpSpPr>
+        <a:xfrm>
+          <a:off x="0" y="0"/>
+          <a:ext cx="0" cy="0"/>
+          <a:chOff x="0" y="0"/>
+          <a:chExt cx="0" cy="0"/>
+        </a:xfrm>
+      </p:grpSpPr>
+      <p:pic>
+        <p:nvPicPr>
+          <p:cNvPr id="8" name="图片 7">
+            <a:extLst>
+              <a:ext uri="{FF2B5EF4-FFF2-40B4-BE49-F238E27FC236}">
+                <a16:creationId xmlns:a16="http://schemas.microsoft.com/office/drawing/2014/main" id="{2DD70782-741A-D641-81AC-4F5DA646793B}"/>
+              </a:ext>
+            </a:extLst>
+          </p:cNvPr>
+          <p:cNvPicPr>
+            <a:picLocks noChangeAspect="1"/>
+          </p:cNvPicPr>
+          <p:nvPr/>
+        </p:nvPicPr>
+        <p:blipFill>
+          <a:blip r:embed="rId2"/>
+          <a:stretch>
+            <a:fillRect/>
+          </a:stretch>
+        </p:blipFill>
+        <p:spPr>
+          <a:xfrm>
+            <a:off x="1800000" y="1620000"/>
+            <a:ext cx="9520000" cy="5040000"/>
+          </a:xfrm>
+          <a:prstGeom prst="rect">
+            <a:avLst/>
+          </a:prstGeom>
+        </p:spPr>
+      </p:pic>
+      <p:sp>
+        <p:nvSpPr>
+          <p:cNvPr id="2" name="矩形 1">
+            <a:extLst>
+              <a:ext uri="{FF2B5EF4-FFF2-40B4-BE49-F238E27FC236}">
+                <a16:creationId xmlns:a16="http://schemas.microsoft.com/office/drawing/2014/main" id="{75D339EB-0A04-794B-8766-1C59FCD10E18}"/>
+              </a:ext>
+            </a:extLst>
+          </p:cNvPr>
+          <p:cNvSpPr/>
+          <p:nvPr/>
+        </p:nvSpPr>
+        <p:spPr>
+          <a:xfrm>
+            <a:off x="380472" y="1273810"/>
+            <a:ext cx="11648130" cy="646331"/>
+          </a:xfrm>
+          <a:prstGeom prst="rect">
+            <a:avLst/>
+          </a:prstGeom>
+        </p:spPr>
+        <p:txBody>
+          <a:bodyPr wrap="square">
+            <a:spAutoFit/>
+          </a:bodyPr>
+          <a:lstStyle/>
+          <a:p>
+            <a:r>
+              <a:rPr lang="zh-CN" altLang="en-US" dirty="0">
+                <a:latin typeface="Times New Roman" charset="0"/>
+                <a:ea typeface="楷体" charset="-122"/>
+                <a:cs typeface="Times New Roman" charset="0"/>
+              </a:rPr>
+              <a:t>现在，我们把相同的数字，进行区分：将第 </a:t>
+            </a:r>
+            <a:r>
+              <a:rPr lang="en-US" altLang="zh-CN" dirty="0">
+                <a:latin typeface="Times New Roman" charset="0"/>
+                <a:ea typeface="楷体" charset="-122"/>
+                <a:cs typeface="Times New Roman" charset="0"/>
+              </a:rPr>
+              <a:t>2</a:t>
+            </a:r>
+            <a:r>
+              <a:rPr lang="zh-CN" altLang="en-US" dirty="0">
+                <a:latin typeface="Times New Roman" charset="0"/>
+                <a:ea typeface="楷体" charset="-122"/>
+                <a:cs typeface="Times New Roman" charset="0"/>
+              </a:rPr>
+              <a:t> 个“</a:t>
+            </a:r>
+            <a:r>
+              <a:rPr lang="en-US" altLang="zh-CN" dirty="0">
+                <a:latin typeface="Times New Roman" charset="0"/>
+                <a:ea typeface="楷体" charset="-122"/>
+                <a:cs typeface="Times New Roman" charset="0"/>
+              </a:rPr>
+              <a:t>1</a:t>
+            </a:r>
+            <a:r>
+              <a:rPr lang="zh-CN" altLang="en-US" dirty="0">
+                <a:latin typeface="Times New Roman" charset="0"/>
+                <a:ea typeface="楷体" charset="-122"/>
+                <a:cs typeface="Times New Roman" charset="0"/>
+              </a:rPr>
+              <a:t>”，表示为“</a:t>
+            </a:r>
+            <a:r>
+              <a:rPr lang="en-US" altLang="zh-CN" b="1" dirty="0">
+                <a:solidFill>
+                  <a:srgbClr val="0432FF"/>
+                </a:solidFill>
+                <a:latin typeface="Times New Roman" charset="0"/>
+                <a:ea typeface="楷体" charset="-122"/>
+                <a:cs typeface="Times New Roman" charset="0"/>
+              </a:rPr>
+              <a:t>1’</a:t>
+            </a:r>
+            <a:r>
+              <a:rPr lang="zh-CN" altLang="en-US" dirty="0">
+                <a:latin typeface="Times New Roman" charset="0"/>
+                <a:ea typeface="楷体" charset="-122"/>
+                <a:cs typeface="Times New Roman" charset="0"/>
+              </a:rPr>
+              <a:t>”，就容易发现重复分支，在递归过程中把它剪掉即可。</a:t>
+            </a:r>
+            <a:endParaRPr lang="en-US" altLang="zh-CN" dirty="0">
+              <a:latin typeface="Times New Roman" charset="0"/>
+              <a:ea typeface="楷体" charset="-122"/>
+              <a:cs typeface="Times New Roman" charset="0"/>
+            </a:endParaRPr>
+          </a:p>
+        </p:txBody>
+      </p:sp>
+      <p:sp>
+        <p:nvSpPr>
+          <p:cNvPr id="5" name="文本框 4">
+            <a:extLst>
+              <a:ext uri="{FF2B5EF4-FFF2-40B4-BE49-F238E27FC236}">
+                <a16:creationId xmlns:a16="http://schemas.microsoft.com/office/drawing/2014/main" id="{A22F6BE3-4FA8-2947-ACD2-37B880794610}"/>
+              </a:ext>
+            </a:extLst>
+          </p:cNvPr>
+          <p:cNvSpPr txBox="1"/>
+          <p:nvPr/>
+        </p:nvSpPr>
+        <p:spPr>
+          <a:xfrm flipH="1">
+            <a:off x="380472" y="789563"/>
+            <a:ext cx="4219807" cy="400110"/>
+          </a:xfrm>
+          <a:prstGeom prst="rect">
+            <a:avLst/>
+          </a:prstGeom>
+          <a:solidFill>
+            <a:srgbClr val="FF0000"/>
+          </a:solidFill>
+          <a:ln>
+            <a:noFill/>
+          </a:ln>
+          <a:effectLst>
+            <a:outerShdw blurRad="50800" dist="38100" dir="2700000" algn="tl" rotWithShape="0">
+              <a:prstClr val="black">
+                <a:alpha val="40000"/>
+              </a:prstClr>
+            </a:outerShdw>
+          </a:effectLst>
+        </p:spPr>
+        <p:txBody>
+          <a:bodyPr wrap="square" rtlCol="0">
+            <a:spAutoFit/>
+          </a:bodyPr>
+          <a:lstStyle/>
+          <a:p>
+            <a:pPr marL="342900" indent="-342900">
+              <a:buFont typeface="Wingdings" pitchFamily="2" charset="2"/>
+              <a:buChar char="Ø"/>
+            </a:pPr>
+            <a:r>
+              <a:rPr kumimoji="1" lang="zh-CN" altLang="en-US" sz="2000" b="1" dirty="0">
+                <a:solidFill>
+                  <a:schemeClr val="bg1"/>
+                </a:solidFill>
+                <a:latin typeface="Times New Roman" panose="02020603050405020304" pitchFamily="18" charset="0"/>
+                <a:ea typeface="KaiTi_GB2312" panose="02010609030101010101" pitchFamily="49" charset="-122"/>
+                <a:cs typeface="Times New Roman" panose="02020603050405020304" pitchFamily="18" charset="0"/>
+              </a:rPr>
+              <a:t>思想：“递归回溯”</a:t>
+            </a:r>
+            <a:r>
+              <a:rPr kumimoji="1" lang="en-US" altLang="zh-CN" sz="2000" b="1" dirty="0">
+                <a:solidFill>
+                  <a:schemeClr val="bg1"/>
+                </a:solidFill>
+                <a:latin typeface="Times New Roman" panose="02020603050405020304" pitchFamily="18" charset="0"/>
+                <a:ea typeface="KaiTi_GB2312" panose="02010609030101010101" pitchFamily="49" charset="-122"/>
+                <a:cs typeface="Times New Roman" panose="02020603050405020304" pitchFamily="18" charset="0"/>
+              </a:rPr>
+              <a:t>+</a:t>
+            </a:r>
+            <a:r>
+              <a:rPr kumimoji="1" lang="zh-CN" altLang="en-US" sz="2000" b="1" dirty="0">
+                <a:solidFill>
+                  <a:schemeClr val="bg1"/>
+                </a:solidFill>
+                <a:latin typeface="Times New Roman" panose="02020603050405020304" pitchFamily="18" charset="0"/>
+                <a:ea typeface="KaiTi_GB2312" panose="02010609030101010101" pitchFamily="49" charset="-122"/>
+                <a:cs typeface="Times New Roman" panose="02020603050405020304" pitchFamily="18" charset="0"/>
+              </a:rPr>
+              <a:t> “剪枝”。</a:t>
+            </a:r>
+          </a:p>
+        </p:txBody>
+      </p:sp>
+      <p:sp>
+        <p:nvSpPr>
+          <p:cNvPr id="6" name="矩形 5">
+            <a:extLst>
+              <a:ext uri="{FF2B5EF4-FFF2-40B4-BE49-F238E27FC236}">
+                <a16:creationId xmlns:a16="http://schemas.microsoft.com/office/drawing/2014/main" id="{99BD383F-2362-7B43-A3DB-D83509BAB9BD}"/>
+              </a:ext>
+            </a:extLst>
+          </p:cNvPr>
+          <p:cNvSpPr/>
+          <p:nvPr/>
+        </p:nvSpPr>
+        <p:spPr>
+          <a:xfrm>
+            <a:off x="4688023" y="789563"/>
+            <a:ext cx="7503977" cy="369332"/>
+          </a:xfrm>
+          <a:prstGeom prst="rect">
+            <a:avLst/>
+          </a:prstGeom>
+        </p:spPr>
+        <p:txBody>
+          <a:bodyPr wrap="none">
+            <a:spAutoFit/>
+          </a:bodyPr>
+          <a:lstStyle/>
+          <a:p>
+            <a:r>
+              <a:rPr lang="zh-CN" altLang="en-US" dirty="0">
+                <a:latin typeface="Times New Roman" panose="02020603050405020304" pitchFamily="18" charset="0"/>
+                <a:ea typeface="KaiTi_GB2312" panose="02010609030101010101" pitchFamily="49" charset="-122"/>
+                <a:cs typeface="Times New Roman" panose="02020603050405020304" pitchFamily="18" charset="0"/>
+              </a:rPr>
+              <a:t>以示例输入：</a:t>
+            </a:r>
+            <a:r>
+              <a:rPr lang="en-US" altLang="zh-CN" dirty="0">
+                <a:latin typeface="Times New Roman" panose="02020603050405020304" pitchFamily="18" charset="0"/>
+                <a:ea typeface="KaiTi_GB2312" panose="02010609030101010101" pitchFamily="49" charset="-122"/>
+                <a:cs typeface="Times New Roman" panose="02020603050405020304" pitchFamily="18" charset="0"/>
+              </a:rPr>
+              <a:t>[1,</a:t>
+            </a:r>
+            <a:r>
+              <a:rPr lang="zh-CN" altLang="en-US" dirty="0">
+                <a:latin typeface="Times New Roman" panose="02020603050405020304" pitchFamily="18" charset="0"/>
+                <a:ea typeface="KaiTi_GB2312" panose="02010609030101010101" pitchFamily="49" charset="-122"/>
+                <a:cs typeface="Times New Roman" panose="02020603050405020304" pitchFamily="18" charset="0"/>
+              </a:rPr>
+              <a:t> </a:t>
+            </a:r>
+            <a:r>
+              <a:rPr lang="en-US" altLang="zh-CN" dirty="0">
+                <a:latin typeface="Times New Roman" panose="02020603050405020304" pitchFamily="18" charset="0"/>
+                <a:ea typeface="KaiTi_GB2312" panose="02010609030101010101" pitchFamily="49" charset="-122"/>
+                <a:cs typeface="Times New Roman" panose="02020603050405020304" pitchFamily="18" charset="0"/>
+              </a:rPr>
+              <a:t>1,</a:t>
+            </a:r>
+            <a:r>
+              <a:rPr lang="zh-CN" altLang="en-US" dirty="0">
+                <a:latin typeface="Times New Roman" panose="02020603050405020304" pitchFamily="18" charset="0"/>
+                <a:ea typeface="KaiTi_GB2312" panose="02010609030101010101" pitchFamily="49" charset="-122"/>
+                <a:cs typeface="Times New Roman" panose="02020603050405020304" pitchFamily="18" charset="0"/>
+              </a:rPr>
+              <a:t> </a:t>
+            </a:r>
+            <a:r>
+              <a:rPr lang="en-US" altLang="zh-CN" dirty="0">
+                <a:latin typeface="Times New Roman" panose="02020603050405020304" pitchFamily="18" charset="0"/>
+                <a:ea typeface="KaiTi_GB2312" panose="02010609030101010101" pitchFamily="49" charset="-122"/>
+                <a:cs typeface="Times New Roman" panose="02020603050405020304" pitchFamily="18" charset="0"/>
+              </a:rPr>
+              <a:t>2]</a:t>
+            </a:r>
+            <a:r>
+              <a:rPr lang="zh-CN" altLang="en-US" dirty="0">
+                <a:latin typeface="Times New Roman" panose="02020603050405020304" pitchFamily="18" charset="0"/>
+                <a:ea typeface="KaiTi_GB2312" panose="02010609030101010101" pitchFamily="49" charset="-122"/>
+                <a:cs typeface="Times New Roman" panose="02020603050405020304" pitchFamily="18" charset="0"/>
+              </a:rPr>
+              <a:t>，输出</a:t>
+            </a:r>
+            <a:r>
+              <a:rPr lang="en-US" altLang="zh-CN" dirty="0">
+                <a:latin typeface="Times New Roman" panose="02020603050405020304" pitchFamily="18" charset="0"/>
+                <a:ea typeface="KaiTi_GB2312" panose="02010609030101010101" pitchFamily="49" charset="-122"/>
+                <a:cs typeface="Times New Roman" panose="02020603050405020304" pitchFamily="18" charset="0"/>
+              </a:rPr>
+              <a:t>: [[1,</a:t>
+            </a:r>
+            <a:r>
+              <a:rPr lang="zh-CN" altLang="en-US" dirty="0">
+                <a:latin typeface="Times New Roman" panose="02020603050405020304" pitchFamily="18" charset="0"/>
+                <a:ea typeface="KaiTi_GB2312" panose="02010609030101010101" pitchFamily="49" charset="-122"/>
+                <a:cs typeface="Times New Roman" panose="02020603050405020304" pitchFamily="18" charset="0"/>
+              </a:rPr>
+              <a:t> </a:t>
+            </a:r>
+            <a:r>
+              <a:rPr lang="en-US" altLang="zh-CN" dirty="0">
+                <a:latin typeface="Times New Roman" panose="02020603050405020304" pitchFamily="18" charset="0"/>
+                <a:ea typeface="KaiTi_GB2312" panose="02010609030101010101" pitchFamily="49" charset="-122"/>
+                <a:cs typeface="Times New Roman" panose="02020603050405020304" pitchFamily="18" charset="0"/>
+              </a:rPr>
+              <a:t>1,</a:t>
+            </a:r>
+            <a:r>
+              <a:rPr lang="zh-CN" altLang="en-US" dirty="0">
+                <a:latin typeface="Times New Roman" panose="02020603050405020304" pitchFamily="18" charset="0"/>
+                <a:ea typeface="KaiTi_GB2312" panose="02010609030101010101" pitchFamily="49" charset="-122"/>
+                <a:cs typeface="Times New Roman" panose="02020603050405020304" pitchFamily="18" charset="0"/>
+              </a:rPr>
+              <a:t> </a:t>
+            </a:r>
+            <a:r>
+              <a:rPr lang="en-US" altLang="zh-CN" dirty="0">
+                <a:latin typeface="Times New Roman" panose="02020603050405020304" pitchFamily="18" charset="0"/>
+                <a:ea typeface="KaiTi_GB2312" panose="02010609030101010101" pitchFamily="49" charset="-122"/>
+                <a:cs typeface="Times New Roman" panose="02020603050405020304" pitchFamily="18" charset="0"/>
+              </a:rPr>
+              <a:t>2],</a:t>
+            </a:r>
+            <a:r>
+              <a:rPr lang="zh-CN" altLang="en-US" dirty="0">
+                <a:latin typeface="Times New Roman" panose="02020603050405020304" pitchFamily="18" charset="0"/>
+                <a:ea typeface="KaiTi_GB2312" panose="02010609030101010101" pitchFamily="49" charset="-122"/>
+                <a:cs typeface="Times New Roman" panose="02020603050405020304" pitchFamily="18" charset="0"/>
+              </a:rPr>
+              <a:t> </a:t>
+            </a:r>
+            <a:r>
+              <a:rPr lang="en-US" altLang="zh-CN" dirty="0">
+                <a:latin typeface="Times New Roman" panose="02020603050405020304" pitchFamily="18" charset="0"/>
+                <a:ea typeface="KaiTi_GB2312" panose="02010609030101010101" pitchFamily="49" charset="-122"/>
+                <a:cs typeface="Times New Roman" panose="02020603050405020304" pitchFamily="18" charset="0"/>
+              </a:rPr>
+              <a:t> [1,</a:t>
+            </a:r>
+            <a:r>
+              <a:rPr lang="zh-CN" altLang="en-US" dirty="0">
+                <a:latin typeface="Times New Roman" panose="02020603050405020304" pitchFamily="18" charset="0"/>
+                <a:ea typeface="KaiTi_GB2312" panose="02010609030101010101" pitchFamily="49" charset="-122"/>
+                <a:cs typeface="Times New Roman" panose="02020603050405020304" pitchFamily="18" charset="0"/>
+              </a:rPr>
+              <a:t> </a:t>
+            </a:r>
+            <a:r>
+              <a:rPr lang="en-US" altLang="zh-CN" dirty="0">
+                <a:latin typeface="Times New Roman" panose="02020603050405020304" pitchFamily="18" charset="0"/>
+                <a:ea typeface="KaiTi_GB2312" panose="02010609030101010101" pitchFamily="49" charset="-122"/>
+                <a:cs typeface="Times New Roman" panose="02020603050405020304" pitchFamily="18" charset="0"/>
+              </a:rPr>
+              <a:t>2,</a:t>
+            </a:r>
+            <a:r>
+              <a:rPr lang="zh-CN" altLang="en-US" dirty="0">
+                <a:latin typeface="Times New Roman" panose="02020603050405020304" pitchFamily="18" charset="0"/>
+                <a:ea typeface="KaiTi_GB2312" panose="02010609030101010101" pitchFamily="49" charset="-122"/>
+                <a:cs typeface="Times New Roman" panose="02020603050405020304" pitchFamily="18" charset="0"/>
+              </a:rPr>
+              <a:t> </a:t>
+            </a:r>
+            <a:r>
+              <a:rPr lang="en-US" altLang="zh-CN" dirty="0">
+                <a:latin typeface="Times New Roman" panose="02020603050405020304" pitchFamily="18" charset="0"/>
+                <a:ea typeface="KaiTi_GB2312" panose="02010609030101010101" pitchFamily="49" charset="-122"/>
+                <a:cs typeface="Times New Roman" panose="02020603050405020304" pitchFamily="18" charset="0"/>
+              </a:rPr>
+              <a:t>1],</a:t>
+            </a:r>
+            <a:r>
+              <a:rPr lang="zh-CN" altLang="en-US" dirty="0">
+                <a:latin typeface="Times New Roman" panose="02020603050405020304" pitchFamily="18" charset="0"/>
+                <a:ea typeface="KaiTi_GB2312" panose="02010609030101010101" pitchFamily="49" charset="-122"/>
+                <a:cs typeface="Times New Roman" panose="02020603050405020304" pitchFamily="18" charset="0"/>
+              </a:rPr>
+              <a:t> </a:t>
+            </a:r>
+            <a:r>
+              <a:rPr lang="en-US" altLang="zh-CN" dirty="0">
+                <a:latin typeface="Times New Roman" panose="02020603050405020304" pitchFamily="18" charset="0"/>
+                <a:ea typeface="KaiTi_GB2312" panose="02010609030101010101" pitchFamily="49" charset="-122"/>
+                <a:cs typeface="Times New Roman" panose="02020603050405020304" pitchFamily="18" charset="0"/>
+              </a:rPr>
+              <a:t> [2,</a:t>
+            </a:r>
+            <a:r>
+              <a:rPr lang="zh-CN" altLang="en-US" dirty="0">
+                <a:latin typeface="Times New Roman" panose="02020603050405020304" pitchFamily="18" charset="0"/>
+                <a:ea typeface="KaiTi_GB2312" panose="02010609030101010101" pitchFamily="49" charset="-122"/>
+                <a:cs typeface="Times New Roman" panose="02020603050405020304" pitchFamily="18" charset="0"/>
+              </a:rPr>
+              <a:t> </a:t>
+            </a:r>
+            <a:r>
+              <a:rPr lang="en-US" altLang="zh-CN" dirty="0">
+                <a:latin typeface="Times New Roman" panose="02020603050405020304" pitchFamily="18" charset="0"/>
+                <a:ea typeface="KaiTi_GB2312" panose="02010609030101010101" pitchFamily="49" charset="-122"/>
+                <a:cs typeface="Times New Roman" panose="02020603050405020304" pitchFamily="18" charset="0"/>
+              </a:rPr>
+              <a:t>1,</a:t>
+            </a:r>
+            <a:r>
+              <a:rPr lang="zh-CN" altLang="en-US" dirty="0">
+                <a:latin typeface="Times New Roman" panose="02020603050405020304" pitchFamily="18" charset="0"/>
+                <a:ea typeface="KaiTi_GB2312" panose="02010609030101010101" pitchFamily="49" charset="-122"/>
+                <a:cs typeface="Times New Roman" panose="02020603050405020304" pitchFamily="18" charset="0"/>
+              </a:rPr>
+              <a:t> </a:t>
+            </a:r>
+            <a:r>
+              <a:rPr lang="en-US" altLang="zh-CN" dirty="0">
+                <a:latin typeface="Times New Roman" panose="02020603050405020304" pitchFamily="18" charset="0"/>
+                <a:ea typeface="KaiTi_GB2312" panose="02010609030101010101" pitchFamily="49" charset="-122"/>
+                <a:cs typeface="Times New Roman" panose="02020603050405020304" pitchFamily="18" charset="0"/>
+              </a:rPr>
+              <a:t>1] ]</a:t>
+            </a:r>
+            <a:r>
+              <a:rPr lang="zh-CN" altLang="en-US" dirty="0">
+                <a:latin typeface="Times New Roman" panose="02020603050405020304" pitchFamily="18" charset="0"/>
+                <a:ea typeface="KaiTi_GB2312" panose="02010609030101010101" pitchFamily="49" charset="-122"/>
+                <a:cs typeface="Times New Roman" panose="02020603050405020304" pitchFamily="18" charset="0"/>
+              </a:rPr>
+              <a:t> 为例进行说明。</a:t>
+            </a:r>
+          </a:p>
+        </p:txBody>
+      </p:sp>
+      <p:sp>
+        <p:nvSpPr>
+          <p:cNvPr id="7" name="矩形 6">
+            <a:extLst>
+              <a:ext uri="{FF2B5EF4-FFF2-40B4-BE49-F238E27FC236}">
+                <a16:creationId xmlns:a16="http://schemas.microsoft.com/office/drawing/2014/main" id="{A3F22E3C-009C-4D4E-A496-DD13C9B6A333}"/>
+              </a:ext>
+            </a:extLst>
+          </p:cNvPr>
+          <p:cNvSpPr/>
+          <p:nvPr/>
+        </p:nvSpPr>
+        <p:spPr>
+          <a:xfrm>
+            <a:off x="2161880" y="102000"/>
+            <a:ext cx="5570756" cy="461665"/>
+          </a:xfrm>
+          <a:prstGeom prst="rect">
+            <a:avLst/>
+          </a:prstGeom>
+        </p:spPr>
+        <p:txBody>
+          <a:bodyPr wrap="none">
+            <a:spAutoFit/>
+          </a:bodyPr>
+          <a:lstStyle/>
+          <a:p>
+            <a:r>
+              <a:rPr kumimoji="1" lang="zh-CN" altLang="en-US" sz="2400" dirty="0">
+                <a:solidFill>
+                  <a:schemeClr val="bg1"/>
+                </a:solidFill>
+                <a:latin typeface="Times New Roman" panose="02020603050405020304" pitchFamily="18" charset="0"/>
+                <a:ea typeface="黑体" charset="-122"/>
+                <a:cs typeface="Times New Roman" panose="02020603050405020304" pitchFamily="18" charset="0"/>
+              </a:rPr>
+              <a:t>第 </a:t>
+            </a:r>
+            <a:r>
+              <a:rPr kumimoji="1" lang="en-US" altLang="zh-CN" sz="2400" dirty="0">
+                <a:solidFill>
+                  <a:schemeClr val="bg1"/>
+                </a:solidFill>
+                <a:latin typeface="Times New Roman" panose="02020603050405020304" pitchFamily="18" charset="0"/>
+                <a:ea typeface="黑体" charset="-122"/>
+                <a:cs typeface="Times New Roman" panose="02020603050405020304" pitchFamily="18" charset="0"/>
+              </a:rPr>
+              <a:t>47</a:t>
+            </a:r>
+            <a:r>
+              <a:rPr kumimoji="1" lang="zh-CN" altLang="en-US" sz="2400" dirty="0">
+                <a:solidFill>
+                  <a:schemeClr val="bg1"/>
+                </a:solidFill>
+                <a:latin typeface="Times New Roman" panose="02020603050405020304" pitchFamily="18" charset="0"/>
+                <a:ea typeface="黑体" charset="-122"/>
+                <a:cs typeface="Times New Roman" panose="02020603050405020304" pitchFamily="18" charset="0"/>
+              </a:rPr>
+              <a:t> 题</a:t>
+            </a:r>
+            <a:r>
+              <a:rPr kumimoji="1" lang="zh-CN" altLang="en-US" sz="2400" dirty="0">
+                <a:solidFill>
+                  <a:schemeClr val="bg1"/>
+                </a:solidFill>
+                <a:latin typeface="Times New Roman" panose="02020603050405020304" pitchFamily="18" charset="0"/>
+                <a:ea typeface="KaiTi" panose="02010609060101010101" pitchFamily="49" charset="-122"/>
+                <a:cs typeface="Times New Roman" panose="02020603050405020304" pitchFamily="18" charset="0"/>
+              </a:rPr>
+              <a:t>：“全排列 </a:t>
+            </a:r>
+            <a:r>
+              <a:rPr kumimoji="1" lang="en-US" altLang="zh-CN" sz="2400" dirty="0">
+                <a:solidFill>
+                  <a:schemeClr val="bg1"/>
+                </a:solidFill>
+                <a:latin typeface="Times New Roman" panose="02020603050405020304" pitchFamily="18" charset="0"/>
+                <a:ea typeface="KaiTi" panose="02010609060101010101" pitchFamily="49" charset="-122"/>
+                <a:cs typeface="Times New Roman" panose="02020603050405020304" pitchFamily="18" charset="0"/>
+              </a:rPr>
+              <a:t>II</a:t>
+            </a:r>
+            <a:r>
+              <a:rPr kumimoji="1" lang="zh-CN" altLang="en-US" sz="2400" dirty="0">
+                <a:solidFill>
+                  <a:schemeClr val="bg1"/>
+                </a:solidFill>
+                <a:latin typeface="Times New Roman" panose="02020603050405020304" pitchFamily="18" charset="0"/>
+                <a:ea typeface="KaiTi" panose="02010609060101010101" pitchFamily="49" charset="-122"/>
+                <a:cs typeface="Times New Roman" panose="02020603050405020304" pitchFamily="18" charset="0"/>
+              </a:rPr>
+              <a:t>”题解配图（</a:t>
+            </a:r>
+            <a:r>
+              <a:rPr kumimoji="1" lang="en-US" altLang="zh-CN" sz="2400" dirty="0">
+                <a:solidFill>
+                  <a:schemeClr val="bg1"/>
+                </a:solidFill>
+                <a:latin typeface="Times New Roman" panose="02020603050405020304" pitchFamily="18" charset="0"/>
+                <a:ea typeface="KaiTi" panose="02010609060101010101" pitchFamily="49" charset="-122"/>
+                <a:cs typeface="Times New Roman" panose="02020603050405020304" pitchFamily="18" charset="0"/>
+              </a:rPr>
+              <a:t>3</a:t>
+            </a:r>
+            <a:r>
+              <a:rPr kumimoji="1" lang="zh-CN" altLang="en-US" sz="2400" dirty="0">
+                <a:solidFill>
+                  <a:schemeClr val="bg1"/>
+                </a:solidFill>
+                <a:latin typeface="Times New Roman" panose="02020603050405020304" pitchFamily="18" charset="0"/>
+                <a:ea typeface="KaiTi" panose="02010609060101010101" pitchFamily="49" charset="-122"/>
+                <a:cs typeface="Times New Roman" panose="02020603050405020304" pitchFamily="18" charset="0"/>
+              </a:rPr>
+              <a:t>）</a:t>
+            </a:r>
+            <a:endParaRPr lang="zh-CN" altLang="en-US" dirty="0">
               <a:solidFill>
                 <a:schemeClr val="bg1"/>
               </a:solidFill>
@@ -1005,212 +3048,2266 @@
               <a:cs typeface="Times New Roman" panose="02020603050405020304" pitchFamily="18" charset="0"/>
             </a:endParaRPr>
           </a:p>
-          <a:p>
-            <a:r>
-              <a:rPr lang="zh-CN" altLang="en-US" sz="1600" dirty="0">
-                <a:solidFill>
-                  <a:schemeClr val="bg1"/>
-                </a:solidFill>
-                <a:latin typeface="Times New Roman" panose="02020603050405020304" pitchFamily="18" charset="0"/>
-                <a:cs typeface="Times New Roman" panose="02020603050405020304" pitchFamily="18" charset="0"/>
-              </a:rPr>
-              <a:t>nums[i - 1] </a:t>
-            </a:r>
-            <a:r>
-              <a:rPr lang="en-US" altLang="zh-CN" sz="1600" dirty="0">
-                <a:solidFill>
-                  <a:schemeClr val="bg1"/>
-                </a:solidFill>
-                <a:latin typeface="Times New Roman" panose="02020603050405020304" pitchFamily="18" charset="0"/>
-                <a:cs typeface="Times New Roman" panose="02020603050405020304" pitchFamily="18" charset="0"/>
-              </a:rPr>
-              <a:t>=</a:t>
-            </a:r>
-            <a:r>
-              <a:rPr lang="zh-CN" altLang="en-US" sz="1600" dirty="0">
-                <a:solidFill>
-                  <a:schemeClr val="bg1"/>
-                </a:solidFill>
-                <a:latin typeface="Times New Roman" panose="02020603050405020304" pitchFamily="18" charset="0"/>
-                <a:cs typeface="Times New Roman" panose="02020603050405020304" pitchFamily="18" charset="0"/>
-              </a:rPr>
-              <a:t>= nums[i] 为 </a:t>
-            </a:r>
-            <a:r>
-              <a:rPr lang="en-US" altLang="zh-CN" sz="1600" dirty="0">
-                <a:solidFill>
-                  <a:schemeClr val="bg1"/>
-                </a:solidFill>
-                <a:latin typeface="Times New Roman" panose="02020603050405020304" pitchFamily="18" charset="0"/>
-                <a:cs typeface="Times New Roman" panose="02020603050405020304" pitchFamily="18" charset="0"/>
-              </a:rPr>
-              <a:t>true</a:t>
-            </a:r>
-            <a:r>
-              <a:rPr lang="zh-CN" altLang="en-US" sz="1600" dirty="0">
-                <a:solidFill>
-                  <a:schemeClr val="bg1"/>
-                </a:solidFill>
-                <a:latin typeface="Times New Roman" panose="02020603050405020304" pitchFamily="18" charset="0"/>
-                <a:cs typeface="Times New Roman" panose="02020603050405020304" pitchFamily="18" charset="0"/>
-              </a:rPr>
-              <a:t>，并且它的前一个元素 1 也下一步要考虑的范围内，即 </a:t>
-            </a:r>
-            <a:r>
-              <a:rPr lang="en-US" altLang="zh-CN" sz="1600" dirty="0">
-                <a:solidFill>
-                  <a:schemeClr val="bg1"/>
-                </a:solidFill>
-                <a:latin typeface="Times New Roman" panose="02020603050405020304" pitchFamily="18" charset="0"/>
-                <a:cs typeface="Times New Roman" panose="02020603050405020304" pitchFamily="18" charset="0"/>
-              </a:rPr>
-              <a:t>used</a:t>
-            </a:r>
-            <a:r>
-              <a:rPr lang="zh-CN" altLang="en-US" sz="1600" dirty="0">
-                <a:solidFill>
-                  <a:schemeClr val="bg1"/>
-                </a:solidFill>
-                <a:latin typeface="Times New Roman" panose="02020603050405020304" pitchFamily="18" charset="0"/>
-                <a:cs typeface="Times New Roman" panose="02020603050405020304" pitchFamily="18" charset="0"/>
-              </a:rPr>
-              <a:t>[i - 1] </a:t>
-            </a:r>
-            <a:r>
-              <a:rPr lang="en-US" altLang="zh-CN" sz="1600" dirty="0">
-                <a:solidFill>
-                  <a:schemeClr val="bg1"/>
-                </a:solidFill>
-                <a:latin typeface="Times New Roman" panose="02020603050405020304" pitchFamily="18" charset="0"/>
-                <a:cs typeface="Times New Roman" panose="02020603050405020304" pitchFamily="18" charset="0"/>
-              </a:rPr>
-              <a:t>=</a:t>
-            </a:r>
-            <a:r>
-              <a:rPr lang="zh-CN" altLang="en-US" sz="1600" dirty="0">
-                <a:solidFill>
-                  <a:schemeClr val="bg1"/>
-                </a:solidFill>
-                <a:latin typeface="Times New Roman" panose="02020603050405020304" pitchFamily="18" charset="0"/>
-                <a:cs typeface="Times New Roman" panose="02020603050405020304" pitchFamily="18" charset="0"/>
-              </a:rPr>
-              <a:t>= false 成立。从图中可以看出，画出来的子树和前一步是重复的，因此要把这个分支剪去。</a:t>
-            </a:r>
-          </a:p>
         </p:txBody>
       </p:sp>
-      <p:cxnSp>
-        <p:nvCxnSpPr>
-          <p:cNvPr id="14" name="直线箭头连接符 13">
+      <p:sp>
+        <p:nvSpPr>
+          <p:cNvPr id="14" name="矩形 13">
             <a:extLst>
               <a:ext uri="{FF2B5EF4-FFF2-40B4-BE49-F238E27FC236}">
-                <a16:creationId xmlns:a16="http://schemas.microsoft.com/office/drawing/2014/main" id="{CCA8A472-A741-D046-B92B-83DAA8161D3F}"/>
+                <a16:creationId xmlns:a16="http://schemas.microsoft.com/office/drawing/2014/main" id="{7216CA2A-0B34-8042-8563-5BEECF9C7BDA}"/>
               </a:ext>
             </a:extLst>
           </p:cNvPr>
-          <p:cNvCxnSpPr>
-            <a:cxnSpLocks/>
-          </p:cNvCxnSpPr>
+          <p:cNvSpPr/>
           <p:nvPr/>
-        </p:nvCxnSpPr>
+        </p:nvSpPr>
         <p:spPr>
-          <a:xfrm flipH="1">
-            <a:off x="7324627" y="2491128"/>
-            <a:ext cx="650449" cy="755427"/>
+          <a:xfrm>
+            <a:off x="4781712" y="3194463"/>
+            <a:ext cx="3352885" cy="3589956"/>
           </a:xfrm>
-          <a:prstGeom prst="straightConnector1">
+          <a:prstGeom prst="rect">
             <a:avLst/>
           </a:prstGeom>
-          <a:noFill/>
-          <a:ln w="38100" cap="flat" cmpd="sng" algn="ctr">
-            <a:gradFill flip="none" rotWithShape="1">
-              <a:gsLst>
-                <a:gs pos="0">
-                  <a:srgbClr val="70AD47">
-                    <a:lumMod val="67000"/>
-                  </a:srgbClr>
-                </a:gs>
-                <a:gs pos="48000">
-                  <a:srgbClr val="70AD47">
-                    <a:lumMod val="97000"/>
-                    <a:lumOff val="3000"/>
-                  </a:srgbClr>
-                </a:gs>
-                <a:gs pos="100000">
-                  <a:srgbClr val="70AD47">
-                    <a:lumMod val="60000"/>
-                    <a:lumOff val="40000"/>
-                  </a:srgbClr>
-                </a:gs>
-              </a:gsLst>
-              <a:lin ang="16200000" scaled="1"/>
-              <a:tileRect/>
-            </a:gradFill>
-            <a:prstDash val="solid"/>
-            <a:miter lim="800000"/>
-            <a:tailEnd type="triangle"/>
+          <a:ln>
+            <a:noFill/>
           </a:ln>
-          <a:effectLst/>
         </p:spPr>
-      </p:cxnSp>
-      <p:cxnSp>
-        <p:nvCxnSpPr>
-          <p:cNvPr id="16" name="直线箭头连接符 15">
+        <p:style>
+          <a:lnRef idx="2">
+            <a:schemeClr val="accent6"/>
+          </a:lnRef>
+          <a:fillRef idx="1">
+            <a:schemeClr val="lt1"/>
+          </a:fillRef>
+          <a:effectRef idx="0">
+            <a:schemeClr val="accent6"/>
+          </a:effectRef>
+          <a:fontRef idx="minor">
+            <a:schemeClr val="dk1"/>
+          </a:fontRef>
+        </p:style>
+        <p:txBody>
+          <a:bodyPr rtlCol="0" anchor="ctr"/>
+          <a:lstStyle/>
+          <a:p>
+            <a:pPr algn="ctr"/>
+            <a:endParaRPr kumimoji="1" lang="zh-CN" altLang="en-US"/>
+          </a:p>
+        </p:txBody>
+      </p:sp>
+      <p:sp>
+        <p:nvSpPr>
+          <p:cNvPr id="15" name="矩形 14">
             <a:extLst>
               <a:ext uri="{FF2B5EF4-FFF2-40B4-BE49-F238E27FC236}">
-                <a16:creationId xmlns:a16="http://schemas.microsoft.com/office/drawing/2014/main" id="{C1152057-E543-DB4A-8F15-E4E378BF9015}"/>
+                <a16:creationId xmlns:a16="http://schemas.microsoft.com/office/drawing/2014/main" id="{62DA5903-93DF-E145-8FD6-2D3296965B86}"/>
               </a:ext>
             </a:extLst>
           </p:cNvPr>
-          <p:cNvCxnSpPr>
-            <a:cxnSpLocks/>
-          </p:cNvCxnSpPr>
+          <p:cNvSpPr/>
           <p:nvPr/>
-        </p:nvCxnSpPr>
+        </p:nvSpPr>
         <p:spPr>
-          <a:xfrm flipH="1">
-            <a:off x="10237509" y="2491128"/>
-            <a:ext cx="122549" cy="1854629"/>
+          <a:xfrm>
+            <a:off x="5696801" y="2630286"/>
+            <a:ext cx="1296738" cy="2278499"/>
           </a:xfrm>
-          <a:prstGeom prst="straightConnector1">
+          <a:prstGeom prst="rect">
             <a:avLst/>
           </a:prstGeom>
-          <a:noFill/>
-          <a:ln w="38100" cap="flat" cmpd="sng" algn="ctr">
-            <a:gradFill flip="none" rotWithShape="1">
-              <a:gsLst>
-                <a:gs pos="0">
-                  <a:srgbClr val="70AD47">
-                    <a:lumMod val="67000"/>
-                  </a:srgbClr>
-                </a:gs>
-                <a:gs pos="48000">
-                  <a:srgbClr val="70AD47">
-                    <a:lumMod val="97000"/>
-                    <a:lumOff val="3000"/>
-                  </a:srgbClr>
-                </a:gs>
-                <a:gs pos="100000">
-                  <a:srgbClr val="70AD47">
-                    <a:lumMod val="60000"/>
-                    <a:lumOff val="40000"/>
-                  </a:srgbClr>
-                </a:gs>
-              </a:gsLst>
-              <a:lin ang="16200000" scaled="1"/>
-              <a:tileRect/>
-            </a:gradFill>
-            <a:prstDash val="solid"/>
-            <a:miter lim="800000"/>
-            <a:tailEnd type="triangle"/>
+          <a:ln>
+            <a:noFill/>
           </a:ln>
-          <a:effectLst/>
         </p:spPr>
-      </p:cxnSp>
+        <p:style>
+          <a:lnRef idx="2">
+            <a:schemeClr val="accent6"/>
+          </a:lnRef>
+          <a:fillRef idx="1">
+            <a:schemeClr val="lt1"/>
+          </a:fillRef>
+          <a:effectRef idx="0">
+            <a:schemeClr val="accent6"/>
+          </a:effectRef>
+          <a:fontRef idx="minor">
+            <a:schemeClr val="dk1"/>
+          </a:fontRef>
+        </p:style>
+        <p:txBody>
+          <a:bodyPr rtlCol="0" anchor="ctr"/>
+          <a:lstStyle/>
+          <a:p>
+            <a:pPr algn="ctr"/>
+            <a:endParaRPr kumimoji="1" lang="zh-CN" altLang="en-US"/>
+          </a:p>
+        </p:txBody>
+      </p:sp>
+      <p:sp>
+        <p:nvSpPr>
+          <p:cNvPr id="17" name="矩形 16">
+            <a:extLst>
+              <a:ext uri="{FF2B5EF4-FFF2-40B4-BE49-F238E27FC236}">
+                <a16:creationId xmlns:a16="http://schemas.microsoft.com/office/drawing/2014/main" id="{8CCE0B35-D46B-FB4E-B435-184AA49248DC}"/>
+              </a:ext>
+            </a:extLst>
+          </p:cNvPr>
+          <p:cNvSpPr/>
+          <p:nvPr/>
+        </p:nvSpPr>
+        <p:spPr>
+          <a:xfrm>
+            <a:off x="6170355" y="2105232"/>
+            <a:ext cx="625556" cy="908902"/>
+          </a:xfrm>
+          <a:prstGeom prst="rect">
+            <a:avLst/>
+          </a:prstGeom>
+          <a:ln>
+            <a:noFill/>
+          </a:ln>
+        </p:spPr>
+        <p:style>
+          <a:lnRef idx="2">
+            <a:schemeClr val="accent6"/>
+          </a:lnRef>
+          <a:fillRef idx="1">
+            <a:schemeClr val="lt1"/>
+          </a:fillRef>
+          <a:effectRef idx="0">
+            <a:schemeClr val="accent6"/>
+          </a:effectRef>
+          <a:fontRef idx="minor">
+            <a:schemeClr val="dk1"/>
+          </a:fontRef>
+        </p:style>
+        <p:txBody>
+          <a:bodyPr rtlCol="0" anchor="ctr"/>
+          <a:lstStyle/>
+          <a:p>
+            <a:pPr algn="ctr"/>
+            <a:endParaRPr kumimoji="1" lang="zh-CN" altLang="en-US"/>
+          </a:p>
+        </p:txBody>
+      </p:sp>
+      <p:sp>
+        <p:nvSpPr>
+          <p:cNvPr id="18" name="圆角矩形 17">
+            <a:extLst>
+              <a:ext uri="{FF2B5EF4-FFF2-40B4-BE49-F238E27FC236}">
+                <a16:creationId xmlns:a16="http://schemas.microsoft.com/office/drawing/2014/main" id="{F290A653-50A7-4042-81A7-89C01A1A2D46}"/>
+              </a:ext>
+            </a:extLst>
+          </p:cNvPr>
+          <p:cNvSpPr/>
+          <p:nvPr/>
+        </p:nvSpPr>
+        <p:spPr>
+          <a:xfrm>
+            <a:off x="9616709" y="4403180"/>
+            <a:ext cx="1973933" cy="2381239"/>
+          </a:xfrm>
+          <a:prstGeom prst="roundRect">
+            <a:avLst/>
+          </a:prstGeom>
+          <a:solidFill>
+            <a:srgbClr val="FFFF00">
+              <a:alpha val="40000"/>
+            </a:srgbClr>
+          </a:solidFill>
+          <a:ln>
+            <a:noFill/>
+          </a:ln>
+        </p:spPr>
+        <p:style>
+          <a:lnRef idx="2">
+            <a:schemeClr val="accent1">
+              <a:shade val="50000"/>
+            </a:schemeClr>
+          </a:lnRef>
+          <a:fillRef idx="1">
+            <a:schemeClr val="accent1"/>
+          </a:fillRef>
+          <a:effectRef idx="0">
+            <a:schemeClr val="accent1"/>
+          </a:effectRef>
+          <a:fontRef idx="minor">
+            <a:schemeClr val="lt1"/>
+          </a:fontRef>
+        </p:style>
+        <p:txBody>
+          <a:bodyPr rtlCol="0" anchor="ctr"/>
+          <a:lstStyle/>
+          <a:p>
+            <a:pPr algn="ctr"/>
+            <a:endParaRPr kumimoji="1" lang="zh-CN" altLang="en-US"/>
+          </a:p>
+        </p:txBody>
+      </p:sp>
+      <p:sp>
+        <p:nvSpPr>
+          <p:cNvPr id="9" name="矩形 8">
+            <a:extLst>
+              <a:ext uri="{FF2B5EF4-FFF2-40B4-BE49-F238E27FC236}">
+                <a16:creationId xmlns:a16="http://schemas.microsoft.com/office/drawing/2014/main" id="{9F6AB9B3-CAEE-FF4A-9663-B15410234583}"/>
+              </a:ext>
+            </a:extLst>
+          </p:cNvPr>
+          <p:cNvSpPr/>
+          <p:nvPr/>
+        </p:nvSpPr>
+        <p:spPr>
+          <a:xfrm>
+            <a:off x="1294462" y="3194463"/>
+            <a:ext cx="6865434" cy="2062103"/>
+          </a:xfrm>
+          <a:prstGeom prst="rect">
+            <a:avLst/>
+          </a:prstGeom>
+          <a:solidFill>
+            <a:srgbClr val="00B050"/>
+          </a:solidFill>
+          <a:effectLst>
+            <a:softEdge rad="31750"/>
+          </a:effectLst>
+        </p:spPr>
+        <p:txBody>
+          <a:bodyPr wrap="square">
+            <a:spAutoFit/>
+          </a:bodyPr>
+          <a:lstStyle/>
+          <a:p>
+            <a:r>
+              <a:rPr lang="zh-CN" altLang="en-US" sz="1600" b="1" dirty="0">
+                <a:solidFill>
+                  <a:schemeClr val="bg1"/>
+                </a:solidFill>
+                <a:latin typeface="Times New Roman" panose="02020603050405020304" pitchFamily="18" charset="0"/>
+                <a:ea typeface="KaiTi" panose="02010609060101010101" pitchFamily="49" charset="-122"/>
+                <a:cs typeface="Times New Roman" panose="02020603050405020304" pitchFamily="18" charset="0"/>
+              </a:rPr>
+              <a:t>递归到这里时发现：</a:t>
+            </a:r>
+            <a:endParaRPr lang="en-US" altLang="zh-CN" sz="1600" b="1" dirty="0">
+              <a:solidFill>
+                <a:schemeClr val="bg1"/>
+              </a:solidFill>
+              <a:latin typeface="Times New Roman" panose="02020603050405020304" pitchFamily="18" charset="0"/>
+              <a:ea typeface="KaiTi" panose="02010609060101010101" pitchFamily="49" charset="-122"/>
+              <a:cs typeface="Times New Roman" panose="02020603050405020304" pitchFamily="18" charset="0"/>
+            </a:endParaRPr>
+          </a:p>
+          <a:p>
+            <a:r>
+              <a:rPr lang="en-US" altLang="zh-CN" sz="1600" b="1" dirty="0">
+                <a:solidFill>
+                  <a:schemeClr val="bg1"/>
+                </a:solidFill>
+                <a:latin typeface="Times New Roman" panose="02020603050405020304" pitchFamily="18" charset="0"/>
+                <a:ea typeface="KaiTi" panose="02010609060101010101" pitchFamily="49" charset="-122"/>
+                <a:cs typeface="Times New Roman" panose="02020603050405020304" pitchFamily="18" charset="0"/>
+              </a:rPr>
+              <a:t>1</a:t>
+            </a:r>
+            <a:r>
+              <a:rPr lang="zh-CN" altLang="en-US" sz="1600" b="1" dirty="0">
+                <a:solidFill>
+                  <a:schemeClr val="bg1"/>
+                </a:solidFill>
+                <a:latin typeface="Times New Roman" panose="02020603050405020304" pitchFamily="18" charset="0"/>
+                <a:ea typeface="KaiTi" panose="02010609060101010101" pitchFamily="49" charset="-122"/>
+                <a:cs typeface="Times New Roman" panose="02020603050405020304" pitchFamily="18" charset="0"/>
+              </a:rPr>
+              <a:t>、根结点选出的数 </a:t>
+            </a:r>
+            <a:r>
+              <a:rPr lang="en-US" altLang="zh-CN" sz="1600" b="1" dirty="0">
+                <a:solidFill>
+                  <a:schemeClr val="bg1"/>
+                </a:solidFill>
+                <a:latin typeface="Times New Roman" panose="02020603050405020304" pitchFamily="18" charset="0"/>
+                <a:ea typeface="KaiTi" panose="02010609060101010101" pitchFamily="49" charset="-122"/>
+                <a:cs typeface="Times New Roman" panose="02020603050405020304" pitchFamily="18" charset="0"/>
+              </a:rPr>
+              <a:t>2</a:t>
+            </a:r>
+            <a:r>
+              <a:rPr lang="zh-CN" altLang="en-US" sz="1600" b="1" dirty="0">
+                <a:solidFill>
+                  <a:schemeClr val="bg1"/>
+                </a:solidFill>
+                <a:latin typeface="Times New Roman" panose="02020603050405020304" pitchFamily="18" charset="0"/>
+                <a:ea typeface="KaiTi" panose="02010609060101010101" pitchFamily="49" charset="-122"/>
+                <a:cs typeface="Times New Roman" panose="02020603050405020304" pitchFamily="18" charset="0"/>
+              </a:rPr>
+              <a:t> 与之前的分支（在同一层）的根结点选出的数 </a:t>
+            </a:r>
+            <a:r>
+              <a:rPr lang="en-US" altLang="zh-CN" sz="1600" b="1" dirty="0">
+                <a:solidFill>
+                  <a:schemeClr val="bg1"/>
+                </a:solidFill>
+                <a:latin typeface="Times New Roman" panose="02020603050405020304" pitchFamily="18" charset="0"/>
+                <a:ea typeface="KaiTi" panose="02010609060101010101" pitchFamily="49" charset="-122"/>
+                <a:cs typeface="Times New Roman" panose="02020603050405020304" pitchFamily="18" charset="0"/>
+              </a:rPr>
+              <a:t>2</a:t>
+            </a:r>
+            <a:r>
+              <a:rPr lang="zh-CN" altLang="en-US" sz="1600" b="1" dirty="0">
+                <a:solidFill>
+                  <a:schemeClr val="bg1"/>
+                </a:solidFill>
+                <a:latin typeface="Times New Roman" panose="02020603050405020304" pitchFamily="18" charset="0"/>
+                <a:ea typeface="KaiTi" panose="02010609060101010101" pitchFamily="49" charset="-122"/>
+                <a:cs typeface="Times New Roman" panose="02020603050405020304" pitchFamily="18" charset="0"/>
+              </a:rPr>
+              <a:t> 一样；</a:t>
+            </a:r>
+            <a:endParaRPr lang="en-US" altLang="zh-CN" sz="1600" b="1" dirty="0">
+              <a:solidFill>
+                <a:schemeClr val="bg1"/>
+              </a:solidFill>
+              <a:latin typeface="Times New Roman" panose="02020603050405020304" pitchFamily="18" charset="0"/>
+              <a:ea typeface="KaiTi" panose="02010609060101010101" pitchFamily="49" charset="-122"/>
+              <a:cs typeface="Times New Roman" panose="02020603050405020304" pitchFamily="18" charset="0"/>
+            </a:endParaRPr>
+          </a:p>
+          <a:p>
+            <a:r>
+              <a:rPr lang="en-US" altLang="zh-CN" sz="1600" b="1" dirty="0">
+                <a:solidFill>
+                  <a:schemeClr val="bg1"/>
+                </a:solidFill>
+                <a:latin typeface="Times New Roman" panose="02020603050405020304" pitchFamily="18" charset="0"/>
+                <a:ea typeface="KaiTi" panose="02010609060101010101" pitchFamily="49" charset="-122"/>
+                <a:cs typeface="Times New Roman" panose="02020603050405020304" pitchFamily="18" charset="0"/>
+              </a:rPr>
+              <a:t>2</a:t>
+            </a:r>
+            <a:r>
+              <a:rPr lang="zh-CN" altLang="en-US" sz="1600" b="1" dirty="0">
+                <a:solidFill>
+                  <a:schemeClr val="bg1"/>
+                </a:solidFill>
+                <a:latin typeface="Times New Roman" panose="02020603050405020304" pitchFamily="18" charset="0"/>
+                <a:ea typeface="KaiTi" panose="02010609060101010101" pitchFamily="49" charset="-122"/>
+                <a:cs typeface="Times New Roman" panose="02020603050405020304" pitchFamily="18" charset="0"/>
+              </a:rPr>
+              <a:t>、并且这个分支还未选出的数里有 </a:t>
+            </a:r>
+            <a:r>
+              <a:rPr lang="en-US" altLang="zh-CN" sz="1600" b="1" dirty="0">
+                <a:solidFill>
+                  <a:schemeClr val="bg1"/>
+                </a:solidFill>
+                <a:latin typeface="Times New Roman" panose="02020603050405020304" pitchFamily="18" charset="0"/>
+                <a:ea typeface="KaiTi" panose="02010609060101010101" pitchFamily="49" charset="-122"/>
+                <a:cs typeface="Times New Roman" panose="02020603050405020304" pitchFamily="18" charset="0"/>
+              </a:rPr>
+              <a:t>1’</a:t>
+            </a:r>
+            <a:r>
+              <a:rPr lang="zh-CN" altLang="en-US" sz="1600" b="1" dirty="0">
+                <a:solidFill>
+                  <a:schemeClr val="bg1"/>
+                </a:solidFill>
+                <a:latin typeface="Times New Roman" panose="02020603050405020304" pitchFamily="18" charset="0"/>
+                <a:ea typeface="KaiTi" panose="02010609060101010101" pitchFamily="49" charset="-122"/>
+                <a:cs typeface="Times New Roman" panose="02020603050405020304" pitchFamily="18" charset="0"/>
+              </a:rPr>
+              <a:t>，之前的分支（在同一层）还未选出的数里有 </a:t>
+            </a:r>
+            <a:r>
+              <a:rPr lang="en-US" altLang="zh-CN" sz="1600" b="1" dirty="0">
+                <a:solidFill>
+                  <a:schemeClr val="bg1"/>
+                </a:solidFill>
+                <a:latin typeface="Times New Roman" panose="02020603050405020304" pitchFamily="18" charset="0"/>
+                <a:ea typeface="KaiTi" panose="02010609060101010101" pitchFamily="49" charset="-122"/>
+                <a:cs typeface="Times New Roman" panose="02020603050405020304" pitchFamily="18" charset="0"/>
+              </a:rPr>
+              <a:t>1</a:t>
+            </a:r>
+            <a:r>
+              <a:rPr lang="zh-CN" altLang="en-US" sz="1600" b="1" dirty="0">
+                <a:solidFill>
+                  <a:schemeClr val="bg1"/>
+                </a:solidFill>
+                <a:latin typeface="Times New Roman" panose="02020603050405020304" pitchFamily="18" charset="0"/>
+                <a:ea typeface="KaiTi" panose="02010609060101010101" pitchFamily="49" charset="-122"/>
+                <a:cs typeface="Times New Roman" panose="02020603050405020304" pitchFamily="18" charset="0"/>
+              </a:rPr>
+              <a:t>’，它们相等。</a:t>
+            </a:r>
+            <a:endParaRPr lang="en-US" altLang="zh-CN" sz="1600" b="1" dirty="0">
+              <a:solidFill>
+                <a:schemeClr val="bg1"/>
+              </a:solidFill>
+              <a:latin typeface="Times New Roman" panose="02020603050405020304" pitchFamily="18" charset="0"/>
+              <a:ea typeface="KaiTi" panose="02010609060101010101" pitchFamily="49" charset="-122"/>
+              <a:cs typeface="Times New Roman" panose="02020603050405020304" pitchFamily="18" charset="0"/>
+            </a:endParaRPr>
+          </a:p>
+          <a:p>
+            <a:endParaRPr lang="en-US" altLang="zh-CN" sz="1600" b="1" dirty="0">
+              <a:solidFill>
+                <a:schemeClr val="bg1"/>
+              </a:solidFill>
+              <a:latin typeface="Times New Roman" panose="02020603050405020304" pitchFamily="18" charset="0"/>
+              <a:ea typeface="KaiTi" panose="02010609060101010101" pitchFamily="49" charset="-122"/>
+              <a:cs typeface="Times New Roman" panose="02020603050405020304" pitchFamily="18" charset="0"/>
+            </a:endParaRPr>
+          </a:p>
+          <a:p>
+            <a:r>
+              <a:rPr lang="zh-CN" altLang="en-US" sz="1600" b="1" dirty="0">
+                <a:solidFill>
+                  <a:schemeClr val="bg1"/>
+                </a:solidFill>
+                <a:highlight>
+                  <a:srgbClr val="FF0000"/>
+                </a:highlight>
+                <a:latin typeface="Times New Roman" panose="02020603050405020304" pitchFamily="18" charset="0"/>
+                <a:ea typeface="KaiTi" panose="02010609060101010101" pitchFamily="49" charset="-122"/>
+                <a:cs typeface="Times New Roman" panose="02020603050405020304" pitchFamily="18" charset="0"/>
+              </a:rPr>
+              <a:t>根结点一样</a:t>
+            </a:r>
+            <a:r>
+              <a:rPr lang="zh-CN" altLang="en-US" sz="1600" b="1" dirty="0">
+                <a:solidFill>
+                  <a:schemeClr val="bg1"/>
+                </a:solidFill>
+                <a:latin typeface="Times New Roman" panose="02020603050405020304" pitchFamily="18" charset="0"/>
+                <a:ea typeface="KaiTi" panose="02010609060101010101" pitchFamily="49" charset="-122"/>
+                <a:cs typeface="Times New Roman" panose="02020603050405020304" pitchFamily="18" charset="0"/>
+              </a:rPr>
+              <a:t>，</a:t>
+            </a:r>
+            <a:r>
+              <a:rPr lang="zh-CN" altLang="en-US" sz="1600" b="1" dirty="0">
+                <a:solidFill>
+                  <a:schemeClr val="bg1"/>
+                </a:solidFill>
+                <a:highlight>
+                  <a:srgbClr val="FF0000"/>
+                </a:highlight>
+                <a:latin typeface="Times New Roman" panose="02020603050405020304" pitchFamily="18" charset="0"/>
+                <a:ea typeface="KaiTi" panose="02010609060101010101" pitchFamily="49" charset="-122"/>
+                <a:cs typeface="Times New Roman" panose="02020603050405020304" pitchFamily="18" charset="0"/>
+              </a:rPr>
+              <a:t>候选结点的集合也一样</a:t>
+            </a:r>
+            <a:r>
+              <a:rPr lang="zh-CN" altLang="en-US" sz="1600" b="1" dirty="0">
+                <a:solidFill>
+                  <a:schemeClr val="bg1"/>
+                </a:solidFill>
+                <a:latin typeface="Times New Roman" panose="02020603050405020304" pitchFamily="18" charset="0"/>
+                <a:ea typeface="KaiTi" panose="02010609060101010101" pitchFamily="49" charset="-122"/>
+                <a:cs typeface="Times New Roman" panose="02020603050405020304" pitchFamily="18" charset="0"/>
+              </a:rPr>
+              <a:t>，因此，这个结点递归下去产生的结点一定与前一个分支 （在同一层）重复，从图中看出的确如此，因此就在当前结点把这个分支剪掉。</a:t>
+            </a:r>
+          </a:p>
+        </p:txBody>
+      </p:sp>
+      <p:sp>
+        <p:nvSpPr>
+          <p:cNvPr id="12" name="下箭头 11">
+            <a:extLst>
+              <a:ext uri="{FF2B5EF4-FFF2-40B4-BE49-F238E27FC236}">
+                <a16:creationId xmlns:a16="http://schemas.microsoft.com/office/drawing/2014/main" id="{DE2E2381-E9CA-0444-891D-2843E10FB45E}"/>
+              </a:ext>
+            </a:extLst>
+          </p:cNvPr>
+          <p:cNvSpPr/>
+          <p:nvPr/>
+        </p:nvSpPr>
+        <p:spPr>
+          <a:xfrm rot="17280247">
+            <a:off x="8721303" y="3638579"/>
+            <a:ext cx="396256" cy="1996911"/>
+          </a:xfrm>
+          <a:prstGeom prst="downArrow">
+            <a:avLst/>
+          </a:prstGeom>
+          <a:solidFill>
+            <a:srgbClr val="FF0000"/>
+          </a:solidFill>
+          <a:ln>
+            <a:noFill/>
+          </a:ln>
+        </p:spPr>
+        <p:style>
+          <a:lnRef idx="2">
+            <a:schemeClr val="accent1">
+              <a:shade val="50000"/>
+            </a:schemeClr>
+          </a:lnRef>
+          <a:fillRef idx="1">
+            <a:schemeClr val="accent1"/>
+          </a:fillRef>
+          <a:effectRef idx="0">
+            <a:schemeClr val="accent1"/>
+          </a:effectRef>
+          <a:fontRef idx="minor">
+            <a:schemeClr val="lt1"/>
+          </a:fontRef>
+        </p:style>
+        <p:txBody>
+          <a:bodyPr rtlCol="0" anchor="ctr"/>
+          <a:lstStyle/>
+          <a:p>
+            <a:pPr algn="ctr"/>
+            <a:endParaRPr kumimoji="1" lang="zh-CN" altLang="en-US" sz="2400" dirty="0">
+              <a:solidFill>
+                <a:schemeClr val="bg1"/>
+              </a:solidFill>
+              <a:latin typeface="SimHei" panose="02010609060101010101" pitchFamily="49" charset="-122"/>
+              <a:ea typeface="SimHei" panose="02010609060101010101" pitchFamily="49" charset="-122"/>
+            </a:endParaRPr>
+          </a:p>
+        </p:txBody>
+      </p:sp>
     </p:spTree>
     <p:extLst>
       <p:ext uri="{BB962C8B-B14F-4D97-AF65-F5344CB8AC3E}">
-        <p14:creationId xmlns:p14="http://schemas.microsoft.com/office/powerpoint/2010/main" val="3320046645"/>
+        <p14:creationId xmlns:p14="http://schemas.microsoft.com/office/powerpoint/2010/main" val="2731282607"/>
+      </p:ext>
+    </p:extLst>
+  </p:cSld>
+  <p:clrMapOvr>
+    <a:masterClrMapping/>
+  </p:clrMapOvr>
+</p:sld>
+</file>
+
+<file path=ppt/slides/slide4.xml><?xml version="1.0" encoding="utf-8"?>
+<p:sld xmlns:a="http://schemas.openxmlformats.org/drawingml/2006/main" xmlns:r="http://schemas.openxmlformats.org/officeDocument/2006/relationships" xmlns:p="http://schemas.openxmlformats.org/presentationml/2006/main">
+  <p:cSld>
+    <p:spTree>
+      <p:nvGrpSpPr>
+        <p:cNvPr id="1" name=""/>
+        <p:cNvGrpSpPr/>
+        <p:nvPr/>
+      </p:nvGrpSpPr>
+      <p:grpSpPr>
+        <a:xfrm>
+          <a:off x="0" y="0"/>
+          <a:ext cx="0" cy="0"/>
+          <a:chOff x="0" y="0"/>
+          <a:chExt cx="0" cy="0"/>
+        </a:xfrm>
+      </p:grpSpPr>
+      <p:pic>
+        <p:nvPicPr>
+          <p:cNvPr id="8" name="图片 7">
+            <a:extLst>
+              <a:ext uri="{FF2B5EF4-FFF2-40B4-BE49-F238E27FC236}">
+                <a16:creationId xmlns:a16="http://schemas.microsoft.com/office/drawing/2014/main" id="{2DD70782-741A-D641-81AC-4F5DA646793B}"/>
+              </a:ext>
+            </a:extLst>
+          </p:cNvPr>
+          <p:cNvPicPr>
+            <a:picLocks noChangeAspect="1"/>
+          </p:cNvPicPr>
+          <p:nvPr/>
+        </p:nvPicPr>
+        <p:blipFill>
+          <a:blip r:embed="rId2"/>
+          <a:stretch>
+            <a:fillRect/>
+          </a:stretch>
+        </p:blipFill>
+        <p:spPr>
+          <a:xfrm>
+            <a:off x="5018418" y="3323868"/>
+            <a:ext cx="6301581" cy="3336131"/>
+          </a:xfrm>
+          <a:prstGeom prst="rect">
+            <a:avLst/>
+          </a:prstGeom>
+        </p:spPr>
+      </p:pic>
+      <p:sp>
+        <p:nvSpPr>
+          <p:cNvPr id="2" name="矩形 1">
+            <a:extLst>
+              <a:ext uri="{FF2B5EF4-FFF2-40B4-BE49-F238E27FC236}">
+                <a16:creationId xmlns:a16="http://schemas.microsoft.com/office/drawing/2014/main" id="{75D339EB-0A04-794B-8766-1C59FCD10E18}"/>
+              </a:ext>
+            </a:extLst>
+          </p:cNvPr>
+          <p:cNvSpPr/>
+          <p:nvPr/>
+        </p:nvSpPr>
+        <p:spPr>
+          <a:xfrm>
+            <a:off x="380472" y="1273810"/>
+            <a:ext cx="11648130" cy="646331"/>
+          </a:xfrm>
+          <a:prstGeom prst="rect">
+            <a:avLst/>
+          </a:prstGeom>
+        </p:spPr>
+        <p:txBody>
+          <a:bodyPr wrap="square">
+            <a:spAutoFit/>
+          </a:bodyPr>
+          <a:lstStyle/>
+          <a:p>
+            <a:r>
+              <a:rPr lang="zh-CN" altLang="en-US" dirty="0">
+                <a:latin typeface="Times New Roman" charset="0"/>
+                <a:ea typeface="楷体" charset="-122"/>
+                <a:cs typeface="Times New Roman" charset="0"/>
+              </a:rPr>
+              <a:t>现在，我们把相同的数字，进行区分：将第 </a:t>
+            </a:r>
+            <a:r>
+              <a:rPr lang="en-US" altLang="zh-CN" dirty="0">
+                <a:latin typeface="Times New Roman" charset="0"/>
+                <a:ea typeface="楷体" charset="-122"/>
+                <a:cs typeface="Times New Roman" charset="0"/>
+              </a:rPr>
+              <a:t>2</a:t>
+            </a:r>
+            <a:r>
+              <a:rPr lang="zh-CN" altLang="en-US" dirty="0">
+                <a:latin typeface="Times New Roman" charset="0"/>
+                <a:ea typeface="楷体" charset="-122"/>
+                <a:cs typeface="Times New Roman" charset="0"/>
+              </a:rPr>
+              <a:t> 个“</a:t>
+            </a:r>
+            <a:r>
+              <a:rPr lang="en-US" altLang="zh-CN" dirty="0">
+                <a:latin typeface="Times New Roman" charset="0"/>
+                <a:ea typeface="楷体" charset="-122"/>
+                <a:cs typeface="Times New Roman" charset="0"/>
+              </a:rPr>
+              <a:t>1</a:t>
+            </a:r>
+            <a:r>
+              <a:rPr lang="zh-CN" altLang="en-US" dirty="0">
+                <a:latin typeface="Times New Roman" charset="0"/>
+                <a:ea typeface="楷体" charset="-122"/>
+                <a:cs typeface="Times New Roman" charset="0"/>
+              </a:rPr>
+              <a:t>”，表示为“</a:t>
+            </a:r>
+            <a:r>
+              <a:rPr lang="en-US" altLang="zh-CN" b="1" dirty="0">
+                <a:solidFill>
+                  <a:srgbClr val="0432FF"/>
+                </a:solidFill>
+                <a:latin typeface="Times New Roman" charset="0"/>
+                <a:ea typeface="楷体" charset="-122"/>
+                <a:cs typeface="Times New Roman" charset="0"/>
+              </a:rPr>
+              <a:t>1’</a:t>
+            </a:r>
+            <a:r>
+              <a:rPr lang="zh-CN" altLang="en-US" dirty="0">
+                <a:latin typeface="Times New Roman" charset="0"/>
+                <a:ea typeface="楷体" charset="-122"/>
+                <a:cs typeface="Times New Roman" charset="0"/>
+              </a:rPr>
+              <a:t>”，就容易发现重复分支，在递归过程中把它剪掉即可。</a:t>
+            </a:r>
+            <a:endParaRPr lang="en-US" altLang="zh-CN" dirty="0">
+              <a:latin typeface="Times New Roman" charset="0"/>
+              <a:ea typeface="楷体" charset="-122"/>
+              <a:cs typeface="Times New Roman" charset="0"/>
+            </a:endParaRPr>
+          </a:p>
+        </p:txBody>
+      </p:sp>
+      <p:sp>
+        <p:nvSpPr>
+          <p:cNvPr id="5" name="文本框 4">
+            <a:extLst>
+              <a:ext uri="{FF2B5EF4-FFF2-40B4-BE49-F238E27FC236}">
+                <a16:creationId xmlns:a16="http://schemas.microsoft.com/office/drawing/2014/main" id="{A22F6BE3-4FA8-2947-ACD2-37B880794610}"/>
+              </a:ext>
+            </a:extLst>
+          </p:cNvPr>
+          <p:cNvSpPr txBox="1"/>
+          <p:nvPr/>
+        </p:nvSpPr>
+        <p:spPr>
+          <a:xfrm flipH="1">
+            <a:off x="380472" y="789563"/>
+            <a:ext cx="4219807" cy="400110"/>
+          </a:xfrm>
+          <a:prstGeom prst="rect">
+            <a:avLst/>
+          </a:prstGeom>
+          <a:solidFill>
+            <a:srgbClr val="FF0000"/>
+          </a:solidFill>
+          <a:ln>
+            <a:noFill/>
+          </a:ln>
+          <a:effectLst>
+            <a:outerShdw blurRad="50800" dist="38100" dir="2700000" algn="tl" rotWithShape="0">
+              <a:prstClr val="black">
+                <a:alpha val="40000"/>
+              </a:prstClr>
+            </a:outerShdw>
+          </a:effectLst>
+        </p:spPr>
+        <p:txBody>
+          <a:bodyPr wrap="square" rtlCol="0">
+            <a:spAutoFit/>
+          </a:bodyPr>
+          <a:lstStyle/>
+          <a:p>
+            <a:pPr marL="342900" indent="-342900">
+              <a:buFont typeface="Wingdings" pitchFamily="2" charset="2"/>
+              <a:buChar char="Ø"/>
+            </a:pPr>
+            <a:r>
+              <a:rPr kumimoji="1" lang="zh-CN" altLang="en-US" sz="2000" b="1" dirty="0">
+                <a:solidFill>
+                  <a:schemeClr val="bg1"/>
+                </a:solidFill>
+                <a:latin typeface="Times New Roman" panose="02020603050405020304" pitchFamily="18" charset="0"/>
+                <a:ea typeface="KaiTi_GB2312" panose="02010609030101010101" pitchFamily="49" charset="-122"/>
+                <a:cs typeface="Times New Roman" panose="02020603050405020304" pitchFamily="18" charset="0"/>
+              </a:rPr>
+              <a:t>思想：“递归回溯”</a:t>
+            </a:r>
+            <a:r>
+              <a:rPr kumimoji="1" lang="en-US" altLang="zh-CN" sz="2000" b="1" dirty="0">
+                <a:solidFill>
+                  <a:schemeClr val="bg1"/>
+                </a:solidFill>
+                <a:latin typeface="Times New Roman" panose="02020603050405020304" pitchFamily="18" charset="0"/>
+                <a:ea typeface="KaiTi_GB2312" panose="02010609030101010101" pitchFamily="49" charset="-122"/>
+                <a:cs typeface="Times New Roman" panose="02020603050405020304" pitchFamily="18" charset="0"/>
+              </a:rPr>
+              <a:t>+</a:t>
+            </a:r>
+            <a:r>
+              <a:rPr kumimoji="1" lang="zh-CN" altLang="en-US" sz="2000" b="1" dirty="0">
+                <a:solidFill>
+                  <a:schemeClr val="bg1"/>
+                </a:solidFill>
+                <a:latin typeface="Times New Roman" panose="02020603050405020304" pitchFamily="18" charset="0"/>
+                <a:ea typeface="KaiTi_GB2312" panose="02010609030101010101" pitchFamily="49" charset="-122"/>
+                <a:cs typeface="Times New Roman" panose="02020603050405020304" pitchFamily="18" charset="0"/>
+              </a:rPr>
+              <a:t> “剪枝”。</a:t>
+            </a:r>
+          </a:p>
+        </p:txBody>
+      </p:sp>
+      <p:sp>
+        <p:nvSpPr>
+          <p:cNvPr id="6" name="矩形 5">
+            <a:extLst>
+              <a:ext uri="{FF2B5EF4-FFF2-40B4-BE49-F238E27FC236}">
+                <a16:creationId xmlns:a16="http://schemas.microsoft.com/office/drawing/2014/main" id="{99BD383F-2362-7B43-A3DB-D83509BAB9BD}"/>
+              </a:ext>
+            </a:extLst>
+          </p:cNvPr>
+          <p:cNvSpPr/>
+          <p:nvPr/>
+        </p:nvSpPr>
+        <p:spPr>
+          <a:xfrm>
+            <a:off x="4688023" y="789563"/>
+            <a:ext cx="7503977" cy="369332"/>
+          </a:xfrm>
+          <a:prstGeom prst="rect">
+            <a:avLst/>
+          </a:prstGeom>
+        </p:spPr>
+        <p:txBody>
+          <a:bodyPr wrap="none">
+            <a:spAutoFit/>
+          </a:bodyPr>
+          <a:lstStyle/>
+          <a:p>
+            <a:r>
+              <a:rPr lang="zh-CN" altLang="en-US" dirty="0">
+                <a:latin typeface="Times New Roman" panose="02020603050405020304" pitchFamily="18" charset="0"/>
+                <a:ea typeface="KaiTi_GB2312" panose="02010609030101010101" pitchFamily="49" charset="-122"/>
+                <a:cs typeface="Times New Roman" panose="02020603050405020304" pitchFamily="18" charset="0"/>
+              </a:rPr>
+              <a:t>以示例输入：</a:t>
+            </a:r>
+            <a:r>
+              <a:rPr lang="en-US" altLang="zh-CN" dirty="0">
+                <a:latin typeface="Times New Roman" panose="02020603050405020304" pitchFamily="18" charset="0"/>
+                <a:ea typeface="KaiTi_GB2312" panose="02010609030101010101" pitchFamily="49" charset="-122"/>
+                <a:cs typeface="Times New Roman" panose="02020603050405020304" pitchFamily="18" charset="0"/>
+              </a:rPr>
+              <a:t>[1,</a:t>
+            </a:r>
+            <a:r>
+              <a:rPr lang="zh-CN" altLang="en-US" dirty="0">
+                <a:latin typeface="Times New Roman" panose="02020603050405020304" pitchFamily="18" charset="0"/>
+                <a:ea typeface="KaiTi_GB2312" panose="02010609030101010101" pitchFamily="49" charset="-122"/>
+                <a:cs typeface="Times New Roman" panose="02020603050405020304" pitchFamily="18" charset="0"/>
+              </a:rPr>
+              <a:t> </a:t>
+            </a:r>
+            <a:r>
+              <a:rPr lang="en-US" altLang="zh-CN" dirty="0">
+                <a:latin typeface="Times New Roman" panose="02020603050405020304" pitchFamily="18" charset="0"/>
+                <a:ea typeface="KaiTi_GB2312" panose="02010609030101010101" pitchFamily="49" charset="-122"/>
+                <a:cs typeface="Times New Roman" panose="02020603050405020304" pitchFamily="18" charset="0"/>
+              </a:rPr>
+              <a:t>1,</a:t>
+            </a:r>
+            <a:r>
+              <a:rPr lang="zh-CN" altLang="en-US" dirty="0">
+                <a:latin typeface="Times New Roman" panose="02020603050405020304" pitchFamily="18" charset="0"/>
+                <a:ea typeface="KaiTi_GB2312" panose="02010609030101010101" pitchFamily="49" charset="-122"/>
+                <a:cs typeface="Times New Roman" panose="02020603050405020304" pitchFamily="18" charset="0"/>
+              </a:rPr>
+              <a:t> </a:t>
+            </a:r>
+            <a:r>
+              <a:rPr lang="en-US" altLang="zh-CN" dirty="0">
+                <a:latin typeface="Times New Roman" panose="02020603050405020304" pitchFamily="18" charset="0"/>
+                <a:ea typeface="KaiTi_GB2312" panose="02010609030101010101" pitchFamily="49" charset="-122"/>
+                <a:cs typeface="Times New Roman" panose="02020603050405020304" pitchFamily="18" charset="0"/>
+              </a:rPr>
+              <a:t>2]</a:t>
+            </a:r>
+            <a:r>
+              <a:rPr lang="zh-CN" altLang="en-US" dirty="0">
+                <a:latin typeface="Times New Roman" panose="02020603050405020304" pitchFamily="18" charset="0"/>
+                <a:ea typeface="KaiTi_GB2312" panose="02010609030101010101" pitchFamily="49" charset="-122"/>
+                <a:cs typeface="Times New Roman" panose="02020603050405020304" pitchFamily="18" charset="0"/>
+              </a:rPr>
+              <a:t>，输出</a:t>
+            </a:r>
+            <a:r>
+              <a:rPr lang="en-US" altLang="zh-CN" dirty="0">
+                <a:latin typeface="Times New Roman" panose="02020603050405020304" pitchFamily="18" charset="0"/>
+                <a:ea typeface="KaiTi_GB2312" panose="02010609030101010101" pitchFamily="49" charset="-122"/>
+                <a:cs typeface="Times New Roman" panose="02020603050405020304" pitchFamily="18" charset="0"/>
+              </a:rPr>
+              <a:t>: [[1,</a:t>
+            </a:r>
+            <a:r>
+              <a:rPr lang="zh-CN" altLang="en-US" dirty="0">
+                <a:latin typeface="Times New Roman" panose="02020603050405020304" pitchFamily="18" charset="0"/>
+                <a:ea typeface="KaiTi_GB2312" panose="02010609030101010101" pitchFamily="49" charset="-122"/>
+                <a:cs typeface="Times New Roman" panose="02020603050405020304" pitchFamily="18" charset="0"/>
+              </a:rPr>
+              <a:t> </a:t>
+            </a:r>
+            <a:r>
+              <a:rPr lang="en-US" altLang="zh-CN" dirty="0">
+                <a:latin typeface="Times New Roman" panose="02020603050405020304" pitchFamily="18" charset="0"/>
+                <a:ea typeface="KaiTi_GB2312" panose="02010609030101010101" pitchFamily="49" charset="-122"/>
+                <a:cs typeface="Times New Roman" panose="02020603050405020304" pitchFamily="18" charset="0"/>
+              </a:rPr>
+              <a:t>1,</a:t>
+            </a:r>
+            <a:r>
+              <a:rPr lang="zh-CN" altLang="en-US" dirty="0">
+                <a:latin typeface="Times New Roman" panose="02020603050405020304" pitchFamily="18" charset="0"/>
+                <a:ea typeface="KaiTi_GB2312" panose="02010609030101010101" pitchFamily="49" charset="-122"/>
+                <a:cs typeface="Times New Roman" panose="02020603050405020304" pitchFamily="18" charset="0"/>
+              </a:rPr>
+              <a:t> </a:t>
+            </a:r>
+            <a:r>
+              <a:rPr lang="en-US" altLang="zh-CN" dirty="0">
+                <a:latin typeface="Times New Roman" panose="02020603050405020304" pitchFamily="18" charset="0"/>
+                <a:ea typeface="KaiTi_GB2312" panose="02010609030101010101" pitchFamily="49" charset="-122"/>
+                <a:cs typeface="Times New Roman" panose="02020603050405020304" pitchFamily="18" charset="0"/>
+              </a:rPr>
+              <a:t>2],</a:t>
+            </a:r>
+            <a:r>
+              <a:rPr lang="zh-CN" altLang="en-US" dirty="0">
+                <a:latin typeface="Times New Roman" panose="02020603050405020304" pitchFamily="18" charset="0"/>
+                <a:ea typeface="KaiTi_GB2312" panose="02010609030101010101" pitchFamily="49" charset="-122"/>
+                <a:cs typeface="Times New Roman" panose="02020603050405020304" pitchFamily="18" charset="0"/>
+              </a:rPr>
+              <a:t> </a:t>
+            </a:r>
+            <a:r>
+              <a:rPr lang="en-US" altLang="zh-CN" dirty="0">
+                <a:latin typeface="Times New Roman" panose="02020603050405020304" pitchFamily="18" charset="0"/>
+                <a:ea typeface="KaiTi_GB2312" panose="02010609030101010101" pitchFamily="49" charset="-122"/>
+                <a:cs typeface="Times New Roman" panose="02020603050405020304" pitchFamily="18" charset="0"/>
+              </a:rPr>
+              <a:t> [1,</a:t>
+            </a:r>
+            <a:r>
+              <a:rPr lang="zh-CN" altLang="en-US" dirty="0">
+                <a:latin typeface="Times New Roman" panose="02020603050405020304" pitchFamily="18" charset="0"/>
+                <a:ea typeface="KaiTi_GB2312" panose="02010609030101010101" pitchFamily="49" charset="-122"/>
+                <a:cs typeface="Times New Roman" panose="02020603050405020304" pitchFamily="18" charset="0"/>
+              </a:rPr>
+              <a:t> </a:t>
+            </a:r>
+            <a:r>
+              <a:rPr lang="en-US" altLang="zh-CN" dirty="0">
+                <a:latin typeface="Times New Roman" panose="02020603050405020304" pitchFamily="18" charset="0"/>
+                <a:ea typeface="KaiTi_GB2312" panose="02010609030101010101" pitchFamily="49" charset="-122"/>
+                <a:cs typeface="Times New Roman" panose="02020603050405020304" pitchFamily="18" charset="0"/>
+              </a:rPr>
+              <a:t>2,</a:t>
+            </a:r>
+            <a:r>
+              <a:rPr lang="zh-CN" altLang="en-US" dirty="0">
+                <a:latin typeface="Times New Roman" panose="02020603050405020304" pitchFamily="18" charset="0"/>
+                <a:ea typeface="KaiTi_GB2312" panose="02010609030101010101" pitchFamily="49" charset="-122"/>
+                <a:cs typeface="Times New Roman" panose="02020603050405020304" pitchFamily="18" charset="0"/>
+              </a:rPr>
+              <a:t> </a:t>
+            </a:r>
+            <a:r>
+              <a:rPr lang="en-US" altLang="zh-CN" dirty="0">
+                <a:latin typeface="Times New Roman" panose="02020603050405020304" pitchFamily="18" charset="0"/>
+                <a:ea typeface="KaiTi_GB2312" panose="02010609030101010101" pitchFamily="49" charset="-122"/>
+                <a:cs typeface="Times New Roman" panose="02020603050405020304" pitchFamily="18" charset="0"/>
+              </a:rPr>
+              <a:t>1],</a:t>
+            </a:r>
+            <a:r>
+              <a:rPr lang="zh-CN" altLang="en-US" dirty="0">
+                <a:latin typeface="Times New Roman" panose="02020603050405020304" pitchFamily="18" charset="0"/>
+                <a:ea typeface="KaiTi_GB2312" panose="02010609030101010101" pitchFamily="49" charset="-122"/>
+                <a:cs typeface="Times New Roman" panose="02020603050405020304" pitchFamily="18" charset="0"/>
+              </a:rPr>
+              <a:t> </a:t>
+            </a:r>
+            <a:r>
+              <a:rPr lang="en-US" altLang="zh-CN" dirty="0">
+                <a:latin typeface="Times New Roman" panose="02020603050405020304" pitchFamily="18" charset="0"/>
+                <a:ea typeface="KaiTi_GB2312" panose="02010609030101010101" pitchFamily="49" charset="-122"/>
+                <a:cs typeface="Times New Roman" panose="02020603050405020304" pitchFamily="18" charset="0"/>
+              </a:rPr>
+              <a:t> [2,</a:t>
+            </a:r>
+            <a:r>
+              <a:rPr lang="zh-CN" altLang="en-US" dirty="0">
+                <a:latin typeface="Times New Roman" panose="02020603050405020304" pitchFamily="18" charset="0"/>
+                <a:ea typeface="KaiTi_GB2312" panose="02010609030101010101" pitchFamily="49" charset="-122"/>
+                <a:cs typeface="Times New Roman" panose="02020603050405020304" pitchFamily="18" charset="0"/>
+              </a:rPr>
+              <a:t> </a:t>
+            </a:r>
+            <a:r>
+              <a:rPr lang="en-US" altLang="zh-CN" dirty="0">
+                <a:latin typeface="Times New Roman" panose="02020603050405020304" pitchFamily="18" charset="0"/>
+                <a:ea typeface="KaiTi_GB2312" panose="02010609030101010101" pitchFamily="49" charset="-122"/>
+                <a:cs typeface="Times New Roman" panose="02020603050405020304" pitchFamily="18" charset="0"/>
+              </a:rPr>
+              <a:t>1,</a:t>
+            </a:r>
+            <a:r>
+              <a:rPr lang="zh-CN" altLang="en-US" dirty="0">
+                <a:latin typeface="Times New Roman" panose="02020603050405020304" pitchFamily="18" charset="0"/>
+                <a:ea typeface="KaiTi_GB2312" panose="02010609030101010101" pitchFamily="49" charset="-122"/>
+                <a:cs typeface="Times New Roman" panose="02020603050405020304" pitchFamily="18" charset="0"/>
+              </a:rPr>
+              <a:t> </a:t>
+            </a:r>
+            <a:r>
+              <a:rPr lang="en-US" altLang="zh-CN" dirty="0">
+                <a:latin typeface="Times New Roman" panose="02020603050405020304" pitchFamily="18" charset="0"/>
+                <a:ea typeface="KaiTi_GB2312" panose="02010609030101010101" pitchFamily="49" charset="-122"/>
+                <a:cs typeface="Times New Roman" panose="02020603050405020304" pitchFamily="18" charset="0"/>
+              </a:rPr>
+              <a:t>1] ]</a:t>
+            </a:r>
+            <a:r>
+              <a:rPr lang="zh-CN" altLang="en-US" dirty="0">
+                <a:latin typeface="Times New Roman" panose="02020603050405020304" pitchFamily="18" charset="0"/>
+                <a:ea typeface="KaiTi_GB2312" panose="02010609030101010101" pitchFamily="49" charset="-122"/>
+                <a:cs typeface="Times New Roman" panose="02020603050405020304" pitchFamily="18" charset="0"/>
+              </a:rPr>
+              <a:t> 为例进行说明。</a:t>
+            </a:r>
+          </a:p>
+        </p:txBody>
+      </p:sp>
+      <p:sp>
+        <p:nvSpPr>
+          <p:cNvPr id="7" name="矩形 6">
+            <a:extLst>
+              <a:ext uri="{FF2B5EF4-FFF2-40B4-BE49-F238E27FC236}">
+                <a16:creationId xmlns:a16="http://schemas.microsoft.com/office/drawing/2014/main" id="{A3F22E3C-009C-4D4E-A496-DD13C9B6A333}"/>
+              </a:ext>
+            </a:extLst>
+          </p:cNvPr>
+          <p:cNvSpPr/>
+          <p:nvPr/>
+        </p:nvSpPr>
+        <p:spPr>
+          <a:xfrm>
+            <a:off x="2161880" y="102000"/>
+            <a:ext cx="5570756" cy="461665"/>
+          </a:xfrm>
+          <a:prstGeom prst="rect">
+            <a:avLst/>
+          </a:prstGeom>
+        </p:spPr>
+        <p:txBody>
+          <a:bodyPr wrap="none">
+            <a:spAutoFit/>
+          </a:bodyPr>
+          <a:lstStyle/>
+          <a:p>
+            <a:r>
+              <a:rPr kumimoji="1" lang="zh-CN" altLang="en-US" sz="2400" dirty="0">
+                <a:solidFill>
+                  <a:schemeClr val="bg1"/>
+                </a:solidFill>
+                <a:latin typeface="Times New Roman" panose="02020603050405020304" pitchFamily="18" charset="0"/>
+                <a:ea typeface="黑体" charset="-122"/>
+                <a:cs typeface="Times New Roman" panose="02020603050405020304" pitchFamily="18" charset="0"/>
+              </a:rPr>
+              <a:t>第 </a:t>
+            </a:r>
+            <a:r>
+              <a:rPr kumimoji="1" lang="en-US" altLang="zh-CN" sz="2400" dirty="0">
+                <a:solidFill>
+                  <a:schemeClr val="bg1"/>
+                </a:solidFill>
+                <a:latin typeface="Times New Roman" panose="02020603050405020304" pitchFamily="18" charset="0"/>
+                <a:ea typeface="黑体" charset="-122"/>
+                <a:cs typeface="Times New Roman" panose="02020603050405020304" pitchFamily="18" charset="0"/>
+              </a:rPr>
+              <a:t>47</a:t>
+            </a:r>
+            <a:r>
+              <a:rPr kumimoji="1" lang="zh-CN" altLang="en-US" sz="2400" dirty="0">
+                <a:solidFill>
+                  <a:schemeClr val="bg1"/>
+                </a:solidFill>
+                <a:latin typeface="Times New Roman" panose="02020603050405020304" pitchFamily="18" charset="0"/>
+                <a:ea typeface="黑体" charset="-122"/>
+                <a:cs typeface="Times New Roman" panose="02020603050405020304" pitchFamily="18" charset="0"/>
+              </a:rPr>
+              <a:t> 题</a:t>
+            </a:r>
+            <a:r>
+              <a:rPr kumimoji="1" lang="zh-CN" altLang="en-US" sz="2400" dirty="0">
+                <a:solidFill>
+                  <a:schemeClr val="bg1"/>
+                </a:solidFill>
+                <a:latin typeface="Times New Roman" panose="02020603050405020304" pitchFamily="18" charset="0"/>
+                <a:ea typeface="KaiTi" panose="02010609060101010101" pitchFamily="49" charset="-122"/>
+                <a:cs typeface="Times New Roman" panose="02020603050405020304" pitchFamily="18" charset="0"/>
+              </a:rPr>
+              <a:t>：“全排列 </a:t>
+            </a:r>
+            <a:r>
+              <a:rPr kumimoji="1" lang="en-US" altLang="zh-CN" sz="2400" dirty="0">
+                <a:solidFill>
+                  <a:schemeClr val="bg1"/>
+                </a:solidFill>
+                <a:latin typeface="Times New Roman" panose="02020603050405020304" pitchFamily="18" charset="0"/>
+                <a:ea typeface="KaiTi" panose="02010609060101010101" pitchFamily="49" charset="-122"/>
+                <a:cs typeface="Times New Roman" panose="02020603050405020304" pitchFamily="18" charset="0"/>
+              </a:rPr>
+              <a:t>II</a:t>
+            </a:r>
+            <a:r>
+              <a:rPr kumimoji="1" lang="zh-CN" altLang="en-US" sz="2400" dirty="0">
+                <a:solidFill>
+                  <a:schemeClr val="bg1"/>
+                </a:solidFill>
+                <a:latin typeface="Times New Roman" panose="02020603050405020304" pitchFamily="18" charset="0"/>
+                <a:ea typeface="KaiTi" panose="02010609060101010101" pitchFamily="49" charset="-122"/>
+                <a:cs typeface="Times New Roman" panose="02020603050405020304" pitchFamily="18" charset="0"/>
+              </a:rPr>
+              <a:t>”题解配图（</a:t>
+            </a:r>
+            <a:r>
+              <a:rPr kumimoji="1" lang="en-US" altLang="zh-CN" sz="2400" dirty="0">
+                <a:solidFill>
+                  <a:schemeClr val="bg1"/>
+                </a:solidFill>
+                <a:latin typeface="Times New Roman" panose="02020603050405020304" pitchFamily="18" charset="0"/>
+                <a:ea typeface="KaiTi" panose="02010609060101010101" pitchFamily="49" charset="-122"/>
+                <a:cs typeface="Times New Roman" panose="02020603050405020304" pitchFamily="18" charset="0"/>
+              </a:rPr>
+              <a:t>4</a:t>
+            </a:r>
+            <a:r>
+              <a:rPr kumimoji="1" lang="zh-CN" altLang="en-US" sz="2400" dirty="0">
+                <a:solidFill>
+                  <a:schemeClr val="bg1"/>
+                </a:solidFill>
+                <a:latin typeface="Times New Roman" panose="02020603050405020304" pitchFamily="18" charset="0"/>
+                <a:ea typeface="KaiTi" panose="02010609060101010101" pitchFamily="49" charset="-122"/>
+                <a:cs typeface="Times New Roman" panose="02020603050405020304" pitchFamily="18" charset="0"/>
+              </a:rPr>
+              <a:t>）</a:t>
+            </a:r>
+            <a:endParaRPr lang="zh-CN" altLang="en-US" dirty="0">
+              <a:solidFill>
+                <a:schemeClr val="bg1"/>
+              </a:solidFill>
+              <a:latin typeface="Times New Roman" panose="02020603050405020304" pitchFamily="18" charset="0"/>
+              <a:cs typeface="Times New Roman" panose="02020603050405020304" pitchFamily="18" charset="0"/>
+            </a:endParaRPr>
+          </a:p>
+        </p:txBody>
+      </p:sp>
+      <p:sp>
+        <p:nvSpPr>
+          <p:cNvPr id="9" name="矩形 8">
+            <a:extLst>
+              <a:ext uri="{FF2B5EF4-FFF2-40B4-BE49-F238E27FC236}">
+                <a16:creationId xmlns:a16="http://schemas.microsoft.com/office/drawing/2014/main" id="{9F6AB9B3-CAEE-FF4A-9663-B15410234583}"/>
+              </a:ext>
+            </a:extLst>
+          </p:cNvPr>
+          <p:cNvSpPr/>
+          <p:nvPr/>
+        </p:nvSpPr>
+        <p:spPr>
+          <a:xfrm>
+            <a:off x="378507" y="1899788"/>
+            <a:ext cx="10220667" cy="1323439"/>
+          </a:xfrm>
+          <a:prstGeom prst="rect">
+            <a:avLst/>
+          </a:prstGeom>
+          <a:solidFill>
+            <a:srgbClr val="FF0000"/>
+          </a:solidFill>
+          <a:effectLst>
+            <a:softEdge rad="31750"/>
+          </a:effectLst>
+        </p:spPr>
+        <p:txBody>
+          <a:bodyPr wrap="square">
+            <a:spAutoFit/>
+          </a:bodyPr>
+          <a:lstStyle/>
+          <a:p>
+            <a:r>
+              <a:rPr lang="zh-CN" altLang="en-US" sz="2000" b="1" dirty="0">
+                <a:solidFill>
+                  <a:schemeClr val="bg1"/>
+                </a:solidFill>
+                <a:latin typeface="Times New Roman" panose="02020603050405020304" pitchFamily="18" charset="0"/>
+                <a:ea typeface="KaiTi" panose="02010609060101010101" pitchFamily="49" charset="-122"/>
+                <a:cs typeface="Times New Roman" panose="02020603050405020304" pitchFamily="18" charset="0"/>
+              </a:rPr>
+              <a:t>我们归纳出“剪枝” 要满足的条件：</a:t>
+            </a:r>
+            <a:endParaRPr lang="en-US" altLang="zh-CN" sz="2000" b="1" dirty="0">
+              <a:solidFill>
+                <a:schemeClr val="bg1"/>
+              </a:solidFill>
+              <a:latin typeface="Times New Roman" panose="02020603050405020304" pitchFamily="18" charset="0"/>
+              <a:ea typeface="KaiTi" panose="02010609060101010101" pitchFamily="49" charset="-122"/>
+              <a:cs typeface="Times New Roman" panose="02020603050405020304" pitchFamily="18" charset="0"/>
+            </a:endParaRPr>
+          </a:p>
+          <a:p>
+            <a:r>
+              <a:rPr lang="en-US" altLang="zh-CN" sz="2000" b="1" dirty="0">
+                <a:solidFill>
+                  <a:schemeClr val="bg1"/>
+                </a:solidFill>
+                <a:latin typeface="Times New Roman" panose="02020603050405020304" pitchFamily="18" charset="0"/>
+                <a:ea typeface="KaiTi" panose="02010609060101010101" pitchFamily="49" charset="-122"/>
+                <a:cs typeface="Times New Roman" panose="02020603050405020304" pitchFamily="18" charset="0"/>
+              </a:rPr>
+              <a:t>1</a:t>
+            </a:r>
+            <a:r>
+              <a:rPr lang="zh-CN" altLang="en-US" sz="2000" b="1" dirty="0">
+                <a:solidFill>
+                  <a:schemeClr val="bg1"/>
+                </a:solidFill>
+                <a:latin typeface="Times New Roman" panose="02020603050405020304" pitchFamily="18" charset="0"/>
+                <a:ea typeface="KaiTi" panose="02010609060101010101" pitchFamily="49" charset="-122"/>
+                <a:cs typeface="Times New Roman" panose="02020603050405020304" pitchFamily="18" charset="0"/>
+              </a:rPr>
+              <a:t>、在“</a:t>
+            </a:r>
+            <a:r>
+              <a:rPr lang="zh-CN" altLang="en-US" sz="2000" b="1" u="heavy" dirty="0">
+                <a:solidFill>
+                  <a:schemeClr val="bg1"/>
+                </a:solidFill>
+                <a:latin typeface="Times New Roman" panose="02020603050405020304" pitchFamily="18" charset="0"/>
+                <a:ea typeface="KaiTi" panose="02010609060101010101" pitchFamily="49" charset="-122"/>
+                <a:cs typeface="Times New Roman" panose="02020603050405020304" pitchFamily="18" charset="0"/>
+              </a:rPr>
+              <a:t>同一层</a:t>
+            </a:r>
+            <a:r>
+              <a:rPr lang="zh-CN" altLang="en-US" sz="2000" b="1" dirty="0">
+                <a:solidFill>
+                  <a:schemeClr val="bg1"/>
+                </a:solidFill>
+                <a:latin typeface="Times New Roman" panose="02020603050405020304" pitchFamily="18" charset="0"/>
+                <a:ea typeface="KaiTi" panose="02010609060101010101" pitchFamily="49" charset="-122"/>
+                <a:cs typeface="Times New Roman" panose="02020603050405020304" pitchFamily="18" charset="0"/>
+              </a:rPr>
+              <a:t>”，它不是“从左向右数”的第 </a:t>
+            </a:r>
+            <a:r>
+              <a:rPr lang="en-US" altLang="zh-CN" sz="2000" b="1" dirty="0">
+                <a:solidFill>
+                  <a:schemeClr val="bg1"/>
+                </a:solidFill>
+                <a:latin typeface="Times New Roman" panose="02020603050405020304" pitchFamily="18" charset="0"/>
+                <a:ea typeface="KaiTi" panose="02010609060101010101" pitchFamily="49" charset="-122"/>
+                <a:cs typeface="Times New Roman" panose="02020603050405020304" pitchFamily="18" charset="0"/>
+              </a:rPr>
+              <a:t>1</a:t>
+            </a:r>
+            <a:r>
+              <a:rPr lang="zh-CN" altLang="en-US" sz="2000" b="1" dirty="0">
+                <a:solidFill>
+                  <a:schemeClr val="bg1"/>
+                </a:solidFill>
+                <a:latin typeface="Times New Roman" panose="02020603050405020304" pitchFamily="18" charset="0"/>
+                <a:ea typeface="KaiTi" panose="02010609060101010101" pitchFamily="49" charset="-122"/>
+                <a:cs typeface="Times New Roman" panose="02020603050405020304" pitchFamily="18" charset="0"/>
+              </a:rPr>
+              <a:t> 个分支（标在下图 </a:t>
+            </a:r>
+            <a:r>
+              <a:rPr lang="en-US" altLang="zh-CN" sz="2000" b="1" dirty="0">
+                <a:solidFill>
+                  <a:schemeClr val="bg1"/>
+                </a:solidFill>
+                <a:latin typeface="Times New Roman" panose="02020603050405020304" pitchFamily="18" charset="0"/>
+                <a:ea typeface="KaiTi" panose="02010609060101010101" pitchFamily="49" charset="-122"/>
+                <a:cs typeface="Times New Roman" panose="02020603050405020304" pitchFamily="18" charset="0"/>
+              </a:rPr>
+              <a:t>①</a:t>
+            </a:r>
+            <a:r>
+              <a:rPr lang="zh-CN" altLang="en-US" sz="2000" b="1" dirty="0">
+                <a:solidFill>
+                  <a:schemeClr val="bg1"/>
+                </a:solidFill>
+                <a:latin typeface="Times New Roman" panose="02020603050405020304" pitchFamily="18" charset="0"/>
+                <a:ea typeface="KaiTi" panose="02010609060101010101" pitchFamily="49" charset="-122"/>
+                <a:cs typeface="Times New Roman" panose="02020603050405020304" pitchFamily="18" charset="0"/>
+              </a:rPr>
+              <a:t> 处）；</a:t>
+            </a:r>
+            <a:endParaRPr lang="en-US" altLang="zh-CN" sz="2000" b="1" dirty="0">
+              <a:solidFill>
+                <a:schemeClr val="bg1"/>
+              </a:solidFill>
+              <a:latin typeface="Times New Roman" panose="02020603050405020304" pitchFamily="18" charset="0"/>
+              <a:ea typeface="KaiTi" panose="02010609060101010101" pitchFamily="49" charset="-122"/>
+              <a:cs typeface="Times New Roman" panose="02020603050405020304" pitchFamily="18" charset="0"/>
+            </a:endParaRPr>
+          </a:p>
+          <a:p>
+            <a:r>
+              <a:rPr lang="en-US" altLang="zh-CN" sz="2000" b="1" dirty="0">
+                <a:solidFill>
+                  <a:schemeClr val="bg1"/>
+                </a:solidFill>
+                <a:latin typeface="Times New Roman" panose="02020603050405020304" pitchFamily="18" charset="0"/>
+                <a:ea typeface="KaiTi" panose="02010609060101010101" pitchFamily="49" charset="-122"/>
+                <a:cs typeface="Times New Roman" panose="02020603050405020304" pitchFamily="18" charset="0"/>
+              </a:rPr>
+              <a:t>2</a:t>
+            </a:r>
+            <a:r>
+              <a:rPr lang="zh-CN" altLang="en-US" sz="2000" b="1" dirty="0">
+                <a:solidFill>
+                  <a:schemeClr val="bg1"/>
+                </a:solidFill>
+                <a:latin typeface="Times New Roman" panose="02020603050405020304" pitchFamily="18" charset="0"/>
+                <a:ea typeface="KaiTi" panose="02010609060101010101" pitchFamily="49" charset="-122"/>
+                <a:cs typeface="Times New Roman" panose="02020603050405020304" pitchFamily="18" charset="0"/>
+              </a:rPr>
+              <a:t>、当前已经选出的数与“</a:t>
+            </a:r>
+            <a:r>
+              <a:rPr lang="zh-CN" altLang="en-US" sz="2000" b="1" u="heavy" dirty="0">
+                <a:solidFill>
+                  <a:schemeClr val="bg1"/>
+                </a:solidFill>
+                <a:latin typeface="Times New Roman" panose="02020603050405020304" pitchFamily="18" charset="0"/>
+                <a:ea typeface="KaiTi" panose="02010609060101010101" pitchFamily="49" charset="-122"/>
+                <a:cs typeface="Times New Roman" panose="02020603050405020304" pitchFamily="18" charset="0"/>
+              </a:rPr>
+              <a:t>同一层</a:t>
+            </a:r>
+            <a:r>
+              <a:rPr lang="zh-CN" altLang="en-US" sz="2000" b="1" dirty="0">
+                <a:solidFill>
+                  <a:schemeClr val="bg1"/>
+                </a:solidFill>
+                <a:latin typeface="Times New Roman" panose="02020603050405020304" pitchFamily="18" charset="0"/>
+                <a:ea typeface="KaiTi" panose="02010609060101010101" pitchFamily="49" charset="-122"/>
+                <a:cs typeface="Times New Roman" panose="02020603050405020304" pitchFamily="18" charset="0"/>
+              </a:rPr>
+              <a:t>”前一个分支已经选出的数相等（标在下图 </a:t>
+            </a:r>
+            <a:r>
+              <a:rPr lang="en-US" altLang="zh-CN" sz="2000" b="1" dirty="0">
+                <a:solidFill>
+                  <a:schemeClr val="bg1"/>
+                </a:solidFill>
+                <a:latin typeface="Times New Roman" panose="02020603050405020304" pitchFamily="18" charset="0"/>
+                <a:ea typeface="KaiTi" panose="02010609060101010101" pitchFamily="49" charset="-122"/>
+                <a:cs typeface="Times New Roman" panose="02020603050405020304" pitchFamily="18" charset="0"/>
+              </a:rPr>
+              <a:t>②</a:t>
+            </a:r>
+            <a:r>
+              <a:rPr lang="zh-CN" altLang="en-US" sz="2000" b="1" dirty="0">
+                <a:solidFill>
+                  <a:schemeClr val="bg1"/>
+                </a:solidFill>
+                <a:latin typeface="Times New Roman" panose="02020603050405020304" pitchFamily="18" charset="0"/>
+                <a:ea typeface="KaiTi" panose="02010609060101010101" pitchFamily="49" charset="-122"/>
+                <a:cs typeface="Times New Roman" panose="02020603050405020304" pitchFamily="18" charset="0"/>
+              </a:rPr>
+              <a:t> 处） ；</a:t>
+            </a:r>
+            <a:endParaRPr lang="en-US" altLang="zh-CN" sz="2000" b="1" dirty="0">
+              <a:solidFill>
+                <a:schemeClr val="bg1"/>
+              </a:solidFill>
+              <a:latin typeface="Times New Roman" panose="02020603050405020304" pitchFamily="18" charset="0"/>
+              <a:ea typeface="KaiTi" panose="02010609060101010101" pitchFamily="49" charset="-122"/>
+              <a:cs typeface="Times New Roman" panose="02020603050405020304" pitchFamily="18" charset="0"/>
+            </a:endParaRPr>
+          </a:p>
+          <a:p>
+            <a:r>
+              <a:rPr lang="en-US" altLang="zh-CN" sz="2000" b="1" dirty="0">
+                <a:solidFill>
+                  <a:schemeClr val="bg1"/>
+                </a:solidFill>
+                <a:latin typeface="Times New Roman" panose="02020603050405020304" pitchFamily="18" charset="0"/>
+                <a:ea typeface="KaiTi" panose="02010609060101010101" pitchFamily="49" charset="-122"/>
+                <a:cs typeface="Times New Roman" panose="02020603050405020304" pitchFamily="18" charset="0"/>
+              </a:rPr>
+              <a:t>3</a:t>
+            </a:r>
+            <a:r>
+              <a:rPr lang="zh-CN" altLang="en-US" sz="2000" b="1" dirty="0">
+                <a:solidFill>
+                  <a:schemeClr val="bg1"/>
+                </a:solidFill>
+                <a:latin typeface="Times New Roman" panose="02020603050405020304" pitchFamily="18" charset="0"/>
+                <a:ea typeface="KaiTi" panose="02010609060101010101" pitchFamily="49" charset="-122"/>
+                <a:cs typeface="Times New Roman" panose="02020603050405020304" pitchFamily="18" charset="0"/>
+              </a:rPr>
+              <a:t>、“</a:t>
+            </a:r>
+            <a:r>
+              <a:rPr lang="zh-CN" altLang="en-US" sz="2000" b="1" u="heavy" dirty="0">
+                <a:solidFill>
+                  <a:schemeClr val="bg1"/>
+                </a:solidFill>
+                <a:latin typeface="Times New Roman" panose="02020603050405020304" pitchFamily="18" charset="0"/>
+                <a:ea typeface="KaiTi" panose="02010609060101010101" pitchFamily="49" charset="-122"/>
+                <a:cs typeface="Times New Roman" panose="02020603050405020304" pitchFamily="18" charset="0"/>
+              </a:rPr>
+              <a:t>同一层</a:t>
+            </a:r>
+            <a:r>
+              <a:rPr lang="zh-CN" altLang="en-US" sz="2000" b="1" dirty="0">
+                <a:solidFill>
+                  <a:schemeClr val="bg1"/>
+                </a:solidFill>
+                <a:latin typeface="Times New Roman" panose="02020603050405020304" pitchFamily="18" charset="0"/>
+                <a:ea typeface="KaiTi" panose="02010609060101010101" pitchFamily="49" charset="-122"/>
+                <a:cs typeface="Times New Roman" panose="02020603050405020304" pitchFamily="18" charset="0"/>
+              </a:rPr>
+              <a:t>”前一个分支已经选出的数</a:t>
+            </a:r>
+            <a:r>
+              <a:rPr lang="zh-CN" altLang="en-US" sz="2000" b="1" u="dbl" dirty="0">
+                <a:solidFill>
+                  <a:schemeClr val="bg1"/>
+                </a:solidFill>
+                <a:latin typeface="Times New Roman" panose="02020603050405020304" pitchFamily="18" charset="0"/>
+                <a:ea typeface="KaiTi" panose="02010609060101010101" pitchFamily="49" charset="-122"/>
+                <a:cs typeface="Times New Roman" panose="02020603050405020304" pitchFamily="18" charset="0"/>
+              </a:rPr>
+              <a:t>在“</a:t>
+            </a:r>
+            <a:r>
+              <a:rPr lang="zh-CN" altLang="en-US" sz="2000" b="1" u="heavy" dirty="0">
+                <a:solidFill>
+                  <a:schemeClr val="bg1"/>
+                </a:solidFill>
+                <a:latin typeface="Times New Roman" panose="02020603050405020304" pitchFamily="18" charset="0"/>
+                <a:ea typeface="KaiTi" panose="02010609060101010101" pitchFamily="49" charset="-122"/>
+                <a:cs typeface="Times New Roman" panose="02020603050405020304" pitchFamily="18" charset="0"/>
+              </a:rPr>
+              <a:t>当前分支</a:t>
+            </a:r>
+            <a:r>
+              <a:rPr lang="zh-CN" altLang="en-US" sz="2000" b="1" u="dbl" dirty="0">
+                <a:solidFill>
+                  <a:schemeClr val="bg1"/>
+                </a:solidFill>
+                <a:latin typeface="Times New Roman" panose="02020603050405020304" pitchFamily="18" charset="0"/>
+                <a:ea typeface="KaiTi" panose="02010609060101010101" pitchFamily="49" charset="-122"/>
+                <a:cs typeface="Times New Roman" panose="02020603050405020304" pitchFamily="18" charset="0"/>
+              </a:rPr>
+              <a:t>”</a:t>
+            </a:r>
+            <a:r>
+              <a:rPr lang="zh-CN" altLang="en-US" sz="2000" b="1" dirty="0">
+                <a:solidFill>
+                  <a:schemeClr val="bg1"/>
+                </a:solidFill>
+                <a:latin typeface="Times New Roman" panose="02020603050405020304" pitchFamily="18" charset="0"/>
+                <a:ea typeface="KaiTi" panose="02010609060101010101" pitchFamily="49" charset="-122"/>
+                <a:cs typeface="Times New Roman" panose="02020603050405020304" pitchFamily="18" charset="0"/>
+              </a:rPr>
+              <a:t>还未被使用（标在下图 </a:t>
+            </a:r>
+            <a:r>
+              <a:rPr lang="en-US" altLang="zh-CN" sz="2000" b="1" dirty="0">
+                <a:solidFill>
+                  <a:schemeClr val="bg1"/>
+                </a:solidFill>
+                <a:latin typeface="Times New Roman" panose="02020603050405020304" pitchFamily="18" charset="0"/>
+                <a:ea typeface="KaiTi" panose="02010609060101010101" pitchFamily="49" charset="-122"/>
+                <a:cs typeface="Times New Roman" panose="02020603050405020304" pitchFamily="18" charset="0"/>
+              </a:rPr>
+              <a:t>③</a:t>
+            </a:r>
+            <a:r>
+              <a:rPr lang="zh-CN" altLang="en-US" sz="2000" b="1" dirty="0">
+                <a:solidFill>
+                  <a:schemeClr val="bg1"/>
+                </a:solidFill>
+                <a:latin typeface="Times New Roman" panose="02020603050405020304" pitchFamily="18" charset="0"/>
+                <a:ea typeface="KaiTi" panose="02010609060101010101" pitchFamily="49" charset="-122"/>
+                <a:cs typeface="Times New Roman" panose="02020603050405020304" pitchFamily="18" charset="0"/>
+              </a:rPr>
+              <a:t> 处） 。</a:t>
+            </a:r>
+          </a:p>
+        </p:txBody>
+      </p:sp>
+      <p:sp>
+        <p:nvSpPr>
+          <p:cNvPr id="19" name="圆角矩形 18">
+            <a:extLst>
+              <a:ext uri="{FF2B5EF4-FFF2-40B4-BE49-F238E27FC236}">
+                <a16:creationId xmlns:a16="http://schemas.microsoft.com/office/drawing/2014/main" id="{C7AA4574-5778-A54B-8E14-32983147BC36}"/>
+              </a:ext>
+            </a:extLst>
+          </p:cNvPr>
+          <p:cNvSpPr/>
+          <p:nvPr/>
+        </p:nvSpPr>
+        <p:spPr>
+          <a:xfrm>
+            <a:off x="6993824" y="4278760"/>
+            <a:ext cx="2222365" cy="2495019"/>
+          </a:xfrm>
+          <a:prstGeom prst="roundRect">
+            <a:avLst/>
+          </a:prstGeom>
+          <a:solidFill>
+            <a:srgbClr val="FFFF00">
+              <a:alpha val="40000"/>
+            </a:srgbClr>
+          </a:solidFill>
+          <a:ln>
+            <a:noFill/>
+          </a:ln>
+        </p:spPr>
+        <p:style>
+          <a:lnRef idx="2">
+            <a:schemeClr val="accent1">
+              <a:shade val="50000"/>
+            </a:schemeClr>
+          </a:lnRef>
+          <a:fillRef idx="1">
+            <a:schemeClr val="accent1"/>
+          </a:fillRef>
+          <a:effectRef idx="0">
+            <a:schemeClr val="accent1"/>
+          </a:effectRef>
+          <a:fontRef idx="minor">
+            <a:schemeClr val="lt1"/>
+          </a:fontRef>
+        </p:style>
+        <p:txBody>
+          <a:bodyPr rtlCol="0" anchor="ctr"/>
+          <a:lstStyle/>
+          <a:p>
+            <a:pPr algn="ctr"/>
+            <a:endParaRPr kumimoji="1" lang="zh-CN" altLang="en-US" dirty="0"/>
+          </a:p>
+        </p:txBody>
+      </p:sp>
+      <p:sp>
+        <p:nvSpPr>
+          <p:cNvPr id="20" name="圆角矩形 19">
+            <a:extLst>
+              <a:ext uri="{FF2B5EF4-FFF2-40B4-BE49-F238E27FC236}">
+                <a16:creationId xmlns:a16="http://schemas.microsoft.com/office/drawing/2014/main" id="{81E3A242-0375-E842-A818-7B77ACEBC393}"/>
+              </a:ext>
+            </a:extLst>
+          </p:cNvPr>
+          <p:cNvSpPr/>
+          <p:nvPr/>
+        </p:nvSpPr>
+        <p:spPr>
+          <a:xfrm>
+            <a:off x="10221731" y="5177118"/>
+            <a:ext cx="1292493" cy="1596661"/>
+          </a:xfrm>
+          <a:prstGeom prst="roundRect">
+            <a:avLst/>
+          </a:prstGeom>
+          <a:solidFill>
+            <a:srgbClr val="FFFF00">
+              <a:alpha val="40000"/>
+            </a:srgbClr>
+          </a:solidFill>
+          <a:ln>
+            <a:noFill/>
+          </a:ln>
+        </p:spPr>
+        <p:style>
+          <a:lnRef idx="2">
+            <a:schemeClr val="accent1">
+              <a:shade val="50000"/>
+            </a:schemeClr>
+          </a:lnRef>
+          <a:fillRef idx="1">
+            <a:schemeClr val="accent1"/>
+          </a:fillRef>
+          <a:effectRef idx="0">
+            <a:schemeClr val="accent1"/>
+          </a:effectRef>
+          <a:fontRef idx="minor">
+            <a:schemeClr val="lt1"/>
+          </a:fontRef>
+        </p:style>
+        <p:txBody>
+          <a:bodyPr rtlCol="0" anchor="ctr"/>
+          <a:lstStyle/>
+          <a:p>
+            <a:pPr algn="ctr"/>
+            <a:endParaRPr kumimoji="1" lang="zh-CN" altLang="en-US"/>
+          </a:p>
+        </p:txBody>
+      </p:sp>
+      <p:pic>
+        <p:nvPicPr>
+          <p:cNvPr id="10" name="图形 9" descr="剪刀">
+            <a:extLst>
+              <a:ext uri="{FF2B5EF4-FFF2-40B4-BE49-F238E27FC236}">
+                <a16:creationId xmlns:a16="http://schemas.microsoft.com/office/drawing/2014/main" id="{A3B44342-78BA-344A-8685-1094A60D3937}"/>
+              </a:ext>
+            </a:extLst>
+          </p:cNvPr>
+          <p:cNvPicPr>
+            <a:picLocks noChangeAspect="1"/>
+          </p:cNvPicPr>
+          <p:nvPr/>
+        </p:nvPicPr>
+        <p:blipFill>
+          <a:blip r:embed="rId3">
+            <a:extLst>
+              <a:ext uri="{96DAC541-7B7A-43D3-8B79-37D633B846F1}">
+                <asvg:svgBlip xmlns:asvg="http://schemas.microsoft.com/office/drawing/2016/SVG/main" r:embed="rId4"/>
+              </a:ext>
+            </a:extLst>
+          </a:blip>
+          <a:stretch>
+            <a:fillRect/>
+          </a:stretch>
+        </p:blipFill>
+        <p:spPr>
+          <a:xfrm>
+            <a:off x="7937911" y="3591576"/>
+            <a:ext cx="353397" cy="353397"/>
+          </a:xfrm>
+          <a:prstGeom prst="rect">
+            <a:avLst/>
+          </a:prstGeom>
+        </p:spPr>
+      </p:pic>
+      <p:pic>
+        <p:nvPicPr>
+          <p:cNvPr id="21" name="图形 20" descr="剪刀">
+            <a:extLst>
+              <a:ext uri="{FF2B5EF4-FFF2-40B4-BE49-F238E27FC236}">
+                <a16:creationId xmlns:a16="http://schemas.microsoft.com/office/drawing/2014/main" id="{06C4A00B-09A3-C34C-9FF5-FAA3650C6575}"/>
+              </a:ext>
+            </a:extLst>
+          </p:cNvPr>
+          <p:cNvPicPr>
+            <a:picLocks noChangeAspect="1"/>
+          </p:cNvPicPr>
+          <p:nvPr/>
+        </p:nvPicPr>
+        <p:blipFill>
+          <a:blip r:embed="rId3">
+            <a:extLst>
+              <a:ext uri="{96DAC541-7B7A-43D3-8B79-37D633B846F1}">
+                <asvg:svgBlip xmlns:asvg="http://schemas.microsoft.com/office/drawing/2016/SVG/main" r:embed="rId4"/>
+              </a:ext>
+            </a:extLst>
+          </a:blip>
+          <a:stretch>
+            <a:fillRect/>
+          </a:stretch>
+        </p:blipFill>
+        <p:spPr>
+          <a:xfrm>
+            <a:off x="10441936" y="4675751"/>
+            <a:ext cx="501367" cy="501367"/>
+          </a:xfrm>
+          <a:prstGeom prst="rect">
+            <a:avLst/>
+          </a:prstGeom>
+        </p:spPr>
+      </p:pic>
+      <p:sp>
+        <p:nvSpPr>
+          <p:cNvPr id="11" name="矩形 10">
+            <a:extLst>
+              <a:ext uri="{FF2B5EF4-FFF2-40B4-BE49-F238E27FC236}">
+                <a16:creationId xmlns:a16="http://schemas.microsoft.com/office/drawing/2014/main" id="{B90DE1B7-9F34-3441-8EEF-BC65A82C6E16}"/>
+              </a:ext>
+            </a:extLst>
+          </p:cNvPr>
+          <p:cNvSpPr/>
+          <p:nvPr/>
+        </p:nvSpPr>
+        <p:spPr>
+          <a:xfrm>
+            <a:off x="8330416" y="4446171"/>
+            <a:ext cx="1543653" cy="523220"/>
+          </a:xfrm>
+          <a:prstGeom prst="rect">
+            <a:avLst/>
+          </a:prstGeom>
+        </p:spPr>
+        <p:txBody>
+          <a:bodyPr wrap="square">
+            <a:spAutoFit/>
+          </a:bodyPr>
+          <a:lstStyle/>
+          <a:p>
+            <a:r>
+              <a:rPr lang="zh-CN" altLang="en-US" sz="1400" dirty="0">
+                <a:latin typeface="Times New Roman" panose="02020603050405020304" pitchFamily="18" charset="0"/>
+                <a:ea typeface="KaiTi_GB2312" panose="02010609030101010101" pitchFamily="49" charset="-122"/>
+                <a:cs typeface="Times New Roman" panose="02020603050405020304" pitchFamily="18" charset="0"/>
+              </a:rPr>
+              <a:t> ①：在第 </a:t>
+            </a:r>
+            <a:r>
+              <a:rPr lang="en-US" altLang="zh-CN" sz="1400" dirty="0">
+                <a:latin typeface="Times New Roman" panose="02020603050405020304" pitchFamily="18" charset="0"/>
+                <a:ea typeface="KaiTi_GB2312" panose="02010609030101010101" pitchFamily="49" charset="-122"/>
+                <a:cs typeface="Times New Roman" panose="02020603050405020304" pitchFamily="18" charset="0"/>
+              </a:rPr>
+              <a:t>2</a:t>
+            </a:r>
+            <a:r>
+              <a:rPr lang="zh-CN" altLang="en-US" sz="1400" dirty="0">
+                <a:latin typeface="Times New Roman" panose="02020603050405020304" pitchFamily="18" charset="0"/>
+                <a:ea typeface="KaiTi_GB2312" panose="02010609030101010101" pitchFamily="49" charset="-122"/>
+                <a:cs typeface="Times New Roman" panose="02020603050405020304" pitchFamily="18" charset="0"/>
+              </a:rPr>
+              <a:t> 层，处在第 </a:t>
+            </a:r>
+            <a:r>
+              <a:rPr lang="en-US" altLang="zh-CN" sz="1400" dirty="0">
+                <a:latin typeface="Times New Roman" panose="02020603050405020304" pitchFamily="18" charset="0"/>
+                <a:ea typeface="KaiTi_GB2312" panose="02010609030101010101" pitchFamily="49" charset="-122"/>
+                <a:cs typeface="Times New Roman" panose="02020603050405020304" pitchFamily="18" charset="0"/>
+              </a:rPr>
+              <a:t>2</a:t>
+            </a:r>
+            <a:r>
+              <a:rPr lang="zh-CN" altLang="en-US" sz="1400" dirty="0">
+                <a:latin typeface="Times New Roman" panose="02020603050405020304" pitchFamily="18" charset="0"/>
+                <a:ea typeface="KaiTi_GB2312" panose="02010609030101010101" pitchFamily="49" charset="-122"/>
+                <a:cs typeface="Times New Roman" panose="02020603050405020304" pitchFamily="18" charset="0"/>
+              </a:rPr>
+              <a:t> 个分支。 </a:t>
+            </a:r>
+          </a:p>
+        </p:txBody>
+      </p:sp>
+      <p:sp>
+        <p:nvSpPr>
+          <p:cNvPr id="22" name="矩形 21">
+            <a:extLst>
+              <a:ext uri="{FF2B5EF4-FFF2-40B4-BE49-F238E27FC236}">
+                <a16:creationId xmlns:a16="http://schemas.microsoft.com/office/drawing/2014/main" id="{352F657D-5098-5142-90C9-9592FF6D999D}"/>
+              </a:ext>
+            </a:extLst>
+          </p:cNvPr>
+          <p:cNvSpPr/>
+          <p:nvPr/>
+        </p:nvSpPr>
+        <p:spPr>
+          <a:xfrm>
+            <a:off x="4095715" y="3969117"/>
+            <a:ext cx="2207997" cy="738664"/>
+          </a:xfrm>
+          <a:prstGeom prst="rect">
+            <a:avLst/>
+          </a:prstGeom>
+        </p:spPr>
+        <p:txBody>
+          <a:bodyPr wrap="square">
+            <a:spAutoFit/>
+          </a:bodyPr>
+          <a:lstStyle/>
+          <a:p>
+            <a:r>
+              <a:rPr lang="zh-CN" altLang="en-US" sz="1400" dirty="0">
+                <a:latin typeface="Times New Roman" panose="02020603050405020304" pitchFamily="18" charset="0"/>
+                <a:ea typeface="KaiTi_GB2312" panose="02010609030101010101" pitchFamily="49" charset="-122"/>
+                <a:cs typeface="Times New Roman" panose="02020603050405020304" pitchFamily="18" charset="0"/>
+              </a:rPr>
+              <a:t>② 当前已经选出的 </a:t>
+            </a:r>
+            <a:r>
+              <a:rPr lang="en-US" altLang="zh-CN" sz="1400" dirty="0">
+                <a:latin typeface="Times New Roman" panose="02020603050405020304" pitchFamily="18" charset="0"/>
+                <a:ea typeface="KaiTi_GB2312" panose="02010609030101010101" pitchFamily="49" charset="-122"/>
+                <a:cs typeface="Times New Roman" panose="02020603050405020304" pitchFamily="18" charset="0"/>
+              </a:rPr>
+              <a:t>1’</a:t>
+            </a:r>
+            <a:r>
+              <a:rPr lang="zh-CN" altLang="en-US" sz="1400" dirty="0">
+                <a:latin typeface="Times New Roman" panose="02020603050405020304" pitchFamily="18" charset="0"/>
+                <a:ea typeface="KaiTi_GB2312" panose="02010609030101010101" pitchFamily="49" charset="-122"/>
+                <a:cs typeface="Times New Roman" panose="02020603050405020304" pitchFamily="18" charset="0"/>
+              </a:rPr>
+              <a:t> 和“同一层”前一个分支</a:t>
+            </a:r>
+            <a:endParaRPr lang="en-US" altLang="zh-CN" sz="1400" dirty="0">
+              <a:latin typeface="Times New Roman" panose="02020603050405020304" pitchFamily="18" charset="0"/>
+              <a:ea typeface="KaiTi_GB2312" panose="02010609030101010101" pitchFamily="49" charset="-122"/>
+              <a:cs typeface="Times New Roman" panose="02020603050405020304" pitchFamily="18" charset="0"/>
+            </a:endParaRPr>
+          </a:p>
+          <a:p>
+            <a:r>
+              <a:rPr lang="zh-CN" altLang="en-US" sz="1400" dirty="0">
+                <a:latin typeface="Times New Roman" panose="02020603050405020304" pitchFamily="18" charset="0"/>
+                <a:ea typeface="KaiTi_GB2312" panose="02010609030101010101" pitchFamily="49" charset="-122"/>
+                <a:cs typeface="Times New Roman" panose="02020603050405020304" pitchFamily="18" charset="0"/>
+              </a:rPr>
+              <a:t>已经选出的 </a:t>
+            </a:r>
+            <a:r>
+              <a:rPr lang="en-US" altLang="zh-CN" sz="1400" dirty="0">
+                <a:latin typeface="Times New Roman" panose="02020603050405020304" pitchFamily="18" charset="0"/>
+                <a:ea typeface="KaiTi_GB2312" panose="02010609030101010101" pitchFamily="49" charset="-122"/>
+                <a:cs typeface="Times New Roman" panose="02020603050405020304" pitchFamily="18" charset="0"/>
+              </a:rPr>
+              <a:t>1</a:t>
+            </a:r>
+            <a:r>
+              <a:rPr lang="zh-CN" altLang="en-US" sz="1400" dirty="0">
+                <a:latin typeface="Times New Roman" panose="02020603050405020304" pitchFamily="18" charset="0"/>
+                <a:ea typeface="KaiTi_GB2312" panose="02010609030101010101" pitchFamily="49" charset="-122"/>
+                <a:cs typeface="Times New Roman" panose="02020603050405020304" pitchFamily="18" charset="0"/>
+              </a:rPr>
+              <a:t> 相等。</a:t>
+            </a:r>
+          </a:p>
+        </p:txBody>
+      </p:sp>
+      <p:sp>
+        <p:nvSpPr>
+          <p:cNvPr id="23" name="矩形 22">
+            <a:extLst>
+              <a:ext uri="{FF2B5EF4-FFF2-40B4-BE49-F238E27FC236}">
+                <a16:creationId xmlns:a16="http://schemas.microsoft.com/office/drawing/2014/main" id="{B6201064-6EE0-A84A-AFF6-645E6C2D9CFE}"/>
+              </a:ext>
+            </a:extLst>
+          </p:cNvPr>
+          <p:cNvSpPr/>
+          <p:nvPr/>
+        </p:nvSpPr>
+        <p:spPr>
+          <a:xfrm>
+            <a:off x="6479458" y="3849205"/>
+            <a:ext cx="2222090" cy="339337"/>
+          </a:xfrm>
+          <a:prstGeom prst="rect">
+            <a:avLst/>
+          </a:prstGeom>
+          <a:solidFill>
+            <a:srgbClr val="92D050">
+              <a:alpha val="40000"/>
+            </a:srgbClr>
+          </a:solidFill>
+          <a:ln>
+            <a:solidFill>
+              <a:schemeClr val="bg1"/>
+            </a:solidFill>
+          </a:ln>
+        </p:spPr>
+        <p:style>
+          <a:lnRef idx="2">
+            <a:schemeClr val="accent1">
+              <a:shade val="50000"/>
+            </a:schemeClr>
+          </a:lnRef>
+          <a:fillRef idx="1">
+            <a:schemeClr val="accent1"/>
+          </a:fillRef>
+          <a:effectRef idx="0">
+            <a:schemeClr val="accent1"/>
+          </a:effectRef>
+          <a:fontRef idx="minor">
+            <a:schemeClr val="lt1"/>
+          </a:fontRef>
+        </p:style>
+        <p:txBody>
+          <a:bodyPr rtlCol="0" anchor="ctr"/>
+          <a:lstStyle/>
+          <a:p>
+            <a:pPr algn="ctr"/>
+            <a:endParaRPr kumimoji="1" lang="zh-CN" altLang="en-US" dirty="0"/>
+          </a:p>
+        </p:txBody>
+      </p:sp>
+      <p:sp>
+        <p:nvSpPr>
+          <p:cNvPr id="24" name="下箭头 23">
+            <a:extLst>
+              <a:ext uri="{FF2B5EF4-FFF2-40B4-BE49-F238E27FC236}">
+                <a16:creationId xmlns:a16="http://schemas.microsoft.com/office/drawing/2014/main" id="{9603F2E2-BD54-B14D-870D-3751D7C499BD}"/>
+              </a:ext>
+            </a:extLst>
+          </p:cNvPr>
+          <p:cNvSpPr/>
+          <p:nvPr/>
+        </p:nvSpPr>
+        <p:spPr>
+          <a:xfrm rot="14361878">
+            <a:off x="6165611" y="3971518"/>
+            <a:ext cx="340665" cy="381345"/>
+          </a:xfrm>
+          <a:prstGeom prst="downArrow">
+            <a:avLst/>
+          </a:prstGeom>
+          <a:solidFill>
+            <a:srgbClr val="FF0000"/>
+          </a:solidFill>
+          <a:ln>
+            <a:noFill/>
+          </a:ln>
+        </p:spPr>
+        <p:style>
+          <a:lnRef idx="2">
+            <a:schemeClr val="accent1">
+              <a:shade val="50000"/>
+            </a:schemeClr>
+          </a:lnRef>
+          <a:fillRef idx="1">
+            <a:schemeClr val="accent1"/>
+          </a:fillRef>
+          <a:effectRef idx="0">
+            <a:schemeClr val="accent1"/>
+          </a:effectRef>
+          <a:fontRef idx="minor">
+            <a:schemeClr val="lt1"/>
+          </a:fontRef>
+        </p:style>
+        <p:txBody>
+          <a:bodyPr rtlCol="0" anchor="ctr"/>
+          <a:lstStyle/>
+          <a:p>
+            <a:pPr algn="ctr"/>
+            <a:endParaRPr kumimoji="1" lang="zh-CN" altLang="en-US" sz="2400" dirty="0">
+              <a:solidFill>
+                <a:schemeClr val="bg1"/>
+              </a:solidFill>
+              <a:latin typeface="SimHei" panose="02010609060101010101" pitchFamily="49" charset="-122"/>
+              <a:ea typeface="SimHei" panose="02010609060101010101" pitchFamily="49" charset="-122"/>
+            </a:endParaRPr>
+          </a:p>
+        </p:txBody>
+      </p:sp>
+      <p:sp>
+        <p:nvSpPr>
+          <p:cNvPr id="25" name="下箭头 24">
+            <a:extLst>
+              <a:ext uri="{FF2B5EF4-FFF2-40B4-BE49-F238E27FC236}">
+                <a16:creationId xmlns:a16="http://schemas.microsoft.com/office/drawing/2014/main" id="{D846D50D-4AAD-7247-8D22-627F4380CCA5}"/>
+              </a:ext>
+            </a:extLst>
+          </p:cNvPr>
+          <p:cNvSpPr/>
+          <p:nvPr/>
+        </p:nvSpPr>
+        <p:spPr>
+          <a:xfrm rot="7970822">
+            <a:off x="8049229" y="4234106"/>
+            <a:ext cx="340665" cy="381345"/>
+          </a:xfrm>
+          <a:prstGeom prst="downArrow">
+            <a:avLst/>
+          </a:prstGeom>
+          <a:solidFill>
+            <a:srgbClr val="FF0000"/>
+          </a:solidFill>
+          <a:ln>
+            <a:noFill/>
+          </a:ln>
+        </p:spPr>
+        <p:style>
+          <a:lnRef idx="2">
+            <a:schemeClr val="accent1">
+              <a:shade val="50000"/>
+            </a:schemeClr>
+          </a:lnRef>
+          <a:fillRef idx="1">
+            <a:schemeClr val="accent1"/>
+          </a:fillRef>
+          <a:effectRef idx="0">
+            <a:schemeClr val="accent1"/>
+          </a:effectRef>
+          <a:fontRef idx="minor">
+            <a:schemeClr val="lt1"/>
+          </a:fontRef>
+        </p:style>
+        <p:txBody>
+          <a:bodyPr rtlCol="0" anchor="ctr"/>
+          <a:lstStyle/>
+          <a:p>
+            <a:pPr algn="ctr"/>
+            <a:endParaRPr kumimoji="1" lang="zh-CN" altLang="en-US" sz="2400" dirty="0">
+              <a:solidFill>
+                <a:schemeClr val="bg1"/>
+              </a:solidFill>
+              <a:latin typeface="SimHei" panose="02010609060101010101" pitchFamily="49" charset="-122"/>
+              <a:ea typeface="SimHei" panose="02010609060101010101" pitchFamily="49" charset="-122"/>
+            </a:endParaRPr>
+          </a:p>
+        </p:txBody>
+      </p:sp>
+      <p:sp>
+        <p:nvSpPr>
+          <p:cNvPr id="26" name="矩形 25">
+            <a:extLst>
+              <a:ext uri="{FF2B5EF4-FFF2-40B4-BE49-F238E27FC236}">
+                <a16:creationId xmlns:a16="http://schemas.microsoft.com/office/drawing/2014/main" id="{47AB9E92-EC67-7443-9296-D6C762F8AB1A}"/>
+              </a:ext>
+            </a:extLst>
+          </p:cNvPr>
+          <p:cNvSpPr/>
+          <p:nvPr/>
+        </p:nvSpPr>
+        <p:spPr>
+          <a:xfrm>
+            <a:off x="563356" y="5236784"/>
+            <a:ext cx="4260837" cy="1384995"/>
+          </a:xfrm>
+          <a:prstGeom prst="rect">
+            <a:avLst/>
+          </a:prstGeom>
+        </p:spPr>
+        <p:txBody>
+          <a:bodyPr wrap="square">
+            <a:spAutoFit/>
+          </a:bodyPr>
+          <a:lstStyle/>
+          <a:p>
+            <a:r>
+              <a:rPr lang="en-US" altLang="zh-CN" sz="1400" dirty="0">
+                <a:latin typeface="Times New Roman" panose="02020603050405020304" pitchFamily="18" charset="0"/>
+                <a:ea typeface="KaiTi_GB2312" panose="02010609030101010101" pitchFamily="49" charset="-122"/>
+                <a:cs typeface="Times New Roman" panose="02020603050405020304" pitchFamily="18" charset="0"/>
+              </a:rPr>
+              <a:t>③</a:t>
+            </a:r>
+            <a:r>
+              <a:rPr lang="zh-CN" altLang="en-US" sz="1400" dirty="0">
+                <a:latin typeface="Times New Roman" panose="02020603050405020304" pitchFamily="18" charset="0"/>
+                <a:ea typeface="KaiTi_GB2312" panose="02010609030101010101" pitchFamily="49" charset="-122"/>
+                <a:cs typeface="Times New Roman" panose="02020603050405020304" pitchFamily="18" charset="0"/>
+              </a:rPr>
+              <a:t> 当前分支还未使用数字 </a:t>
+            </a:r>
+            <a:r>
+              <a:rPr lang="en-US" altLang="zh-CN" sz="1400" dirty="0">
+                <a:latin typeface="Times New Roman" panose="02020603050405020304" pitchFamily="18" charset="0"/>
+                <a:ea typeface="KaiTi_GB2312" panose="02010609030101010101" pitchFamily="49" charset="-122"/>
+                <a:cs typeface="Times New Roman" panose="02020603050405020304" pitchFamily="18" charset="0"/>
+              </a:rPr>
+              <a:t>1</a:t>
+            </a:r>
+            <a:r>
+              <a:rPr lang="zh-CN" altLang="en-US" sz="1400" dirty="0">
+                <a:latin typeface="Times New Roman" panose="02020603050405020304" pitchFamily="18" charset="0"/>
+                <a:ea typeface="KaiTi_GB2312" panose="02010609030101010101" pitchFamily="49" charset="-122"/>
+                <a:cs typeface="Times New Roman" panose="02020603050405020304" pitchFamily="18" charset="0"/>
+              </a:rPr>
+              <a:t>，但是“同一层”的前一个分支已经使用了 </a:t>
+            </a:r>
+            <a:r>
+              <a:rPr lang="en-US" altLang="zh-CN" sz="1400" dirty="0">
+                <a:latin typeface="Times New Roman" panose="02020603050405020304" pitchFamily="18" charset="0"/>
+                <a:ea typeface="KaiTi_GB2312" panose="02010609030101010101" pitchFamily="49" charset="-122"/>
+                <a:cs typeface="Times New Roman" panose="02020603050405020304" pitchFamily="18" charset="0"/>
+              </a:rPr>
+              <a:t>1</a:t>
+            </a:r>
+            <a:r>
+              <a:rPr lang="zh-CN" altLang="en-US" sz="1400" dirty="0">
+                <a:latin typeface="Times New Roman" panose="02020603050405020304" pitchFamily="18" charset="0"/>
+                <a:ea typeface="KaiTi_GB2312" panose="02010609030101010101" pitchFamily="49" charset="-122"/>
+                <a:cs typeface="Times New Roman" panose="02020603050405020304" pitchFamily="18" charset="0"/>
+              </a:rPr>
+              <a:t>，于是导致了当前层的候选集合 </a:t>
+            </a:r>
+            <a:r>
+              <a:rPr lang="en-US" altLang="zh-CN" sz="1400" dirty="0">
+                <a:latin typeface="Times New Roman" panose="02020603050405020304" pitchFamily="18" charset="0"/>
+                <a:ea typeface="KaiTi_GB2312" panose="02010609030101010101" pitchFamily="49" charset="-122"/>
+                <a:cs typeface="Times New Roman" panose="02020603050405020304" pitchFamily="18" charset="0"/>
+              </a:rPr>
+              <a:t>[1,</a:t>
+            </a:r>
+            <a:r>
+              <a:rPr lang="zh-CN" altLang="en-US" sz="1400" dirty="0">
+                <a:latin typeface="Times New Roman" panose="02020603050405020304" pitchFamily="18" charset="0"/>
+                <a:ea typeface="KaiTi_GB2312" panose="02010609030101010101" pitchFamily="49" charset="-122"/>
+                <a:cs typeface="Times New Roman" panose="02020603050405020304" pitchFamily="18" charset="0"/>
+              </a:rPr>
+              <a:t> </a:t>
+            </a:r>
+            <a:r>
+              <a:rPr lang="en-US" altLang="zh-CN" sz="1400" dirty="0">
+                <a:latin typeface="Times New Roman" panose="02020603050405020304" pitchFamily="18" charset="0"/>
+                <a:ea typeface="KaiTi_GB2312" panose="02010609030101010101" pitchFamily="49" charset="-122"/>
+                <a:cs typeface="Times New Roman" panose="02020603050405020304" pitchFamily="18" charset="0"/>
+              </a:rPr>
+              <a:t>2]</a:t>
+            </a:r>
+            <a:r>
+              <a:rPr lang="zh-CN" altLang="en-US" sz="1400" dirty="0">
+                <a:latin typeface="Times New Roman" panose="02020603050405020304" pitchFamily="18" charset="0"/>
+                <a:ea typeface="KaiTi_GB2312" panose="02010609030101010101" pitchFamily="49" charset="-122"/>
+                <a:cs typeface="Times New Roman" panose="02020603050405020304" pitchFamily="18" charset="0"/>
+              </a:rPr>
+              <a:t> 与前一层的候选集合 </a:t>
+            </a:r>
+            <a:r>
+              <a:rPr lang="en-US" altLang="zh-CN" sz="1400" dirty="0">
+                <a:latin typeface="Times New Roman" panose="02020603050405020304" pitchFamily="18" charset="0"/>
+                <a:ea typeface="KaiTi_GB2312" panose="02010609030101010101" pitchFamily="49" charset="-122"/>
+                <a:cs typeface="Times New Roman" panose="02020603050405020304" pitchFamily="18" charset="0"/>
+              </a:rPr>
+              <a:t>[1’,</a:t>
+            </a:r>
+            <a:r>
+              <a:rPr lang="zh-CN" altLang="en-US" sz="1400" dirty="0">
+                <a:latin typeface="Times New Roman" panose="02020603050405020304" pitchFamily="18" charset="0"/>
+                <a:ea typeface="KaiTi_GB2312" panose="02010609030101010101" pitchFamily="49" charset="-122"/>
+                <a:cs typeface="Times New Roman" panose="02020603050405020304" pitchFamily="18" charset="0"/>
+              </a:rPr>
+              <a:t> </a:t>
+            </a:r>
+            <a:r>
+              <a:rPr lang="en-US" altLang="zh-CN" sz="1400" dirty="0">
+                <a:latin typeface="Times New Roman" panose="02020603050405020304" pitchFamily="18" charset="0"/>
+                <a:ea typeface="KaiTi_GB2312" panose="02010609030101010101" pitchFamily="49" charset="-122"/>
+                <a:cs typeface="Times New Roman" panose="02020603050405020304" pitchFamily="18" charset="0"/>
+              </a:rPr>
+              <a:t>2]</a:t>
+            </a:r>
+            <a:r>
+              <a:rPr lang="zh-CN" altLang="en-US" sz="1400" dirty="0">
+                <a:latin typeface="Times New Roman" panose="02020603050405020304" pitchFamily="18" charset="0"/>
+                <a:ea typeface="KaiTi_GB2312" panose="02010609030101010101" pitchFamily="49" charset="-122"/>
+                <a:cs typeface="Times New Roman" panose="02020603050405020304" pitchFamily="18" charset="0"/>
+              </a:rPr>
+              <a:t> 相等。</a:t>
+            </a:r>
+            <a:endParaRPr lang="en-US" altLang="zh-CN" sz="1400" dirty="0">
+              <a:latin typeface="Times New Roman" panose="02020603050405020304" pitchFamily="18" charset="0"/>
+              <a:ea typeface="KaiTi_GB2312" panose="02010609030101010101" pitchFamily="49" charset="-122"/>
+              <a:cs typeface="Times New Roman" panose="02020603050405020304" pitchFamily="18" charset="0"/>
+            </a:endParaRPr>
+          </a:p>
+          <a:p>
+            <a:endParaRPr lang="en-US" altLang="zh-CN" sz="1400" dirty="0">
+              <a:latin typeface="Times New Roman" panose="02020603050405020304" pitchFamily="18" charset="0"/>
+              <a:ea typeface="KaiTi_GB2312" panose="02010609030101010101" pitchFamily="49" charset="-122"/>
+              <a:cs typeface="Times New Roman" panose="02020603050405020304" pitchFamily="18" charset="0"/>
+            </a:endParaRPr>
+          </a:p>
+          <a:p>
+            <a:r>
+              <a:rPr lang="zh-CN" altLang="en-US" sz="1400" dirty="0">
+                <a:latin typeface="Times New Roman" panose="02020603050405020304" pitchFamily="18" charset="0"/>
+                <a:ea typeface="KaiTi_GB2312" panose="02010609030101010101" pitchFamily="49" charset="-122"/>
+                <a:cs typeface="Times New Roman" panose="02020603050405020304" pitchFamily="18" charset="0"/>
+              </a:rPr>
+              <a:t>同一层的相邻两个分支，“已经选择的结点”和“候选集合”都一样，产生的结点也必然一样。</a:t>
+            </a:r>
+            <a:endParaRPr lang="en-US" altLang="zh-CN" sz="1400" dirty="0">
+              <a:latin typeface="Times New Roman" panose="02020603050405020304" pitchFamily="18" charset="0"/>
+              <a:ea typeface="KaiTi_GB2312" panose="02010609030101010101" pitchFamily="49" charset="-122"/>
+              <a:cs typeface="Times New Roman" panose="02020603050405020304" pitchFamily="18" charset="0"/>
+            </a:endParaRPr>
+          </a:p>
+        </p:txBody>
+      </p:sp>
+      <p:sp>
+        <p:nvSpPr>
+          <p:cNvPr id="28" name="矩形 27">
+            <a:extLst>
+              <a:ext uri="{FF2B5EF4-FFF2-40B4-BE49-F238E27FC236}">
+                <a16:creationId xmlns:a16="http://schemas.microsoft.com/office/drawing/2014/main" id="{F03EC034-AC3D-944D-9235-10BC407E641F}"/>
+              </a:ext>
+            </a:extLst>
+          </p:cNvPr>
+          <p:cNvSpPr/>
+          <p:nvPr/>
+        </p:nvSpPr>
+        <p:spPr>
+          <a:xfrm>
+            <a:off x="378507" y="3237633"/>
+            <a:ext cx="4714595" cy="707886"/>
+          </a:xfrm>
+          <a:prstGeom prst="rect">
+            <a:avLst/>
+          </a:prstGeom>
+          <a:solidFill>
+            <a:srgbClr val="FF0000"/>
+          </a:solidFill>
+          <a:effectLst>
+            <a:softEdge rad="31750"/>
+          </a:effectLst>
+        </p:spPr>
+        <p:txBody>
+          <a:bodyPr wrap="square">
+            <a:spAutoFit/>
+          </a:bodyPr>
+          <a:lstStyle/>
+          <a:p>
+            <a:r>
+              <a:rPr lang="zh-CN" altLang="en-US" sz="2000" b="1" dirty="0">
+                <a:solidFill>
+                  <a:schemeClr val="bg1"/>
+                </a:solidFill>
+                <a:latin typeface="Times New Roman" panose="02020603050405020304" pitchFamily="18" charset="0"/>
+                <a:ea typeface="KaiTi" panose="02010609060101010101" pitchFamily="49" charset="-122"/>
+                <a:cs typeface="Times New Roman" panose="02020603050405020304" pitchFamily="18" charset="0"/>
+              </a:rPr>
+              <a:t>要实现剪枝，检测重复的前提是：</a:t>
+            </a:r>
+            <a:endParaRPr lang="en-US" altLang="zh-CN" sz="2000" b="1" dirty="0">
+              <a:solidFill>
+                <a:schemeClr val="bg1"/>
+              </a:solidFill>
+              <a:latin typeface="Times New Roman" panose="02020603050405020304" pitchFamily="18" charset="0"/>
+              <a:ea typeface="KaiTi" panose="02010609060101010101" pitchFamily="49" charset="-122"/>
+              <a:cs typeface="Times New Roman" panose="02020603050405020304" pitchFamily="18" charset="0"/>
+            </a:endParaRPr>
+          </a:p>
+          <a:p>
+            <a:r>
+              <a:rPr lang="zh-CN" altLang="en-US" sz="2000" b="1" dirty="0">
+                <a:solidFill>
+                  <a:schemeClr val="bg1"/>
+                </a:solidFill>
+                <a:latin typeface="Times New Roman" panose="02020603050405020304" pitchFamily="18" charset="0"/>
+                <a:ea typeface="KaiTi" panose="02010609060101010101" pitchFamily="49" charset="-122"/>
+                <a:cs typeface="Times New Roman" panose="02020603050405020304" pitchFamily="18" charset="0"/>
+              </a:rPr>
+              <a:t>对输入数组进行排序（升序降序均可）。</a:t>
+            </a:r>
+          </a:p>
+        </p:txBody>
+      </p:sp>
+      <p:sp>
+        <p:nvSpPr>
+          <p:cNvPr id="29" name="下箭头 28">
+            <a:extLst>
+              <a:ext uri="{FF2B5EF4-FFF2-40B4-BE49-F238E27FC236}">
+                <a16:creationId xmlns:a16="http://schemas.microsoft.com/office/drawing/2014/main" id="{7200BBCC-CF3A-614B-BD3E-4B27D65FFB00}"/>
+              </a:ext>
+            </a:extLst>
+          </p:cNvPr>
+          <p:cNvSpPr/>
+          <p:nvPr/>
+        </p:nvSpPr>
+        <p:spPr>
+          <a:xfrm rot="15451557">
+            <a:off x="6057406" y="3402017"/>
+            <a:ext cx="340665" cy="3231300"/>
+          </a:xfrm>
+          <a:prstGeom prst="downArrow">
+            <a:avLst/>
+          </a:prstGeom>
+          <a:solidFill>
+            <a:srgbClr val="FF0000"/>
+          </a:solidFill>
+          <a:ln>
+            <a:noFill/>
+          </a:ln>
+        </p:spPr>
+        <p:style>
+          <a:lnRef idx="2">
+            <a:schemeClr val="accent1">
+              <a:shade val="50000"/>
+            </a:schemeClr>
+          </a:lnRef>
+          <a:fillRef idx="1">
+            <a:schemeClr val="accent1"/>
+          </a:fillRef>
+          <a:effectRef idx="0">
+            <a:schemeClr val="accent1"/>
+          </a:effectRef>
+          <a:fontRef idx="minor">
+            <a:schemeClr val="lt1"/>
+          </a:fontRef>
+        </p:style>
+        <p:txBody>
+          <a:bodyPr rtlCol="0" anchor="ctr"/>
+          <a:lstStyle/>
+          <a:p>
+            <a:pPr algn="ctr"/>
+            <a:endParaRPr kumimoji="1" lang="zh-CN" altLang="en-US" sz="2400" dirty="0">
+              <a:solidFill>
+                <a:schemeClr val="bg1"/>
+              </a:solidFill>
+              <a:latin typeface="SimHei" panose="02010609060101010101" pitchFamily="49" charset="-122"/>
+              <a:ea typeface="SimHei" panose="02010609060101010101" pitchFamily="49" charset="-122"/>
+            </a:endParaRPr>
+          </a:p>
+        </p:txBody>
+      </p:sp>
+    </p:spTree>
+    <p:extLst>
+      <p:ext uri="{BB962C8B-B14F-4D97-AF65-F5344CB8AC3E}">
+        <p14:creationId xmlns:p14="http://schemas.microsoft.com/office/powerpoint/2010/main" val="2926675771"/>
       </p:ext>
     </p:extLst>
   </p:cSld>

--- a/0001-0100/LeetCode 第 47 题：“全排列 II”题解配图.pptx
+++ b/0001-0100/LeetCode 第 47 题：“全排列 II”题解配图.pptx
@@ -9,6 +9,7 @@
     <p:sldId id="261" r:id="rId3"/>
     <p:sldId id="262" r:id="rId4"/>
     <p:sldId id="263" r:id="rId5"/>
+    <p:sldId id="264" r:id="rId6"/>
   </p:sldIdLst>
   <p:sldSz cx="12192000" cy="6858000"/>
   <p:notesSz cx="6858000" cy="9144000"/>
@@ -349,7 +350,7 @@
           <a:p>
             <a:fld id="{7C955CD6-C544-6447-88CB-A2D8D4C328B3}" type="datetimeFigureOut">
               <a:rPr kumimoji="1" lang="zh-CN" altLang="en-US" smtClean="0"/>
-              <a:t>2019/7/19</a:t>
+              <a:t>2020/1/9</a:t>
             </a:fld>
             <a:endParaRPr kumimoji="1" lang="zh-CN" altLang="en-US"/>
           </a:p>
@@ -5317,6 +5318,577 @@
 </p:sld>
 </file>
 
+<file path=ppt/slides/slide5.xml><?xml version="1.0" encoding="utf-8"?>
+<p:sld xmlns:a="http://schemas.openxmlformats.org/drawingml/2006/main" xmlns:r="http://schemas.openxmlformats.org/officeDocument/2006/relationships" xmlns:p="http://schemas.openxmlformats.org/presentationml/2006/main">
+  <p:cSld>
+    <p:spTree>
+      <p:nvGrpSpPr>
+        <p:cNvPr id="1" name=""/>
+        <p:cNvGrpSpPr/>
+        <p:nvPr/>
+      </p:nvGrpSpPr>
+      <p:grpSpPr>
+        <a:xfrm>
+          <a:off x="0" y="0"/>
+          <a:ext cx="0" cy="0"/>
+          <a:chOff x="0" y="0"/>
+          <a:chExt cx="0" cy="0"/>
+        </a:xfrm>
+      </p:grpSpPr>
+      <p:sp>
+        <p:nvSpPr>
+          <p:cNvPr id="5" name="矩形 4">
+            <a:extLst>
+              <a:ext uri="{FF2B5EF4-FFF2-40B4-BE49-F238E27FC236}">
+                <a16:creationId xmlns:a16="http://schemas.microsoft.com/office/drawing/2014/main" id="{C578AC20-C502-6149-932E-58F0DC329CC2}"/>
+              </a:ext>
+            </a:extLst>
+          </p:cNvPr>
+          <p:cNvSpPr/>
+          <p:nvPr/>
+        </p:nvSpPr>
+        <p:spPr>
+          <a:xfrm>
+            <a:off x="2161880" y="102000"/>
+            <a:ext cx="5981125" cy="461665"/>
+          </a:xfrm>
+          <a:prstGeom prst="rect">
+            <a:avLst/>
+          </a:prstGeom>
+        </p:spPr>
+        <p:txBody>
+          <a:bodyPr wrap="none">
+            <a:spAutoFit/>
+          </a:bodyPr>
+          <a:lstStyle/>
+          <a:p>
+            <a:r>
+              <a:rPr kumimoji="1" lang="zh-CN" altLang="en-US" sz="2400" dirty="0">
+                <a:solidFill>
+                  <a:schemeClr val="bg1"/>
+                </a:solidFill>
+                <a:latin typeface="Menlo" panose="020B0609030804020204" pitchFamily="49" charset="0"/>
+                <a:ea typeface="Source Han Sans SC" panose="020B0500000000000000" pitchFamily="34" charset="-128"/>
+                <a:cs typeface="Menlo" panose="020B0609030804020204" pitchFamily="49" charset="0"/>
+              </a:rPr>
+              <a:t>第 </a:t>
+            </a:r>
+            <a:r>
+              <a:rPr kumimoji="1" lang="en-US" altLang="zh-CN" sz="2400" dirty="0">
+                <a:solidFill>
+                  <a:schemeClr val="bg1"/>
+                </a:solidFill>
+                <a:latin typeface="Menlo" panose="020B0609030804020204" pitchFamily="49" charset="0"/>
+                <a:ea typeface="Menlo" panose="020B0609030804020204" pitchFamily="49" charset="0"/>
+                <a:cs typeface="Menlo" panose="020B0609030804020204" pitchFamily="49" charset="0"/>
+              </a:rPr>
+              <a:t>47</a:t>
+            </a:r>
+            <a:r>
+              <a:rPr kumimoji="1" lang="zh-CN" altLang="en-US" sz="2400" dirty="0">
+                <a:solidFill>
+                  <a:schemeClr val="bg1"/>
+                </a:solidFill>
+                <a:latin typeface="Menlo" panose="020B0609030804020204" pitchFamily="49" charset="0"/>
+                <a:ea typeface="Source Han Sans SC" panose="020B0500000000000000" pitchFamily="34" charset="-128"/>
+                <a:cs typeface="Menlo" panose="020B0609030804020204" pitchFamily="49" charset="0"/>
+              </a:rPr>
+              <a:t> 题：“全排列 </a:t>
+            </a:r>
+            <a:r>
+              <a:rPr kumimoji="1" lang="en-US" altLang="zh-CN" sz="2400" dirty="0">
+                <a:solidFill>
+                  <a:schemeClr val="bg1"/>
+                </a:solidFill>
+                <a:latin typeface="Menlo" panose="020B0609030804020204" pitchFamily="49" charset="0"/>
+                <a:ea typeface="Menlo" panose="020B0609030804020204" pitchFamily="49" charset="0"/>
+                <a:cs typeface="Menlo" panose="020B0609030804020204" pitchFamily="49" charset="0"/>
+              </a:rPr>
+              <a:t>II</a:t>
+            </a:r>
+            <a:r>
+              <a:rPr kumimoji="1" lang="zh-CN" altLang="en-US" sz="2400" dirty="0">
+                <a:solidFill>
+                  <a:schemeClr val="bg1"/>
+                </a:solidFill>
+                <a:latin typeface="Menlo" panose="020B0609030804020204" pitchFamily="49" charset="0"/>
+                <a:ea typeface="Source Han Sans SC" panose="020B0500000000000000" pitchFamily="34" charset="-128"/>
+                <a:cs typeface="Menlo" panose="020B0609030804020204" pitchFamily="49" charset="0"/>
+              </a:rPr>
+              <a:t>”题解配图（</a:t>
+            </a:r>
+            <a:r>
+              <a:rPr kumimoji="1" lang="en-US" altLang="zh-CN" sz="2400" dirty="0">
+                <a:solidFill>
+                  <a:schemeClr val="bg1"/>
+                </a:solidFill>
+                <a:latin typeface="Menlo" panose="020B0609030804020204" pitchFamily="49" charset="0"/>
+                <a:ea typeface="Menlo" panose="020B0609030804020204" pitchFamily="49" charset="0"/>
+                <a:cs typeface="Menlo" panose="020B0609030804020204" pitchFamily="49" charset="0"/>
+              </a:rPr>
+              <a:t>1</a:t>
+            </a:r>
+            <a:r>
+              <a:rPr kumimoji="1" lang="zh-CN" altLang="en-US" sz="2400" dirty="0">
+                <a:solidFill>
+                  <a:schemeClr val="bg1"/>
+                </a:solidFill>
+                <a:latin typeface="Menlo" panose="020B0609030804020204" pitchFamily="49" charset="0"/>
+                <a:ea typeface="Source Han Sans SC" panose="020B0500000000000000" pitchFamily="34" charset="-128"/>
+                <a:cs typeface="Menlo" panose="020B0609030804020204" pitchFamily="49" charset="0"/>
+              </a:rPr>
+              <a:t>）</a:t>
+            </a:r>
+            <a:endParaRPr lang="zh-CN" altLang="en-US" dirty="0">
+              <a:solidFill>
+                <a:schemeClr val="bg1"/>
+              </a:solidFill>
+              <a:latin typeface="Menlo" panose="020B0609030804020204" pitchFamily="49" charset="0"/>
+              <a:ea typeface="Source Han Sans SC" panose="020B0500000000000000" pitchFamily="34" charset="-128"/>
+              <a:cs typeface="Menlo" panose="020B0609030804020204" pitchFamily="49" charset="0"/>
+            </a:endParaRPr>
+          </a:p>
+        </p:txBody>
+      </p:sp>
+      <p:pic>
+        <p:nvPicPr>
+          <p:cNvPr id="2" name="图片 1">
+            <a:extLst>
+              <a:ext uri="{FF2B5EF4-FFF2-40B4-BE49-F238E27FC236}">
+                <a16:creationId xmlns:a16="http://schemas.microsoft.com/office/drawing/2014/main" id="{867C12C9-BFF4-8449-A8A8-75E3499B5F36}"/>
+              </a:ext>
+            </a:extLst>
+          </p:cNvPr>
+          <p:cNvPicPr>
+            <a:picLocks noChangeAspect="1"/>
+          </p:cNvPicPr>
+          <p:nvPr/>
+        </p:nvPicPr>
+        <p:blipFill>
+          <a:blip r:embed="rId2"/>
+          <a:stretch>
+            <a:fillRect/>
+          </a:stretch>
+        </p:blipFill>
+        <p:spPr>
+          <a:xfrm>
+            <a:off x="1681196" y="2005660"/>
+            <a:ext cx="8829607" cy="4665470"/>
+          </a:xfrm>
+          <a:prstGeom prst="rect">
+            <a:avLst/>
+          </a:prstGeom>
+        </p:spPr>
+      </p:pic>
+      <p:sp>
+        <p:nvSpPr>
+          <p:cNvPr id="3" name="矩形 2">
+            <a:extLst>
+              <a:ext uri="{FF2B5EF4-FFF2-40B4-BE49-F238E27FC236}">
+                <a16:creationId xmlns:a16="http://schemas.microsoft.com/office/drawing/2014/main" id="{5ABD1899-67E7-7D42-8788-0D86D8404A50}"/>
+              </a:ext>
+            </a:extLst>
+          </p:cNvPr>
+          <p:cNvSpPr/>
+          <p:nvPr/>
+        </p:nvSpPr>
+        <p:spPr>
+          <a:xfrm>
+            <a:off x="6725054" y="2216364"/>
+            <a:ext cx="5094051" cy="307777"/>
+          </a:xfrm>
+          <a:prstGeom prst="rect">
+            <a:avLst/>
+          </a:prstGeom>
+        </p:spPr>
+        <p:txBody>
+          <a:bodyPr wrap="square">
+            <a:spAutoFit/>
+          </a:bodyPr>
+          <a:lstStyle/>
+          <a:p>
+            <a:r>
+              <a:rPr lang="zh-CN" altLang="en-US" sz="1400" dirty="0">
+                <a:latin typeface="Source Han Sans SC" panose="020B0500000000000000" pitchFamily="34" charset="-128"/>
+                <a:ea typeface="Source Han Sans SC" panose="020B0500000000000000" pitchFamily="34" charset="-128"/>
+              </a:rPr>
+              <a:t>① 搜索到这里的时候，搜索起点和上一次搜索的起点一样。</a:t>
+            </a:r>
+          </a:p>
+        </p:txBody>
+      </p:sp>
+      <p:sp>
+        <p:nvSpPr>
+          <p:cNvPr id="11" name="矩形 10">
+            <a:extLst>
+              <a:ext uri="{FF2B5EF4-FFF2-40B4-BE49-F238E27FC236}">
+                <a16:creationId xmlns:a16="http://schemas.microsoft.com/office/drawing/2014/main" id="{CC575A9C-D500-D841-9BFB-468581A050C5}"/>
+              </a:ext>
+            </a:extLst>
+          </p:cNvPr>
+          <p:cNvSpPr/>
+          <p:nvPr/>
+        </p:nvSpPr>
+        <p:spPr>
+          <a:xfrm>
+            <a:off x="-29184" y="3260840"/>
+            <a:ext cx="2814535" cy="523220"/>
+          </a:xfrm>
+          <a:prstGeom prst="rect">
+            <a:avLst/>
+          </a:prstGeom>
+        </p:spPr>
+        <p:txBody>
+          <a:bodyPr wrap="square">
+            <a:spAutoFit/>
+          </a:bodyPr>
+          <a:lstStyle/>
+          <a:p>
+            <a:r>
+              <a:rPr lang="en-US" altLang="zh-CN" sz="1400" dirty="0">
+                <a:latin typeface="Source Han Sans SC" panose="020B0500000000000000" pitchFamily="34" charset="-128"/>
+                <a:ea typeface="Source Han Sans SC" panose="020B0500000000000000" pitchFamily="34" charset="-128"/>
+              </a:rPr>
+              <a:t>②</a:t>
+            </a:r>
+            <a:r>
+              <a:rPr lang="zh-CN" altLang="en-US" sz="1400" dirty="0">
+                <a:latin typeface="Source Han Sans SC" panose="020B0500000000000000" pitchFamily="34" charset="-128"/>
+                <a:ea typeface="Source Han Sans SC" panose="020B0500000000000000" pitchFamily="34" charset="-128"/>
+              </a:rPr>
+              <a:t> 搜索到这里的时候，搜索起点也和上一次搜索的起点一样。</a:t>
+            </a:r>
+          </a:p>
+        </p:txBody>
+      </p:sp>
+      <p:cxnSp>
+        <p:nvCxnSpPr>
+          <p:cNvPr id="12" name="直线箭头连接符 11">
+            <a:extLst>
+              <a:ext uri="{FF2B5EF4-FFF2-40B4-BE49-F238E27FC236}">
+                <a16:creationId xmlns:a16="http://schemas.microsoft.com/office/drawing/2014/main" id="{24D73A80-67DE-3B4B-8E0C-DB7C79337CBE}"/>
+              </a:ext>
+            </a:extLst>
+          </p:cNvPr>
+          <p:cNvCxnSpPr>
+            <a:cxnSpLocks/>
+          </p:cNvCxnSpPr>
+          <p:nvPr/>
+        </p:nvCxnSpPr>
+        <p:spPr>
+          <a:xfrm>
+            <a:off x="2247089" y="3784060"/>
+            <a:ext cx="299218" cy="473341"/>
+          </a:xfrm>
+          <a:prstGeom prst="straightConnector1">
+            <a:avLst/>
+          </a:prstGeom>
+          <a:ln w="38100">
+            <a:solidFill>
+              <a:srgbClr val="EB4335"/>
+            </a:solidFill>
+            <a:tailEnd type="triangle"/>
+          </a:ln>
+        </p:spPr>
+        <p:style>
+          <a:lnRef idx="1">
+            <a:schemeClr val="accent1"/>
+          </a:lnRef>
+          <a:fillRef idx="0">
+            <a:schemeClr val="accent1"/>
+          </a:fillRef>
+          <a:effectRef idx="0">
+            <a:schemeClr val="accent1"/>
+          </a:effectRef>
+          <a:fontRef idx="minor">
+            <a:schemeClr val="tx1"/>
+          </a:fontRef>
+        </p:style>
+      </p:cxnSp>
+      <p:cxnSp>
+        <p:nvCxnSpPr>
+          <p:cNvPr id="16" name="直线箭头连接符 15">
+            <a:extLst>
+              <a:ext uri="{FF2B5EF4-FFF2-40B4-BE49-F238E27FC236}">
+                <a16:creationId xmlns:a16="http://schemas.microsoft.com/office/drawing/2014/main" id="{B18B8D5E-04A8-DD49-AB09-3C24F3671BFA}"/>
+              </a:ext>
+            </a:extLst>
+          </p:cNvPr>
+          <p:cNvCxnSpPr>
+            <a:cxnSpLocks/>
+          </p:cNvCxnSpPr>
+          <p:nvPr/>
+        </p:nvCxnSpPr>
+        <p:spPr>
+          <a:xfrm flipH="1">
+            <a:off x="6303523" y="2524141"/>
+            <a:ext cx="1098372" cy="394157"/>
+          </a:xfrm>
+          <a:prstGeom prst="straightConnector1">
+            <a:avLst/>
+          </a:prstGeom>
+          <a:ln w="38100">
+            <a:solidFill>
+              <a:srgbClr val="EB4335"/>
+            </a:solidFill>
+            <a:tailEnd type="triangle"/>
+          </a:ln>
+        </p:spPr>
+        <p:style>
+          <a:lnRef idx="1">
+            <a:schemeClr val="accent1"/>
+          </a:lnRef>
+          <a:fillRef idx="0">
+            <a:schemeClr val="accent1"/>
+          </a:fillRef>
+          <a:effectRef idx="0">
+            <a:schemeClr val="accent1"/>
+          </a:effectRef>
+          <a:fontRef idx="minor">
+            <a:schemeClr val="tx1"/>
+          </a:fontRef>
+        </p:style>
+      </p:cxnSp>
+      <p:cxnSp>
+        <p:nvCxnSpPr>
+          <p:cNvPr id="18" name="直线箭头连接符 17">
+            <a:extLst>
+              <a:ext uri="{FF2B5EF4-FFF2-40B4-BE49-F238E27FC236}">
+                <a16:creationId xmlns:a16="http://schemas.microsoft.com/office/drawing/2014/main" id="{02FD6817-2905-0448-A826-1CE7FD4C35DA}"/>
+              </a:ext>
+            </a:extLst>
+          </p:cNvPr>
+          <p:cNvCxnSpPr>
+            <a:cxnSpLocks/>
+          </p:cNvCxnSpPr>
+          <p:nvPr/>
+        </p:nvCxnSpPr>
+        <p:spPr>
+          <a:xfrm>
+            <a:off x="7529209" y="2524141"/>
+            <a:ext cx="1848256" cy="1405833"/>
+          </a:xfrm>
+          <a:prstGeom prst="straightConnector1">
+            <a:avLst/>
+          </a:prstGeom>
+          <a:ln w="38100">
+            <a:solidFill>
+              <a:srgbClr val="EB4335"/>
+            </a:solidFill>
+            <a:tailEnd type="triangle"/>
+          </a:ln>
+        </p:spPr>
+        <p:style>
+          <a:lnRef idx="1">
+            <a:schemeClr val="accent1"/>
+          </a:lnRef>
+          <a:fillRef idx="0">
+            <a:schemeClr val="accent1"/>
+          </a:fillRef>
+          <a:effectRef idx="0">
+            <a:schemeClr val="accent1"/>
+          </a:effectRef>
+          <a:fontRef idx="minor">
+            <a:schemeClr val="tx1"/>
+          </a:fontRef>
+        </p:style>
+      </p:cxnSp>
+      <p:sp>
+        <p:nvSpPr>
+          <p:cNvPr id="23" name="矩形 22">
+            <a:extLst>
+              <a:ext uri="{FF2B5EF4-FFF2-40B4-BE49-F238E27FC236}">
+                <a16:creationId xmlns:a16="http://schemas.microsoft.com/office/drawing/2014/main" id="{F5D0842C-75AC-6544-ACB0-64E875920259}"/>
+              </a:ext>
+            </a:extLst>
+          </p:cNvPr>
+          <p:cNvSpPr/>
+          <p:nvPr/>
+        </p:nvSpPr>
+        <p:spPr>
+          <a:xfrm>
+            <a:off x="372895" y="847111"/>
+            <a:ext cx="11403330" cy="2031325"/>
+          </a:xfrm>
+          <a:prstGeom prst="rect">
+            <a:avLst/>
+          </a:prstGeom>
+        </p:spPr>
+        <p:txBody>
+          <a:bodyPr wrap="square">
+            <a:spAutoFit/>
+          </a:bodyPr>
+          <a:lstStyle/>
+          <a:p>
+            <a:r>
+              <a:rPr lang="zh-CN" altLang="en-US" sz="1400" dirty="0">
+                <a:latin typeface="Source Han Sans SC" panose="020B0500000000000000" pitchFamily="34" charset="-128"/>
+                <a:ea typeface="Source Han Sans SC" panose="020B0500000000000000" pitchFamily="34" charset="-128"/>
+              </a:rPr>
+              <a:t>重点想象深度优先遍历在这棵树上执行的过程，哪些地方遍历下去一定会产生重复，这些地方的状态的特点是什么？</a:t>
+            </a:r>
+            <a:endParaRPr lang="en-US" altLang="zh-CN" sz="1400" dirty="0">
+              <a:latin typeface="Source Han Sans SC" panose="020B0500000000000000" pitchFamily="34" charset="-128"/>
+              <a:ea typeface="Source Han Sans SC" panose="020B0500000000000000" pitchFamily="34" charset="-128"/>
+            </a:endParaRPr>
+          </a:p>
+          <a:p>
+            <a:r>
+              <a:rPr lang="zh-CN" altLang="en-US" sz="1400" dirty="0">
+                <a:latin typeface="Source Han Sans SC" panose="020B0500000000000000" pitchFamily="34" charset="-128"/>
+                <a:ea typeface="Source Han Sans SC" panose="020B0500000000000000" pitchFamily="34" charset="-128"/>
+              </a:rPr>
+              <a:t>对比图中标注 </a:t>
+            </a:r>
+            <a:r>
+              <a:rPr lang="en-US" altLang="zh-CN" sz="1400" dirty="0">
+                <a:latin typeface="Source Han Sans SC" panose="020B0500000000000000" pitchFamily="34" charset="-128"/>
+                <a:ea typeface="Source Han Sans SC" panose="020B0500000000000000" pitchFamily="34" charset="-128"/>
+              </a:rPr>
+              <a:t>①</a:t>
+            </a:r>
+            <a:r>
+              <a:rPr lang="zh-CN" altLang="en-US" sz="1400" dirty="0">
+                <a:latin typeface="Source Han Sans SC" panose="020B0500000000000000" pitchFamily="34" charset="-128"/>
+                <a:ea typeface="Source Han Sans SC" panose="020B0500000000000000" pitchFamily="34" charset="-128"/>
+              </a:rPr>
+              <a:t> 和 </a:t>
+            </a:r>
+            <a:r>
+              <a:rPr lang="en-US" altLang="zh-CN" sz="1400" dirty="0">
+                <a:latin typeface="Source Han Sans SC" panose="020B0500000000000000" pitchFamily="34" charset="-128"/>
+                <a:ea typeface="Source Han Sans SC" panose="020B0500000000000000" pitchFamily="34" charset="-128"/>
+              </a:rPr>
+              <a:t>②</a:t>
+            </a:r>
+            <a:r>
+              <a:rPr lang="zh-CN" altLang="en-US" sz="1400" dirty="0">
+                <a:latin typeface="Source Han Sans SC" panose="020B0500000000000000" pitchFamily="34" charset="-128"/>
+                <a:ea typeface="Source Han Sans SC" panose="020B0500000000000000" pitchFamily="34" charset="-128"/>
+              </a:rPr>
+              <a:t> 的地方。</a:t>
+            </a:r>
+            <a:endParaRPr lang="en-US" altLang="zh-CN" sz="1400" dirty="0">
+              <a:latin typeface="Source Han Sans SC" panose="020B0500000000000000" pitchFamily="34" charset="-128"/>
+              <a:ea typeface="Source Han Sans SC" panose="020B0500000000000000" pitchFamily="34" charset="-128"/>
+            </a:endParaRPr>
+          </a:p>
+          <a:p>
+            <a:endParaRPr lang="en-US" altLang="zh-CN" sz="1400" dirty="0">
+              <a:latin typeface="Source Han Sans SC" panose="020B0500000000000000" pitchFamily="34" charset="-128"/>
+              <a:ea typeface="Source Han Sans SC" panose="020B0500000000000000" pitchFamily="34" charset="-128"/>
+            </a:endParaRPr>
+          </a:p>
+          <a:p>
+            <a:r>
+              <a:rPr lang="zh-CN" altLang="en-US" sz="1400" dirty="0">
+                <a:latin typeface="Source Han Sans SC" panose="020B0500000000000000" pitchFamily="34" charset="-128"/>
+                <a:ea typeface="Source Han Sans SC" panose="020B0500000000000000" pitchFamily="34" charset="-128"/>
+              </a:rPr>
+              <a:t>相同点是：</a:t>
+            </a:r>
+            <a:endParaRPr lang="en-US" altLang="zh-CN" sz="1400" dirty="0">
+              <a:latin typeface="Source Han Sans SC" panose="020B0500000000000000" pitchFamily="34" charset="-128"/>
+              <a:ea typeface="Source Han Sans SC" panose="020B0500000000000000" pitchFamily="34" charset="-128"/>
+            </a:endParaRPr>
+          </a:p>
+          <a:p>
+            <a:r>
+              <a:rPr lang="zh-CN" altLang="en-US" sz="1400" dirty="0">
+                <a:latin typeface="Source Han Sans SC" panose="020B0500000000000000" pitchFamily="34" charset="-128"/>
+                <a:ea typeface="Source Han Sans SC" panose="020B0500000000000000" pitchFamily="34" charset="-128"/>
+              </a:rPr>
+              <a:t>这一次搜索的起点和上一次搜索的起点一样。</a:t>
+            </a:r>
+            <a:endParaRPr lang="en-US" altLang="zh-CN" sz="1400" dirty="0">
+              <a:latin typeface="Source Han Sans SC" panose="020B0500000000000000" pitchFamily="34" charset="-128"/>
+              <a:ea typeface="Source Han Sans SC" panose="020B0500000000000000" pitchFamily="34" charset="-128"/>
+            </a:endParaRPr>
+          </a:p>
+          <a:p>
+            <a:endParaRPr lang="en-US" altLang="zh-CN" sz="1400" dirty="0">
+              <a:latin typeface="Source Han Sans SC" panose="020B0500000000000000" pitchFamily="34" charset="-128"/>
+              <a:ea typeface="Source Han Sans SC" panose="020B0500000000000000" pitchFamily="34" charset="-128"/>
+            </a:endParaRPr>
+          </a:p>
+          <a:p>
+            <a:r>
+              <a:rPr lang="zh-CN" altLang="en-US" sz="1400" dirty="0">
+                <a:latin typeface="Source Han Sans SC" panose="020B0500000000000000" pitchFamily="34" charset="-128"/>
+                <a:ea typeface="Source Han Sans SC" panose="020B0500000000000000" pitchFamily="34" charset="-128"/>
+              </a:rPr>
+              <a:t>不同点是：</a:t>
+            </a:r>
+            <a:endParaRPr lang="en-US" altLang="zh-CN" sz="1400" dirty="0">
+              <a:latin typeface="Source Han Sans SC" panose="020B0500000000000000" pitchFamily="34" charset="-128"/>
+              <a:ea typeface="Source Han Sans SC" panose="020B0500000000000000" pitchFamily="34" charset="-128"/>
+            </a:endParaRPr>
+          </a:p>
+          <a:p>
+            <a:r>
+              <a:rPr lang="zh-CN" altLang="en-US" sz="1400" dirty="0">
+                <a:latin typeface="Source Han Sans SC" panose="020B0500000000000000" pitchFamily="34" charset="-128"/>
+                <a:ea typeface="Source Han Sans SC" panose="020B0500000000000000" pitchFamily="34" charset="-128"/>
+              </a:rPr>
+              <a:t>标注 </a:t>
+            </a:r>
+            <a:r>
+              <a:rPr lang="en-US" altLang="zh-CN" sz="1400" dirty="0">
+                <a:latin typeface="Source Han Sans SC" panose="020B0500000000000000" pitchFamily="34" charset="-128"/>
+                <a:ea typeface="Source Han Sans SC" panose="020B0500000000000000" pitchFamily="34" charset="-128"/>
+              </a:rPr>
+              <a:t>①</a:t>
+            </a:r>
+            <a:r>
+              <a:rPr lang="zh-CN" altLang="en-US" sz="1400" dirty="0">
+                <a:latin typeface="Source Han Sans SC" panose="020B0500000000000000" pitchFamily="34" charset="-128"/>
+                <a:ea typeface="Source Han Sans SC" panose="020B0500000000000000" pitchFamily="34" charset="-128"/>
+              </a:rPr>
+              <a:t> 的地方上一次搜索的相同的数刚刚被撤销。</a:t>
+            </a:r>
+            <a:endParaRPr lang="en-US" altLang="zh-CN" sz="1400" dirty="0">
+              <a:latin typeface="Source Han Sans SC" panose="020B0500000000000000" pitchFamily="34" charset="-128"/>
+              <a:ea typeface="Source Han Sans SC" panose="020B0500000000000000" pitchFamily="34" charset="-128"/>
+            </a:endParaRPr>
+          </a:p>
+          <a:p>
+            <a:r>
+              <a:rPr lang="zh-CN" altLang="en-US" sz="1400" dirty="0">
+                <a:latin typeface="Source Han Sans SC" panose="020B0500000000000000" pitchFamily="34" charset="-128"/>
+                <a:ea typeface="Source Han Sans SC" panose="020B0500000000000000" pitchFamily="34" charset="-128"/>
+              </a:rPr>
+              <a:t>标注 </a:t>
+            </a:r>
+            <a:r>
+              <a:rPr lang="en-US" altLang="zh-CN" sz="1400" dirty="0">
+                <a:latin typeface="Source Han Sans SC" panose="020B0500000000000000" pitchFamily="34" charset="-128"/>
+                <a:ea typeface="Source Han Sans SC" panose="020B0500000000000000" pitchFamily="34" charset="-128"/>
+              </a:rPr>
+              <a:t>②</a:t>
+            </a:r>
+            <a:r>
+              <a:rPr lang="zh-CN" altLang="en-US" sz="1400" dirty="0">
+                <a:latin typeface="Source Han Sans SC" panose="020B0500000000000000" pitchFamily="34" charset="-128"/>
+                <a:ea typeface="Source Han Sans SC" panose="020B0500000000000000" pitchFamily="34" charset="-128"/>
+              </a:rPr>
+              <a:t> 的地方上一次搜索的相同的数刚刚被使用。</a:t>
+            </a:r>
+          </a:p>
+        </p:txBody>
+      </p:sp>
+    </p:spTree>
+    <p:extLst>
+      <p:ext uri="{BB962C8B-B14F-4D97-AF65-F5344CB8AC3E}">
+        <p14:creationId xmlns:p14="http://schemas.microsoft.com/office/powerpoint/2010/main" val="3349083070"/>
+      </p:ext>
+    </p:extLst>
+  </p:cSld>
+  <p:clrMapOvr>
+    <a:masterClrMapping/>
+  </p:clrMapOvr>
+</p:sld>
+</file>
+
 <file path=ppt/theme/theme1.xml><?xml version="1.0" encoding="utf-8"?>
 <a:theme xmlns:a="http://schemas.openxmlformats.org/drawingml/2006/main" name="Office 主题​​">
   <a:themeElements>
